--- a/PLPTH813Bioinformatis/2023/lectures/lecture14_BeocatProject.pptx
+++ b/PLPTH813Bioinformatis/2023/lectures/lecture14_BeocatProject.pptx
@@ -5,7 +5,7 @@
     <p:sldMasterId id="2147483660" r:id="rId1"/>
   </p:sldMasterIdLst>
   <p:notesMasterIdLst>
-    <p:notesMasterId r:id="rId16"/>
+    <p:notesMasterId r:id="rId22"/>
   </p:notesMasterIdLst>
   <p:sldIdLst>
     <p:sldId id="256" r:id="rId2"/>
@@ -15,13 +15,19 @@
     <p:sldId id="261" r:id="rId6"/>
     <p:sldId id="260" r:id="rId7"/>
     <p:sldId id="267" r:id="rId8"/>
-    <p:sldId id="264" r:id="rId9"/>
-    <p:sldId id="270" r:id="rId10"/>
-    <p:sldId id="273" r:id="rId11"/>
-    <p:sldId id="274" r:id="rId12"/>
-    <p:sldId id="269" r:id="rId13"/>
-    <p:sldId id="271" r:id="rId14"/>
-    <p:sldId id="257" r:id="rId15"/>
+    <p:sldId id="269" r:id="rId9"/>
+    <p:sldId id="276" r:id="rId10"/>
+    <p:sldId id="277" r:id="rId11"/>
+    <p:sldId id="275" r:id="rId12"/>
+    <p:sldId id="274" r:id="rId13"/>
+    <p:sldId id="273" r:id="rId14"/>
+    <p:sldId id="272" r:id="rId15"/>
+    <p:sldId id="271" r:id="rId16"/>
+    <p:sldId id="270" r:id="rId17"/>
+    <p:sldId id="280" r:id="rId18"/>
+    <p:sldId id="279" r:id="rId19"/>
+    <p:sldId id="281" r:id="rId20"/>
+    <p:sldId id="257" r:id="rId21"/>
   </p:sldIdLst>
   <p:sldSz cx="9144000" cy="6858000" type="screen4x3"/>
   <p:notesSz cx="6858000" cy="9144000"/>
@@ -210,7 +216,7 @@
           <a:p>
             <a:fld id="{8855602D-883D-CC4D-93B3-DEDFCD22325B}" type="datetimeFigureOut">
               <a:rPr lang="en-US" smtClean="0"/>
-              <a:t>4/5/23</a:t>
+              <a:t>4/9/23</a:t>
             </a:fld>
             <a:endParaRPr lang="en-US"/>
           </a:p>
@@ -720,7 +726,7 @@
           <a:p>
             <a:fld id="{5C8A62DC-34B9-8C44-926F-1DFCE40A3D12}" type="datetimeFigureOut">
               <a:rPr lang="en-US" smtClean="0"/>
-              <a:t>4/5/23</a:t>
+              <a:t>4/9/23</a:t>
             </a:fld>
             <a:endParaRPr lang="en-US"/>
           </a:p>
@@ -890,7 +896,7 @@
           <a:p>
             <a:fld id="{5C8A62DC-34B9-8C44-926F-1DFCE40A3D12}" type="datetimeFigureOut">
               <a:rPr lang="en-US" smtClean="0"/>
-              <a:t>4/5/23</a:t>
+              <a:t>4/9/23</a:t>
             </a:fld>
             <a:endParaRPr lang="en-US"/>
           </a:p>
@@ -1070,7 +1076,7 @@
           <a:p>
             <a:fld id="{5C8A62DC-34B9-8C44-926F-1DFCE40A3D12}" type="datetimeFigureOut">
               <a:rPr lang="en-US" smtClean="0"/>
-              <a:t>4/5/23</a:t>
+              <a:t>4/9/23</a:t>
             </a:fld>
             <a:endParaRPr lang="en-US"/>
           </a:p>
@@ -1240,7 +1246,7 @@
           <a:p>
             <a:fld id="{5C8A62DC-34B9-8C44-926F-1DFCE40A3D12}" type="datetimeFigureOut">
               <a:rPr lang="en-US" smtClean="0"/>
-              <a:t>4/5/23</a:t>
+              <a:t>4/9/23</a:t>
             </a:fld>
             <a:endParaRPr lang="en-US"/>
           </a:p>
@@ -1484,7 +1490,7 @@
           <a:p>
             <a:fld id="{5C8A62DC-34B9-8C44-926F-1DFCE40A3D12}" type="datetimeFigureOut">
               <a:rPr lang="en-US" smtClean="0"/>
-              <a:t>4/5/23</a:t>
+              <a:t>4/9/23</a:t>
             </a:fld>
             <a:endParaRPr lang="en-US"/>
           </a:p>
@@ -1716,7 +1722,7 @@
           <a:p>
             <a:fld id="{5C8A62DC-34B9-8C44-926F-1DFCE40A3D12}" type="datetimeFigureOut">
               <a:rPr lang="en-US" smtClean="0"/>
-              <a:t>4/5/23</a:t>
+              <a:t>4/9/23</a:t>
             </a:fld>
             <a:endParaRPr lang="en-US"/>
           </a:p>
@@ -2083,7 +2089,7 @@
           <a:p>
             <a:fld id="{5C8A62DC-34B9-8C44-926F-1DFCE40A3D12}" type="datetimeFigureOut">
               <a:rPr lang="en-US" smtClean="0"/>
-              <a:t>4/5/23</a:t>
+              <a:t>4/9/23</a:t>
             </a:fld>
             <a:endParaRPr lang="en-US"/>
           </a:p>
@@ -2201,7 +2207,7 @@
           <a:p>
             <a:fld id="{5C8A62DC-34B9-8C44-926F-1DFCE40A3D12}" type="datetimeFigureOut">
               <a:rPr lang="en-US" smtClean="0"/>
-              <a:t>4/5/23</a:t>
+              <a:t>4/9/23</a:t>
             </a:fld>
             <a:endParaRPr lang="en-US"/>
           </a:p>
@@ -2296,7 +2302,7 @@
           <a:p>
             <a:fld id="{5C8A62DC-34B9-8C44-926F-1DFCE40A3D12}" type="datetimeFigureOut">
               <a:rPr lang="en-US" smtClean="0"/>
-              <a:t>4/5/23</a:t>
+              <a:t>4/9/23</a:t>
             </a:fld>
             <a:endParaRPr lang="en-US"/>
           </a:p>
@@ -2573,7 +2579,7 @@
           <a:p>
             <a:fld id="{5C8A62DC-34B9-8C44-926F-1DFCE40A3D12}" type="datetimeFigureOut">
               <a:rPr lang="en-US" smtClean="0"/>
-              <a:t>4/5/23</a:t>
+              <a:t>4/9/23</a:t>
             </a:fld>
             <a:endParaRPr lang="en-US"/>
           </a:p>
@@ -2830,7 +2836,7 @@
           <a:p>
             <a:fld id="{5C8A62DC-34B9-8C44-926F-1DFCE40A3D12}" type="datetimeFigureOut">
               <a:rPr lang="en-US" smtClean="0"/>
-              <a:t>4/5/23</a:t>
+              <a:t>4/9/23</a:t>
             </a:fld>
             <a:endParaRPr lang="en-US"/>
           </a:p>
@@ -3043,7 +3049,7 @@
           <a:p>
             <a:fld id="{5C8A62DC-34B9-8C44-926F-1DFCE40A3D12}" type="datetimeFigureOut">
               <a:rPr lang="en-US" smtClean="0"/>
-              <a:t>4/5/23</a:t>
+              <a:t>4/9/23</a:t>
             </a:fld>
             <a:endParaRPr lang="en-US"/>
           </a:p>
@@ -3532,7 +3538,7 @@
           <a:p>
             <a:r>
               <a:rPr lang="en-US" sz="2800" dirty="0"/>
-              <a:t>3/23/2021</a:t>
+              <a:t>4/13/2023</a:t>
             </a:r>
           </a:p>
         </p:txBody>
@@ -3553,14 +3559,6 @@
 <file path=ppt/slides/slide10.xml><?xml version="1.0" encoding="utf-8"?>
 <p:sld xmlns:a="http://schemas.openxmlformats.org/drawingml/2006/main" xmlns:r="http://schemas.openxmlformats.org/officeDocument/2006/relationships" xmlns:p="http://schemas.openxmlformats.org/presentationml/2006/main">
   <p:cSld>
-    <p:bg>
-      <p:bgPr>
-        <a:solidFill>
-          <a:schemeClr val="bg1"/>
-        </a:solidFill>
-        <a:effectLst/>
-      </p:bgPr>
-    </p:bg>
     <p:spTree>
       <p:nvGrpSpPr>
         <p:cNvPr id="1" name=""/>
@@ -3580,7 +3578,7 @@
           <p:cNvPr id="2" name="Title 1">
             <a:extLst>
               <a:ext uri="{FF2B5EF4-FFF2-40B4-BE49-F238E27FC236}">
-                <a16:creationId xmlns:a16="http://schemas.microsoft.com/office/drawing/2014/main" id="{83D919CE-B243-524C-874B-A33CC022852A}"/>
+                <a16:creationId xmlns:a16="http://schemas.microsoft.com/office/drawing/2014/main" id="{DC76DADE-2A74-0D26-0990-A3571030C7DB}"/>
               </a:ext>
             </a:extLst>
           </p:cNvPr>
@@ -3593,208 +3591,246 @@
         </p:nvSpPr>
         <p:spPr>
           <a:xfrm>
-            <a:off x="628650" y="203342"/>
-            <a:ext cx="7886700" cy="1325563"/>
+            <a:off x="628650" y="365127"/>
+            <a:ext cx="7886700" cy="1330278"/>
           </a:xfrm>
         </p:spPr>
         <p:txBody>
-          <a:bodyPr vert="horz" lIns="91440" tIns="45720" rIns="91440" bIns="45720" rtlCol="0" anchor="ctr">
-            <a:noAutofit/>
+          <a:bodyPr>
+            <a:normAutofit/>
           </a:bodyPr>
           <a:lstStyle/>
           <a:p>
-            <a:r>
-              <a:rPr lang="en-US" sz="3200" dirty="0" err="1"/>
-              <a:t>Clustalw</a:t>
-            </a:r>
+            <a:pPr algn="ctr"/>
             <a:r>
               <a:rPr lang="en-US" sz="3200" dirty="0"/>
-              <a:t> </a:t>
-            </a:r>
-            <a:r>
-              <a:rPr lang="en-US" sz="2400" dirty="0"/>
-              <a:t>(/homes/liu3zhen/software/</a:t>
-            </a:r>
-            <a:r>
-              <a:rPr lang="en-US" sz="2400" dirty="0" err="1"/>
-              <a:t>clustalw</a:t>
-            </a:r>
-            <a:r>
-              <a:rPr lang="en-US" sz="2400" dirty="0"/>
-              <a:t>/</a:t>
-            </a:r>
-            <a:r>
-              <a:rPr lang="en-US" sz="2400" dirty="0" err="1"/>
-              <a:t>clustalw</a:t>
-            </a:r>
-            <a:r>
-              <a:rPr lang="en-US" sz="2400" dirty="0"/>
-              <a:t>/clustalw2)</a:t>
-            </a:r>
-          </a:p>
-        </p:txBody>
-      </p:sp>
-      <p:sp>
-        <p:nvSpPr>
-          <p:cNvPr id="4" name="Rectangle 3">
+              <a:t>1-ref: reference indexing</a:t>
+            </a:r>
+            <a:br>
+              <a:rPr lang="en-US" sz="3200" dirty="0"/>
+            </a:br>
+            <a:r>
+              <a:rPr lang="en-US" sz="2400" dirty="0" err="1">
+                <a:solidFill>
+                  <a:srgbClr val="2FB41D"/>
+                </a:solidFill>
+                <a:effectLst/>
+                <a:latin typeface="Monaco" pitchFamily="2" charset="77"/>
+              </a:rPr>
+              <a:t>bwa.index.sbatch</a:t>
+            </a:r>
+            <a:br>
+              <a:rPr lang="en-US" sz="2400" dirty="0">
+                <a:solidFill>
+                  <a:srgbClr val="F2F2F2"/>
+                </a:solidFill>
+                <a:latin typeface="Monaco" pitchFamily="2" charset="77"/>
+              </a:rPr>
+            </a:br>
+            <a:r>
+              <a:rPr lang="en-US" sz="2400" dirty="0" err="1">
+                <a:solidFill>
+                  <a:srgbClr val="2FB41D"/>
+                </a:solidFill>
+                <a:effectLst/>
+                <a:latin typeface="Monaco" pitchFamily="2" charset="77"/>
+              </a:rPr>
+              <a:t>gatk.index.sbatch</a:t>
+            </a:r>
+            <a:endParaRPr lang="en-US" sz="2400" dirty="0"/>
+          </a:p>
+        </p:txBody>
+      </p:sp>
+      <p:sp>
+        <p:nvSpPr>
+          <p:cNvPr id="3" name="Content Placeholder 2">
             <a:extLst>
               <a:ext uri="{FF2B5EF4-FFF2-40B4-BE49-F238E27FC236}">
-                <a16:creationId xmlns:a16="http://schemas.microsoft.com/office/drawing/2014/main" id="{78C9818D-2335-424A-B1C7-06AEEDC77AC7}"/>
+                <a16:creationId xmlns:a16="http://schemas.microsoft.com/office/drawing/2014/main" id="{B30B73B8-7B53-23E5-8371-E6AB6065E284}"/>
               </a:ext>
             </a:extLst>
           </p:cNvPr>
-          <p:cNvSpPr/>
-          <p:nvPr/>
+          <p:cNvSpPr>
+            <a:spLocks noGrp="1"/>
+          </p:cNvSpPr>
+          <p:nvPr>
+            <p:ph idx="1"/>
+          </p:nvPr>
         </p:nvSpPr>
         <p:spPr>
           <a:xfrm>
-            <a:off x="4771420" y="1863719"/>
-            <a:ext cx="3889979" cy="610203"/>
+            <a:off x="628650" y="2073990"/>
+            <a:ext cx="7886700" cy="452063"/>
           </a:xfrm>
-          <a:prstGeom prst="rect">
-            <a:avLst/>
-          </a:prstGeom>
         </p:spPr>
         <p:txBody>
-          <a:bodyPr vert="horz" lIns="91440" tIns="45720" rIns="91440" bIns="45720" rtlCol="0">
-            <a:noAutofit/>
+          <a:bodyPr>
+            <a:normAutofit lnSpcReduction="10000"/>
           </a:bodyPr>
           <a:lstStyle/>
           <a:p>
-            <a:pPr defTabSz="914400">
-              <a:lnSpc>
-                <a:spcPct val="90000"/>
-              </a:lnSpc>
-              <a:spcAft>
-                <a:spcPts val="600"/>
-              </a:spcAft>
-            </a:pPr>
-            <a:r>
-              <a:rPr lang="en-US" sz="2800" dirty="0"/>
-              <a:t>SARS_CoV2_isolates.fasta</a:t>
-            </a:r>
-            <a:endParaRPr lang="en-US" sz="2800" dirty="0">
-              <a:effectLst/>
-            </a:endParaRPr>
-          </a:p>
-        </p:txBody>
-      </p:sp>
-      <p:pic>
-        <p:nvPicPr>
-          <p:cNvPr id="8" name="Picture 7" descr="Text&#10;&#10;Description automatically generated">
+            <a:pPr marL="0" indent="0">
+              <a:buNone/>
+            </a:pPr>
+            <a:r>
+              <a:rPr lang="en-US" dirty="0"/>
+              <a:t>covid19ref.fasta</a:t>
+            </a:r>
+          </a:p>
+        </p:txBody>
+      </p:sp>
+      <p:sp>
+        <p:nvSpPr>
+          <p:cNvPr id="4" name="TextBox 3">
             <a:extLst>
               <a:ext uri="{FF2B5EF4-FFF2-40B4-BE49-F238E27FC236}">
-                <a16:creationId xmlns:a16="http://schemas.microsoft.com/office/drawing/2014/main" id="{C1C0D304-1CC7-7142-B56D-157372CFCF6E}"/>
+                <a16:creationId xmlns:a16="http://schemas.microsoft.com/office/drawing/2014/main" id="{7C385777-3D5C-CDAC-F3F7-675CFE4450C5}"/>
               </a:ext>
             </a:extLst>
           </p:cNvPr>
-          <p:cNvPicPr>
-            <a:picLocks noChangeAspect="1"/>
-          </p:cNvPicPr>
+          <p:cNvSpPr txBox="1"/>
           <p:nvPr/>
-        </p:nvPicPr>
-        <p:blipFill>
-          <a:blip r:embed="rId2"/>
-          <a:stretch>
-            <a:fillRect/>
-          </a:stretch>
-        </p:blipFill>
+        </p:nvSpPr>
         <p:spPr>
           <a:xfrm>
-            <a:off x="256699" y="1547952"/>
-            <a:ext cx="4479341" cy="2120900"/>
-          </a:xfrm>
-          <a:prstGeom prst="rect">
-            <a:avLst/>
-          </a:prstGeom>
-        </p:spPr>
-      </p:pic>
-      <p:sp>
-        <p:nvSpPr>
-          <p:cNvPr id="9" name="Rectangle 8">
-            <a:extLst>
-              <a:ext uri="{FF2B5EF4-FFF2-40B4-BE49-F238E27FC236}">
-                <a16:creationId xmlns:a16="http://schemas.microsoft.com/office/drawing/2014/main" id="{B499D72F-A7B8-BA40-92A8-BBD4D9E8AE4F}"/>
-              </a:ext>
-            </a:extLst>
-          </p:cNvPr>
-          <p:cNvSpPr/>
-          <p:nvPr/>
-        </p:nvSpPr>
-        <p:spPr>
-          <a:xfrm>
-            <a:off x="328246" y="2318312"/>
-            <a:ext cx="3036277" cy="308654"/>
+            <a:off x="628650" y="2951946"/>
+            <a:ext cx="8054940" cy="954107"/>
           </a:xfrm>
           <a:prstGeom prst="rect">
             <a:avLst/>
           </a:prstGeom>
           <a:noFill/>
-          <a:ln w="28575">
-            <a:solidFill>
-              <a:srgbClr val="FF0000"/>
-            </a:solidFill>
-          </a:ln>
         </p:spPr>
-        <p:style>
-          <a:lnRef idx="2">
-            <a:schemeClr val="accent1">
-              <a:shade val="50000"/>
-            </a:schemeClr>
-          </a:lnRef>
-          <a:fillRef idx="1">
-            <a:schemeClr val="accent1"/>
-          </a:fillRef>
-          <a:effectRef idx="0">
-            <a:schemeClr val="accent1"/>
-          </a:effectRef>
-          <a:fontRef idx="minor">
-            <a:schemeClr val="lt1"/>
-          </a:fontRef>
-        </p:style>
-        <p:txBody>
-          <a:bodyPr rtlCol="0" anchor="ctr"/>
-          <a:lstStyle/>
-          <a:p>
-            <a:pPr algn="ctr"/>
-            <a:endParaRPr lang="en-US"/>
-          </a:p>
-        </p:txBody>
-      </p:sp>
-      <p:pic>
-        <p:nvPicPr>
-          <p:cNvPr id="10" name="Picture 9" descr="Text&#10;&#10;Description automatically generated">
+        <p:txBody>
+          <a:bodyPr wrap="square" rtlCol="0">
+            <a:spAutoFit/>
+          </a:bodyPr>
+          <a:lstStyle/>
+          <a:p>
+            <a:r>
+              <a:rPr lang="en-US" sz="2800" dirty="0">
+                <a:latin typeface="Courier New" panose="02070309020205020404" pitchFamily="49" charset="0"/>
+                <a:cs typeface="Courier New" panose="02070309020205020404" pitchFamily="49" charset="0"/>
+              </a:rPr>
+              <a:t>bwa index -p $prefix covid19ref.fasta</a:t>
+            </a:r>
+          </a:p>
+          <a:p>
+            <a:endParaRPr lang="en-US" sz="2800" dirty="0">
+              <a:latin typeface="Courier New" panose="02070309020205020404" pitchFamily="49" charset="0"/>
+              <a:cs typeface="Courier New" panose="02070309020205020404" pitchFamily="49" charset="0"/>
+            </a:endParaRPr>
+          </a:p>
+        </p:txBody>
+      </p:sp>
+      <p:sp>
+        <p:nvSpPr>
+          <p:cNvPr id="5" name="TextBox 4">
             <a:extLst>
               <a:ext uri="{FF2B5EF4-FFF2-40B4-BE49-F238E27FC236}">
-                <a16:creationId xmlns:a16="http://schemas.microsoft.com/office/drawing/2014/main" id="{CBABC5C6-8330-4548-AD72-71A29A8F2AE6}"/>
+                <a16:creationId xmlns:a16="http://schemas.microsoft.com/office/drawing/2014/main" id="{F895A1C4-DFAA-CBCF-0C90-D840D98208C8}"/>
               </a:ext>
             </a:extLst>
           </p:cNvPr>
-          <p:cNvPicPr>
-            <a:picLocks noChangeAspect="1"/>
-          </p:cNvPicPr>
+          <p:cNvSpPr txBox="1"/>
           <p:nvPr/>
-        </p:nvPicPr>
-        <p:blipFill>
-          <a:blip r:embed="rId3"/>
-          <a:stretch>
-            <a:fillRect/>
-          </a:stretch>
-        </p:blipFill>
+        </p:nvSpPr>
         <p:spPr>
           <a:xfrm>
-            <a:off x="256699" y="3797958"/>
-            <a:ext cx="8839200" cy="2768600"/>
+            <a:off x="628650" y="3955865"/>
+            <a:ext cx="7315200" cy="1815882"/>
           </a:xfrm>
           <a:prstGeom prst="rect">
             <a:avLst/>
           </a:prstGeom>
+          <a:noFill/>
         </p:spPr>
-      </p:pic>
+        <p:txBody>
+          <a:bodyPr wrap="square" rtlCol="0">
+            <a:spAutoFit/>
+          </a:bodyPr>
+          <a:lstStyle/>
+          <a:p>
+            <a:r>
+              <a:rPr lang="en-US" sz="2800" dirty="0" err="1">
+                <a:latin typeface="Courier New" panose="02070309020205020404" pitchFamily="49" charset="0"/>
+                <a:cs typeface="Courier New" panose="02070309020205020404" pitchFamily="49" charset="0"/>
+              </a:rPr>
+              <a:t>gatk</a:t>
+            </a:r>
+            <a:r>
+              <a:rPr lang="en-US" sz="2800" dirty="0">
+                <a:latin typeface="Courier New" panose="02070309020205020404" pitchFamily="49" charset="0"/>
+                <a:cs typeface="Courier New" panose="02070309020205020404" pitchFamily="49" charset="0"/>
+              </a:rPr>
+              <a:t>  </a:t>
+            </a:r>
+            <a:r>
+              <a:rPr lang="en-US" sz="2800" dirty="0" err="1">
+                <a:latin typeface="Courier New" panose="02070309020205020404" pitchFamily="49" charset="0"/>
+                <a:cs typeface="Courier New" panose="02070309020205020404" pitchFamily="49" charset="0"/>
+              </a:rPr>
+              <a:t>CreateSequenceDictionary</a:t>
+            </a:r>
+            <a:r>
+              <a:rPr lang="en-US" sz="2800" dirty="0">
+                <a:latin typeface="Courier New" panose="02070309020205020404" pitchFamily="49" charset="0"/>
+                <a:cs typeface="Courier New" panose="02070309020205020404" pitchFamily="49" charset="0"/>
+              </a:rPr>
+              <a:t> \</a:t>
+            </a:r>
+          </a:p>
+          <a:p>
+            <a:r>
+              <a:rPr lang="en-US" sz="2800" dirty="0">
+                <a:latin typeface="Courier New" panose="02070309020205020404" pitchFamily="49" charset="0"/>
+                <a:cs typeface="Courier New" panose="02070309020205020404" pitchFamily="49" charset="0"/>
+              </a:rPr>
+              <a:t>	-R covid19ref.fasta -O $out</a:t>
+            </a:r>
+          </a:p>
+          <a:p>
+            <a:endParaRPr lang="en-US" sz="2800" dirty="0">
+              <a:latin typeface="Courier New" panose="02070309020205020404" pitchFamily="49" charset="0"/>
+              <a:cs typeface="Courier New" panose="02070309020205020404" pitchFamily="49" charset="0"/>
+            </a:endParaRPr>
+          </a:p>
+          <a:p>
+            <a:r>
+              <a:rPr lang="en-US" sz="2800" dirty="0" err="1">
+                <a:latin typeface="Courier New" panose="02070309020205020404" pitchFamily="49" charset="0"/>
+                <a:cs typeface="Courier New" panose="02070309020205020404" pitchFamily="49" charset="0"/>
+              </a:rPr>
+              <a:t>samtools</a:t>
+            </a:r>
+            <a:r>
+              <a:rPr lang="en-US" sz="2800" dirty="0">
+                <a:latin typeface="Courier New" panose="02070309020205020404" pitchFamily="49" charset="0"/>
+                <a:cs typeface="Courier New" panose="02070309020205020404" pitchFamily="49" charset="0"/>
+              </a:rPr>
+              <a:t> </a:t>
+            </a:r>
+            <a:r>
+              <a:rPr lang="en-US" sz="2800" dirty="0" err="1">
+                <a:latin typeface="Courier New" panose="02070309020205020404" pitchFamily="49" charset="0"/>
+                <a:cs typeface="Courier New" panose="02070309020205020404" pitchFamily="49" charset="0"/>
+              </a:rPr>
+              <a:t>faidx</a:t>
+            </a:r>
+            <a:r>
+              <a:rPr lang="en-US" sz="2800" dirty="0">
+                <a:latin typeface="Courier New" panose="02070309020205020404" pitchFamily="49" charset="0"/>
+                <a:cs typeface="Courier New" panose="02070309020205020404" pitchFamily="49" charset="0"/>
+              </a:rPr>
+              <a:t> covid19ref.fasta</a:t>
+            </a:r>
+          </a:p>
+        </p:txBody>
+      </p:sp>
     </p:spTree>
     <p:extLst>
       <p:ext uri="{BB962C8B-B14F-4D97-AF65-F5344CB8AC3E}">
-        <p14:creationId xmlns:p14="http://schemas.microsoft.com/office/powerpoint/2010/main" val="3828898646"/>
+        <p14:creationId xmlns:p14="http://schemas.microsoft.com/office/powerpoint/2010/main" val="2182679212"/>
       </p:ext>
     </p:extLst>
   </p:cSld>
@@ -3826,7 +3862,7 @@
           <p:cNvPr id="2" name="Title 1">
             <a:extLst>
               <a:ext uri="{FF2B5EF4-FFF2-40B4-BE49-F238E27FC236}">
-                <a16:creationId xmlns:a16="http://schemas.microsoft.com/office/drawing/2014/main" id="{EDA7744C-C21E-3744-B061-ABE929F0184E}"/>
+                <a16:creationId xmlns:a16="http://schemas.microsoft.com/office/drawing/2014/main" id="{DC76DADE-2A74-0D26-0990-A3571030C7DB}"/>
               </a:ext>
             </a:extLst>
           </p:cNvPr>
@@ -3839,19 +3875,25 @@
         </p:nvSpPr>
         <p:spPr>
           <a:xfrm>
-            <a:off x="628650" y="365126"/>
-            <a:ext cx="7886700" cy="901001"/>
+            <a:off x="628650" y="365127"/>
+            <a:ext cx="7886700" cy="672564"/>
           </a:xfrm>
         </p:spPr>
         <p:txBody>
-          <a:bodyPr/>
+          <a:bodyPr>
+            <a:normAutofit/>
+          </a:bodyPr>
           <a:lstStyle/>
           <a:p>
             <a:pPr algn="ctr"/>
             <a:r>
-              <a:rPr lang="en-US" dirty="0"/>
-              <a:t>Output and visualization</a:t>
-            </a:r>
+              <a:rPr lang="en-US" sz="3200" dirty="0">
+                <a:latin typeface="Courier New" panose="02070309020205020404" pitchFamily="49" charset="0"/>
+                <a:cs typeface="Courier New" panose="02070309020205020404" pitchFamily="49" charset="0"/>
+              </a:rPr>
+              <a:t>2_reads</a:t>
+            </a:r>
+            <a:endParaRPr lang="en-US" sz="3200" dirty="0"/>
           </a:p>
         </p:txBody>
       </p:sp>
@@ -3860,7 +3902,7 @@
           <p:cNvPr id="3" name="Content Placeholder 2">
             <a:extLst>
               <a:ext uri="{FF2B5EF4-FFF2-40B4-BE49-F238E27FC236}">
-                <a16:creationId xmlns:a16="http://schemas.microsoft.com/office/drawing/2014/main" id="{B8025E2D-84A0-1C4E-8916-4A00B7C7E1DE}"/>
+                <a16:creationId xmlns:a16="http://schemas.microsoft.com/office/drawing/2014/main" id="{B30B73B8-7B53-23E5-8371-E6AB6065E284}"/>
               </a:ext>
             </a:extLst>
           </p:cNvPr>
@@ -3873,13 +3915,13 @@
         </p:nvSpPr>
         <p:spPr>
           <a:xfrm>
-            <a:off x="419832" y="5270438"/>
-            <a:ext cx="7886700" cy="1140381"/>
+            <a:off x="2393878" y="1530849"/>
+            <a:ext cx="4643919" cy="4646114"/>
           </a:xfrm>
         </p:spPr>
         <p:txBody>
           <a:bodyPr>
-            <a:noAutofit/>
+            <a:normAutofit/>
           </a:bodyPr>
           <a:lstStyle/>
           <a:p>
@@ -3888,7 +3930,7 @@
             </a:pPr>
             <a:r>
               <a:rPr lang="en-US" sz="3200" dirty="0"/>
-              <a:t>Output tree: SARS_CoV2_isolates.phb</a:t>
+              <a:t>s1_1.fq.gz</a:t>
             </a:r>
           </a:p>
           <a:p>
@@ -3896,87 +3938,52 @@
               <a:buNone/>
             </a:pPr>
             <a:r>
-              <a:rPr lang="en-US" sz="3200" dirty="0" err="1"/>
-              <a:t>Virualization</a:t>
-            </a:r>
-            <a:r>
               <a:rPr lang="en-US" sz="3200" dirty="0"/>
-              <a:t> at </a:t>
-            </a:r>
-            <a:r>
-              <a:rPr lang="en-US" sz="3200" dirty="0">
-                <a:hlinkClick r:id="rId2"/>
-              </a:rPr>
-              <a:t>itol</a:t>
-            </a:r>
-            <a:endParaRPr lang="en-US" sz="3200" dirty="0"/>
-          </a:p>
-        </p:txBody>
-      </p:sp>
-      <p:pic>
-        <p:nvPicPr>
-          <p:cNvPr id="7" name="Picture 6" descr="Graphical user interface, application&#10;&#10;Description automatically generated with medium confidence">
-            <a:extLst>
-              <a:ext uri="{FF2B5EF4-FFF2-40B4-BE49-F238E27FC236}">
-                <a16:creationId xmlns:a16="http://schemas.microsoft.com/office/drawing/2014/main" id="{708A061B-2452-B04F-8545-108BE7F7AF19}"/>
-              </a:ext>
-            </a:extLst>
-          </p:cNvPr>
-          <p:cNvPicPr>
-            <a:picLocks noChangeAspect="1"/>
-          </p:cNvPicPr>
-          <p:nvPr/>
-        </p:nvPicPr>
-        <p:blipFill>
-          <a:blip r:embed="rId3"/>
-          <a:stretch>
-            <a:fillRect/>
-          </a:stretch>
-        </p:blipFill>
-        <p:spPr>
-          <a:xfrm>
-            <a:off x="419832" y="1627335"/>
-            <a:ext cx="8515350" cy="1440457"/>
-          </a:xfrm>
-          <a:prstGeom prst="rect">
-            <a:avLst/>
-          </a:prstGeom>
-        </p:spPr>
-      </p:pic>
-      <p:pic>
-        <p:nvPicPr>
-          <p:cNvPr id="9" name="Picture 8" descr="A picture containing rectangle&#10;&#10;Description automatically generated">
-            <a:extLst>
-              <a:ext uri="{FF2B5EF4-FFF2-40B4-BE49-F238E27FC236}">
-                <a16:creationId xmlns:a16="http://schemas.microsoft.com/office/drawing/2014/main" id="{5372C716-46DE-A042-AE37-C4B84309716A}"/>
-              </a:ext>
-            </a:extLst>
-          </p:cNvPr>
-          <p:cNvPicPr>
-            <a:picLocks noChangeAspect="1"/>
-          </p:cNvPicPr>
-          <p:nvPr/>
-        </p:nvPicPr>
-        <p:blipFill>
-          <a:blip r:embed="rId4"/>
-          <a:stretch>
-            <a:fillRect/>
-          </a:stretch>
-        </p:blipFill>
-        <p:spPr>
-          <a:xfrm>
-            <a:off x="419832" y="3429000"/>
-            <a:ext cx="8515350" cy="1461737"/>
-          </a:xfrm>
-          <a:prstGeom prst="rect">
-            <a:avLst/>
-          </a:prstGeom>
-        </p:spPr>
-      </p:pic>
+              <a:t>s1_2.fq.gz</a:t>
+            </a:r>
+          </a:p>
+          <a:p>
+            <a:pPr marL="0" indent="0">
+              <a:buNone/>
+            </a:pPr>
+            <a:r>
+              <a:rPr lang="en-US" sz="3200" dirty="0"/>
+              <a:t>s2_1.fq.gz</a:t>
+            </a:r>
+          </a:p>
+          <a:p>
+            <a:pPr marL="0" indent="0">
+              <a:buNone/>
+            </a:pPr>
+            <a:r>
+              <a:rPr lang="en-US" sz="3200" dirty="0"/>
+              <a:t>s2_2.fq.gz</a:t>
+            </a:r>
+          </a:p>
+          <a:p>
+            <a:pPr marL="0" indent="0">
+              <a:buNone/>
+            </a:pPr>
+            <a:r>
+              <a:rPr lang="en-US" sz="3200" dirty="0"/>
+              <a:t>s3_1.fq.gz</a:t>
+            </a:r>
+          </a:p>
+          <a:p>
+            <a:pPr marL="0" indent="0">
+              <a:buNone/>
+            </a:pPr>
+            <a:r>
+              <a:rPr lang="en-US" sz="3200" dirty="0"/>
+              <a:t>s3_2.fq.gz</a:t>
+            </a:r>
+          </a:p>
+        </p:txBody>
+      </p:sp>
     </p:spTree>
     <p:extLst>
       <p:ext uri="{BB962C8B-B14F-4D97-AF65-F5344CB8AC3E}">
-        <p14:creationId xmlns:p14="http://schemas.microsoft.com/office/powerpoint/2010/main" val="2275990501"/>
+        <p14:creationId xmlns:p14="http://schemas.microsoft.com/office/powerpoint/2010/main" val="1003536524"/>
       </p:ext>
     </p:extLst>
   </p:cSld>
@@ -4008,7 +4015,7 @@
           <p:cNvPr id="2" name="Title 1">
             <a:extLst>
               <a:ext uri="{FF2B5EF4-FFF2-40B4-BE49-F238E27FC236}">
-                <a16:creationId xmlns:a16="http://schemas.microsoft.com/office/drawing/2014/main" id="{C2CB86FB-A73E-264B-8E2D-51EDCE147D50}"/>
+                <a16:creationId xmlns:a16="http://schemas.microsoft.com/office/drawing/2014/main" id="{DC76DADE-2A74-0D26-0990-A3571030C7DB}"/>
               </a:ext>
             </a:extLst>
           </p:cNvPr>
@@ -4021,20 +4028,35 @@
         </p:nvSpPr>
         <p:spPr>
           <a:xfrm>
-            <a:off x="390525" y="253877"/>
-            <a:ext cx="8362950" cy="1325563"/>
+            <a:off x="628650" y="365126"/>
+            <a:ext cx="7886700" cy="1083529"/>
           </a:xfrm>
         </p:spPr>
         <p:txBody>
           <a:bodyPr>
-            <a:normAutofit fontScale="90000"/>
+            <a:normAutofit/>
           </a:bodyPr>
           <a:lstStyle/>
           <a:p>
-            <a:r>
-              <a:rPr lang="en-US" dirty="0"/>
-              <a:t>Alignment to a reference, discovery of SNP, and tree construction with ape</a:t>
-            </a:r>
+            <a:pPr algn="ctr"/>
+            <a:r>
+              <a:rPr lang="en-US" sz="3200" dirty="0"/>
+              <a:t>3_aln (I)</a:t>
+            </a:r>
+            <a:br>
+              <a:rPr lang="en-US" sz="3200" dirty="0"/>
+            </a:br>
+            <a:r>
+              <a:rPr lang="en-US" sz="2400" dirty="0">
+                <a:solidFill>
+                  <a:srgbClr val="2FB41D"/>
+                </a:solidFill>
+                <a:effectLst/>
+                <a:latin typeface="Monaco" pitchFamily="2" charset="77"/>
+              </a:rPr>
+              <a:t>1c_bwa.sh</a:t>
+            </a:r>
+            <a:endParaRPr lang="en-US" sz="2400" dirty="0"/>
           </a:p>
         </p:txBody>
       </p:sp>
@@ -4043,7 +4065,7 @@
           <p:cNvPr id="3" name="Content Placeholder 2">
             <a:extLst>
               <a:ext uri="{FF2B5EF4-FFF2-40B4-BE49-F238E27FC236}">
-                <a16:creationId xmlns:a16="http://schemas.microsoft.com/office/drawing/2014/main" id="{A5A19FB5-D381-A94A-8562-68FD3C31C778}"/>
+                <a16:creationId xmlns:a16="http://schemas.microsoft.com/office/drawing/2014/main" id="{B30B73B8-7B53-23E5-8371-E6AB6065E284}"/>
               </a:ext>
             </a:extLst>
           </p:cNvPr>
@@ -4056,57 +4078,170 @@
         </p:nvSpPr>
         <p:spPr>
           <a:xfrm>
-            <a:off x="628650" y="1579440"/>
-            <a:ext cx="7886700" cy="4351338"/>
+            <a:off x="628650" y="1530849"/>
+            <a:ext cx="7886700" cy="4119938"/>
           </a:xfrm>
         </p:spPr>
         <p:txBody>
-          <a:bodyPr>
-            <a:normAutofit/>
-          </a:bodyPr>
-          <a:lstStyle/>
-          <a:p>
-            <a:pPr>
-              <a:lnSpc>
-                <a:spcPct val="150000"/>
-              </a:lnSpc>
-            </a:pPr>
-            <a:r>
-              <a:rPr lang="en-US" dirty="0"/>
-              <a:t>Each genome or sequence aligned to the reference genome</a:t>
-            </a:r>
-          </a:p>
-          <a:p>
-            <a:pPr>
-              <a:lnSpc>
-                <a:spcPct val="150000"/>
-              </a:lnSpc>
-            </a:pPr>
-            <a:r>
-              <a:rPr lang="en-US" dirty="0"/>
-              <a:t>Alignments used for SNP discovery, or genotyping</a:t>
-            </a:r>
-          </a:p>
-          <a:p>
-            <a:pPr>
-              <a:lnSpc>
-                <a:spcPct val="150000"/>
-              </a:lnSpc>
-            </a:pPr>
-            <a:r>
-              <a:rPr lang="en-US" dirty="0"/>
-              <a:t>Data conversion to compatible SNP data for ape analysis</a:t>
-            </a:r>
-          </a:p>
-          <a:p>
-            <a:pPr>
-              <a:lnSpc>
-                <a:spcPct val="150000"/>
-              </a:lnSpc>
-            </a:pPr>
-            <a:r>
-              <a:rPr lang="en-US" dirty="0"/>
-              <a:t>Construction of a phylogenetic tree</a:t>
+          <a:bodyPr/>
+          <a:lstStyle/>
+          <a:p>
+            <a:pPr marL="0" indent="0">
+              <a:buNone/>
+            </a:pPr>
+            <a:r>
+              <a:rPr lang="en-US" dirty="0" err="1">
+                <a:latin typeface="Courier New" panose="02070309020205020404" pitchFamily="49" charset="0"/>
+                <a:cs typeface="Courier New" panose="02070309020205020404" pitchFamily="49" charset="0"/>
+              </a:rPr>
+              <a:t>perl</a:t>
+            </a:r>
+            <a:r>
+              <a:rPr lang="en-US" dirty="0">
+                <a:latin typeface="Courier New" panose="02070309020205020404" pitchFamily="49" charset="0"/>
+                <a:cs typeface="Courier New" panose="02070309020205020404" pitchFamily="49" charset="0"/>
+              </a:rPr>
+              <a:t> ../scripts/bwa/</a:t>
+            </a:r>
+            <a:r>
+              <a:rPr lang="en-US" dirty="0" err="1">
+                <a:latin typeface="Courier New" panose="02070309020205020404" pitchFamily="49" charset="0"/>
+                <a:cs typeface="Courier New" panose="02070309020205020404" pitchFamily="49" charset="0"/>
+              </a:rPr>
+              <a:t>bwa.sbatch.pl</a:t>
+            </a:r>
+            <a:r>
+              <a:rPr lang="en-US" dirty="0">
+                <a:latin typeface="Courier New" panose="02070309020205020404" pitchFamily="49" charset="0"/>
+                <a:cs typeface="Courier New" panose="02070309020205020404" pitchFamily="49" charset="0"/>
+              </a:rPr>
+              <a:t> \</a:t>
+            </a:r>
+          </a:p>
+          <a:p>
+            <a:pPr marL="0" indent="0">
+              <a:buNone/>
+            </a:pPr>
+            <a:r>
+              <a:rPr lang="en-US" dirty="0">
+                <a:latin typeface="Courier New" panose="02070309020205020404" pitchFamily="49" charset="0"/>
+                <a:cs typeface="Courier New" panose="02070309020205020404" pitchFamily="49" charset="0"/>
+              </a:rPr>
+              <a:t>    --mem 1G --time 1:00:00 \</a:t>
+            </a:r>
+          </a:p>
+          <a:p>
+            <a:pPr marL="0" indent="0">
+              <a:buNone/>
+            </a:pPr>
+            <a:r>
+              <a:rPr lang="en-US" dirty="0">
+                <a:latin typeface="Courier New" panose="02070309020205020404" pitchFamily="49" charset="0"/>
+                <a:cs typeface="Courier New" panose="02070309020205020404" pitchFamily="49" charset="0"/>
+              </a:rPr>
+              <a:t>    --threads 1 \</a:t>
+            </a:r>
+          </a:p>
+          <a:p>
+            <a:pPr marL="0" indent="0">
+              <a:buNone/>
+            </a:pPr>
+            <a:r>
+              <a:rPr lang="en-US" dirty="0">
+                <a:latin typeface="Courier New" panose="02070309020205020404" pitchFamily="49" charset="0"/>
+                <a:cs typeface="Courier New" panose="02070309020205020404" pitchFamily="49" charset="0"/>
+              </a:rPr>
+              <a:t>    --</a:t>
+            </a:r>
+            <a:r>
+              <a:rPr lang="en-US" dirty="0" err="1">
+                <a:latin typeface="Courier New" panose="02070309020205020404" pitchFamily="49" charset="0"/>
+                <a:cs typeface="Courier New" panose="02070309020205020404" pitchFamily="49" charset="0"/>
+              </a:rPr>
+              <a:t>indir</a:t>
+            </a:r>
+            <a:r>
+              <a:rPr lang="en-US" dirty="0">
+                <a:latin typeface="Courier New" panose="02070309020205020404" pitchFamily="49" charset="0"/>
+                <a:cs typeface="Courier New" panose="02070309020205020404" pitchFamily="49" charset="0"/>
+              </a:rPr>
+              <a:t> ../2_reads \</a:t>
+            </a:r>
+          </a:p>
+          <a:p>
+            <a:pPr marL="0" indent="0">
+              <a:buNone/>
+            </a:pPr>
+            <a:r>
+              <a:rPr lang="en-US" dirty="0">
+                <a:latin typeface="Courier New" panose="02070309020205020404" pitchFamily="49" charset="0"/>
+                <a:cs typeface="Courier New" panose="02070309020205020404" pitchFamily="49" charset="0"/>
+              </a:rPr>
+              <a:t>    --</a:t>
+            </a:r>
+            <a:r>
+              <a:rPr lang="en-US" dirty="0" err="1">
+                <a:latin typeface="Courier New" panose="02070309020205020404" pitchFamily="49" charset="0"/>
+                <a:cs typeface="Courier New" panose="02070309020205020404" pitchFamily="49" charset="0"/>
+              </a:rPr>
+              <a:t>outdir</a:t>
+            </a:r>
+            <a:r>
+              <a:rPr lang="en-US" dirty="0">
+                <a:latin typeface="Courier New" panose="02070309020205020404" pitchFamily="49" charset="0"/>
+                <a:cs typeface="Courier New" panose="02070309020205020404" pitchFamily="49" charset="0"/>
+              </a:rPr>
+              <a:t> . \</a:t>
+            </a:r>
+          </a:p>
+          <a:p>
+            <a:pPr marL="0" indent="0">
+              <a:buNone/>
+            </a:pPr>
+            <a:r>
+              <a:rPr lang="en-US" dirty="0">
+                <a:latin typeface="Courier New" panose="02070309020205020404" pitchFamily="49" charset="0"/>
+                <a:cs typeface="Courier New" panose="02070309020205020404" pitchFamily="49" charset="0"/>
+              </a:rPr>
+              <a:t>    --</a:t>
+            </a:r>
+            <a:r>
+              <a:rPr lang="en-US" dirty="0" err="1">
+                <a:latin typeface="Courier New" panose="02070309020205020404" pitchFamily="49" charset="0"/>
+                <a:cs typeface="Courier New" panose="02070309020205020404" pitchFamily="49" charset="0"/>
+              </a:rPr>
+              <a:t>db</a:t>
+            </a:r>
+            <a:r>
+              <a:rPr lang="en-US" dirty="0">
+                <a:latin typeface="Courier New" panose="02070309020205020404" pitchFamily="49" charset="0"/>
+                <a:cs typeface="Courier New" panose="02070309020205020404" pitchFamily="49" charset="0"/>
+              </a:rPr>
+              <a:t> ../1_ref/bwa/covid19ref \</a:t>
+            </a:r>
+          </a:p>
+          <a:p>
+            <a:pPr marL="0" indent="0">
+              <a:buNone/>
+            </a:pPr>
+            <a:r>
+              <a:rPr lang="en-US" dirty="0">
+                <a:latin typeface="Courier New" panose="02070309020205020404" pitchFamily="49" charset="0"/>
+                <a:cs typeface="Courier New" panose="02070309020205020404" pitchFamily="49" charset="0"/>
+              </a:rPr>
+              <a:t>    --fq1feature _1.fq.gz \</a:t>
+            </a:r>
+          </a:p>
+          <a:p>
+            <a:pPr marL="0" indent="0">
+              <a:buNone/>
+            </a:pPr>
+            <a:r>
+              <a:rPr lang="en-US" dirty="0">
+                <a:latin typeface="Courier New" panose="02070309020205020404" pitchFamily="49" charset="0"/>
+                <a:cs typeface="Courier New" panose="02070309020205020404" pitchFamily="49" charset="0"/>
+              </a:rPr>
+              <a:t>    --fq2feature _2.fq.gz</a:t>
             </a:r>
           </a:p>
         </p:txBody>
@@ -4114,7 +4249,7 @@
     </p:spTree>
     <p:extLst>
       <p:ext uri="{BB962C8B-B14F-4D97-AF65-F5344CB8AC3E}">
-        <p14:creationId xmlns:p14="http://schemas.microsoft.com/office/powerpoint/2010/main" val="1216882196"/>
+        <p14:creationId xmlns:p14="http://schemas.microsoft.com/office/powerpoint/2010/main" val="1496424615"/>
       </p:ext>
     </p:extLst>
   </p:cSld>
@@ -4146,7 +4281,7 @@
           <p:cNvPr id="2" name="Title 1">
             <a:extLst>
               <a:ext uri="{FF2B5EF4-FFF2-40B4-BE49-F238E27FC236}">
-                <a16:creationId xmlns:a16="http://schemas.microsoft.com/office/drawing/2014/main" id="{A72AA664-459B-C445-AC09-AED7EDF76727}"/>
+                <a16:creationId xmlns:a16="http://schemas.microsoft.com/office/drawing/2014/main" id="{DC76DADE-2A74-0D26-0990-A3571030C7DB}"/>
               </a:ext>
             </a:extLst>
           </p:cNvPr>
@@ -4159,18 +4294,35 @@
         </p:nvSpPr>
         <p:spPr>
           <a:xfrm>
-            <a:off x="628650" y="365127"/>
-            <a:ext cx="7886700" cy="885176"/>
+            <a:off x="628650" y="246580"/>
+            <a:ext cx="7886700" cy="1017141"/>
           </a:xfrm>
         </p:spPr>
         <p:txBody>
-          <a:bodyPr/>
-          <a:lstStyle/>
-          <a:p>
-            <a:r>
-              <a:rPr lang="en-US" dirty="0"/>
-              <a:t>ape scripts</a:t>
-            </a:r>
+          <a:bodyPr>
+            <a:normAutofit/>
+          </a:bodyPr>
+          <a:lstStyle/>
+          <a:p>
+            <a:pPr algn="ctr"/>
+            <a:r>
+              <a:rPr lang="en-US" sz="3200" dirty="0"/>
+              <a:t>3_aln (II)</a:t>
+            </a:r>
+            <a:br>
+              <a:rPr lang="en-US" sz="3200" dirty="0"/>
+            </a:br>
+            <a:r>
+              <a:rPr lang="en-US" sz="2400" dirty="0">
+                <a:solidFill>
+                  <a:srgbClr val="2FB41D"/>
+                </a:solidFill>
+                <a:effectLst/>
+                <a:latin typeface="Monaco" pitchFamily="2" charset="77"/>
+              </a:rPr>
+              <a:t>2c_sam2bam.sh</a:t>
+            </a:r>
+            <a:endParaRPr lang="en-US" sz="2400" dirty="0"/>
           </a:p>
         </p:txBody>
       </p:sp>
@@ -4179,7 +4331,7 @@
           <p:cNvPr id="3" name="Content Placeholder 2">
             <a:extLst>
               <a:ext uri="{FF2B5EF4-FFF2-40B4-BE49-F238E27FC236}">
-                <a16:creationId xmlns:a16="http://schemas.microsoft.com/office/drawing/2014/main" id="{7298D9D3-FBD2-C348-A38A-52D9778A0A9F}"/>
+                <a16:creationId xmlns:a16="http://schemas.microsoft.com/office/drawing/2014/main" id="{B30B73B8-7B53-23E5-8371-E6AB6065E284}"/>
               </a:ext>
             </a:extLst>
           </p:cNvPr>
@@ -4192,8 +4344,8 @@
         </p:nvSpPr>
         <p:spPr>
           <a:xfrm>
-            <a:off x="269631" y="1825625"/>
-            <a:ext cx="8956431" cy="4351338"/>
+            <a:off x="706992" y="1469204"/>
+            <a:ext cx="7808358" cy="4646114"/>
           </a:xfrm>
         </p:spPr>
         <p:txBody>
@@ -4204,8 +4356,11 @@
               <a:buNone/>
             </a:pPr>
             <a:r>
-              <a:rPr lang="en-US" dirty="0"/>
-              <a:t>library("ape")</a:t>
+              <a:rPr lang="en-US" dirty="0">
+                <a:latin typeface="Courier New" panose="02070309020205020404" pitchFamily="49" charset="0"/>
+                <a:cs typeface="Courier New" panose="02070309020205020404" pitchFamily="49" charset="0"/>
+              </a:rPr>
+              <a:t># SAM to sorted BAM</a:t>
             </a:r>
           </a:p>
           <a:p>
@@ -4213,76 +4368,207 @@
               <a:buNone/>
             </a:pPr>
             <a:r>
-              <a:rPr lang="en-US" dirty="0"/>
-              <a:t>d &lt;- </a:t>
-            </a:r>
-            <a:r>
-              <a:rPr lang="en-US" dirty="0" err="1"/>
-              <a:t>read.dna</a:t>
-            </a:r>
-            <a:r>
-              <a:rPr lang="en-US" dirty="0"/>
-              <a:t>("SARS_CoV2_isolates.aln", format="</a:t>
-            </a:r>
-            <a:r>
-              <a:rPr lang="en-US" dirty="0" err="1"/>
-              <a:t>clustal</a:t>
-            </a:r>
-            <a:r>
-              <a:rPr lang="en-US" dirty="0"/>
-              <a:t>")</a:t>
+              <a:rPr lang="en-US" dirty="0" err="1">
+                <a:latin typeface="Courier New" panose="02070309020205020404" pitchFamily="49" charset="0"/>
+                <a:cs typeface="Courier New" panose="02070309020205020404" pitchFamily="49" charset="0"/>
+              </a:rPr>
+              <a:t>samtools</a:t>
+            </a:r>
+            <a:r>
+              <a:rPr lang="en-US" dirty="0">
+                <a:latin typeface="Courier New" panose="02070309020205020404" pitchFamily="49" charset="0"/>
+                <a:cs typeface="Courier New" panose="02070309020205020404" pitchFamily="49" charset="0"/>
+              </a:rPr>
+              <a:t> view -@ $</a:t>
+            </a:r>
+            <a:r>
+              <a:rPr lang="en-US" dirty="0" err="1">
+                <a:latin typeface="Courier New" panose="02070309020205020404" pitchFamily="49" charset="0"/>
+                <a:cs typeface="Courier New" panose="02070309020205020404" pitchFamily="49" charset="0"/>
+              </a:rPr>
+              <a:t>ncpu</a:t>
+            </a:r>
+            <a:r>
+              <a:rPr lang="en-US" dirty="0">
+                <a:latin typeface="Courier New" panose="02070309020205020404" pitchFamily="49" charset="0"/>
+                <a:cs typeface="Courier New" panose="02070309020205020404" pitchFamily="49" charset="0"/>
+              </a:rPr>
+              <a:t> \</a:t>
             </a:r>
           </a:p>
           <a:p>
             <a:pPr marL="0" indent="0">
               <a:buNone/>
             </a:pPr>
-            <a:endParaRPr lang="en-US" dirty="0"/>
+            <a:r>
+              <a:rPr lang="en-US" dirty="0">
+                <a:latin typeface="Courier New" panose="02070309020205020404" pitchFamily="49" charset="0"/>
+                <a:cs typeface="Courier New" panose="02070309020205020404" pitchFamily="49" charset="0"/>
+              </a:rPr>
+              <a:t>	-</a:t>
+            </a:r>
+            <a:r>
+              <a:rPr lang="en-US" dirty="0" err="1">
+                <a:latin typeface="Courier New" panose="02070309020205020404" pitchFamily="49" charset="0"/>
+                <a:cs typeface="Courier New" panose="02070309020205020404" pitchFamily="49" charset="0"/>
+              </a:rPr>
+              <a:t>bS</a:t>
+            </a:r>
+            <a:r>
+              <a:rPr lang="en-US" dirty="0">
+                <a:latin typeface="Courier New" panose="02070309020205020404" pitchFamily="49" charset="0"/>
+                <a:cs typeface="Courier New" panose="02070309020205020404" pitchFamily="49" charset="0"/>
+              </a:rPr>
+              <a:t> $</a:t>
+            </a:r>
+            <a:r>
+              <a:rPr lang="en-US" dirty="0" err="1">
+                <a:latin typeface="Courier New" panose="02070309020205020404" pitchFamily="49" charset="0"/>
+                <a:cs typeface="Courier New" panose="02070309020205020404" pitchFamily="49" charset="0"/>
+              </a:rPr>
+              <a:t>out.sam</a:t>
+            </a:r>
+            <a:r>
+              <a:rPr lang="en-US" dirty="0">
+                <a:latin typeface="Courier New" panose="02070309020205020404" pitchFamily="49" charset="0"/>
+                <a:cs typeface="Courier New" panose="02070309020205020404" pitchFamily="49" charset="0"/>
+              </a:rPr>
+              <a:t> | \</a:t>
+            </a:r>
           </a:p>
           <a:p>
             <a:pPr marL="0" indent="0">
               <a:buNone/>
             </a:pPr>
             <a:r>
-              <a:rPr lang="en-US" dirty="0" err="1"/>
-              <a:t>dist.matrix</a:t>
-            </a:r>
-            <a:r>
-              <a:rPr lang="en-US" dirty="0"/>
-              <a:t> &lt;- </a:t>
-            </a:r>
-            <a:r>
-              <a:rPr lang="en-US" dirty="0" err="1"/>
-              <a:t>dist.dna</a:t>
-            </a:r>
-            <a:r>
-              <a:rPr lang="en-US" dirty="0"/>
-              <a:t>(x=d, model="RAW", </a:t>
-            </a:r>
-            <a:r>
-              <a:rPr lang="en-US" dirty="0" err="1"/>
-              <a:t>pairwise.deletion</a:t>
-            </a:r>
-            <a:r>
-              <a:rPr lang="en-US" dirty="0"/>
-              <a:t>=T)</a:t>
+              <a:rPr lang="en-US" dirty="0">
+                <a:latin typeface="Courier New" panose="02070309020205020404" pitchFamily="49" charset="0"/>
+                <a:cs typeface="Courier New" panose="02070309020205020404" pitchFamily="49" charset="0"/>
+              </a:rPr>
+              <a:t>	</a:t>
+            </a:r>
+            <a:r>
+              <a:rPr lang="en-US" dirty="0" err="1">
+                <a:latin typeface="Courier New" panose="02070309020205020404" pitchFamily="49" charset="0"/>
+                <a:cs typeface="Courier New" panose="02070309020205020404" pitchFamily="49" charset="0"/>
+              </a:rPr>
+              <a:t>samtools</a:t>
+            </a:r>
+            <a:r>
+              <a:rPr lang="en-US" dirty="0">
+                <a:latin typeface="Courier New" panose="02070309020205020404" pitchFamily="49" charset="0"/>
+                <a:cs typeface="Courier New" panose="02070309020205020404" pitchFamily="49" charset="0"/>
+              </a:rPr>
+              <a:t> sort -@ $</a:t>
+            </a:r>
+            <a:r>
+              <a:rPr lang="en-US" dirty="0" err="1">
+                <a:latin typeface="Courier New" panose="02070309020205020404" pitchFamily="49" charset="0"/>
+                <a:cs typeface="Courier New" panose="02070309020205020404" pitchFamily="49" charset="0"/>
+              </a:rPr>
+              <a:t>ncpu</a:t>
+            </a:r>
+            <a:r>
+              <a:rPr lang="en-US" dirty="0">
+                <a:latin typeface="Courier New" panose="02070309020205020404" pitchFamily="49" charset="0"/>
+                <a:cs typeface="Courier New" panose="02070309020205020404" pitchFamily="49" charset="0"/>
+              </a:rPr>
+              <a:t> \</a:t>
             </a:r>
           </a:p>
           <a:p>
             <a:pPr marL="0" indent="0">
               <a:buNone/>
             </a:pPr>
-            <a:endParaRPr lang="en-US" dirty="0"/>
+            <a:r>
+              <a:rPr lang="en-US" dirty="0">
+                <a:latin typeface="Courier New" panose="02070309020205020404" pitchFamily="49" charset="0"/>
+                <a:cs typeface="Courier New" panose="02070309020205020404" pitchFamily="49" charset="0"/>
+              </a:rPr>
+              <a:t>	-o $</a:t>
+            </a:r>
+            <a:r>
+              <a:rPr lang="en-US" dirty="0" err="1">
+                <a:latin typeface="Courier New" panose="02070309020205020404" pitchFamily="49" charset="0"/>
+                <a:cs typeface="Courier New" panose="02070309020205020404" pitchFamily="49" charset="0"/>
+              </a:rPr>
+              <a:t>out.bam</a:t>
+            </a:r>
+            <a:r>
+              <a:rPr lang="en-US" dirty="0">
+                <a:latin typeface="Courier New" panose="02070309020205020404" pitchFamily="49" charset="0"/>
+                <a:cs typeface="Courier New" panose="02070309020205020404" pitchFamily="49" charset="0"/>
+              </a:rPr>
+              <a:t> -</a:t>
+            </a:r>
           </a:p>
           <a:p>
             <a:pPr marL="0" indent="0">
               <a:buNone/>
             </a:pPr>
             <a:r>
-              <a:rPr lang="en-US" dirty="0" err="1"/>
-              <a:t>dist.matrix</a:t>
-            </a:r>
-            <a:endParaRPr lang="en-US" dirty="0"/>
+              <a:rPr lang="en-US" dirty="0">
+                <a:latin typeface="Courier New" panose="02070309020205020404" pitchFamily="49" charset="0"/>
+                <a:cs typeface="Courier New" panose="02070309020205020404" pitchFamily="49" charset="0"/>
+              </a:rPr>
+              <a:t>    </a:t>
+            </a:r>
+          </a:p>
+          <a:p>
+            <a:pPr marL="0" indent="0">
+              <a:buNone/>
+            </a:pPr>
+            <a:r>
+              <a:rPr lang="en-US" dirty="0">
+                <a:latin typeface="Courier New" panose="02070309020205020404" pitchFamily="49" charset="0"/>
+                <a:cs typeface="Courier New" panose="02070309020205020404" pitchFamily="49" charset="0"/>
+              </a:rPr>
+              <a:t># Index sorted BAM:</a:t>
+            </a:r>
+          </a:p>
+          <a:p>
+            <a:pPr marL="0" indent="0">
+              <a:buNone/>
+            </a:pPr>
+            <a:r>
+              <a:rPr lang="en-US" dirty="0" err="1">
+                <a:latin typeface="Courier New" panose="02070309020205020404" pitchFamily="49" charset="0"/>
+                <a:cs typeface="Courier New" panose="02070309020205020404" pitchFamily="49" charset="0"/>
+              </a:rPr>
+              <a:t>samtools</a:t>
+            </a:r>
+            <a:r>
+              <a:rPr lang="en-US" dirty="0">
+                <a:latin typeface="Courier New" panose="02070309020205020404" pitchFamily="49" charset="0"/>
+                <a:cs typeface="Courier New" panose="02070309020205020404" pitchFamily="49" charset="0"/>
+              </a:rPr>
+              <a:t> index -@ $</a:t>
+            </a:r>
+            <a:r>
+              <a:rPr lang="en-US" dirty="0" err="1">
+                <a:latin typeface="Courier New" panose="02070309020205020404" pitchFamily="49" charset="0"/>
+                <a:cs typeface="Courier New" panose="02070309020205020404" pitchFamily="49" charset="0"/>
+              </a:rPr>
+              <a:t>ncpu</a:t>
+            </a:r>
+            <a:r>
+              <a:rPr lang="en-US" dirty="0">
+                <a:latin typeface="Courier New" panose="02070309020205020404" pitchFamily="49" charset="0"/>
+                <a:cs typeface="Courier New" panose="02070309020205020404" pitchFamily="49" charset="0"/>
+              </a:rPr>
+              <a:t> $</a:t>
+            </a:r>
+            <a:r>
+              <a:rPr lang="en-US" dirty="0" err="1">
+                <a:latin typeface="Courier New" panose="02070309020205020404" pitchFamily="49" charset="0"/>
+                <a:cs typeface="Courier New" panose="02070309020205020404" pitchFamily="49" charset="0"/>
+              </a:rPr>
+              <a:t>out.bam</a:t>
+            </a:r>
+            <a:endParaRPr lang="en-US" dirty="0">
+              <a:latin typeface="Courier New" panose="02070309020205020404" pitchFamily="49" charset="0"/>
+              <a:cs typeface="Courier New" panose="02070309020205020404" pitchFamily="49" charset="0"/>
+            </a:endParaRPr>
           </a:p>
           <a:p>
             <a:pPr marL="0" indent="0">
@@ -4295,7 +4581,7 @@
     </p:spTree>
     <p:extLst>
       <p:ext uri="{BB962C8B-B14F-4D97-AF65-F5344CB8AC3E}">
-        <p14:creationId xmlns:p14="http://schemas.microsoft.com/office/powerpoint/2010/main" val="1554161174"/>
+        <p14:creationId xmlns:p14="http://schemas.microsoft.com/office/powerpoint/2010/main" val="169136605"/>
       </p:ext>
     </p:extLst>
   </p:cSld>
@@ -4327,7 +4613,7 @@
           <p:cNvPr id="2" name="Title 1">
             <a:extLst>
               <a:ext uri="{FF2B5EF4-FFF2-40B4-BE49-F238E27FC236}">
-                <a16:creationId xmlns:a16="http://schemas.microsoft.com/office/drawing/2014/main" id="{92847F45-0B9B-5047-9234-6226DEE6404F}"/>
+                <a16:creationId xmlns:a16="http://schemas.microsoft.com/office/drawing/2014/main" id="{DC76DADE-2A74-0D26-0990-A3571030C7DB}"/>
               </a:ext>
             </a:extLst>
           </p:cNvPr>
@@ -4338,15 +4624,37 @@
             <p:ph type="title"/>
           </p:nvPr>
         </p:nvSpPr>
-        <p:spPr/>
-        <p:txBody>
-          <a:bodyPr/>
-          <a:lstStyle/>
-          <a:p>
-            <a:r>
-              <a:rPr lang="en-US" dirty="0"/>
-              <a:t>References</a:t>
-            </a:r>
+        <p:spPr>
+          <a:xfrm>
+            <a:off x="628650" y="252110"/>
+            <a:ext cx="7886700" cy="1114351"/>
+          </a:xfrm>
+        </p:spPr>
+        <p:txBody>
+          <a:bodyPr>
+            <a:normAutofit/>
+          </a:bodyPr>
+          <a:lstStyle/>
+          <a:p>
+            <a:pPr algn="ctr"/>
+            <a:r>
+              <a:rPr lang="en-US" sz="3200" dirty="0"/>
+              <a:t>4_snp (I) – GATK</a:t>
+            </a:r>
+            <a:br>
+              <a:rPr lang="en-US" sz="3200" dirty="0"/>
+            </a:br>
+            <a:r>
+              <a:rPr lang="en-US" sz="2400" dirty="0">
+                <a:solidFill>
+                  <a:srgbClr val="2FB41D"/>
+                </a:solidFill>
+                <a:effectLst/>
+                <a:latin typeface="Monaco" pitchFamily="2" charset="77"/>
+              </a:rPr>
+              <a:t>1c_gatk.sh</a:t>
+            </a:r>
+            <a:endParaRPr lang="en-US" sz="2400" dirty="0"/>
           </a:p>
         </p:txBody>
       </p:sp>
@@ -4355,7 +4663,7 @@
           <p:cNvPr id="3" name="Content Placeholder 2">
             <a:extLst>
               <a:ext uri="{FF2B5EF4-FFF2-40B4-BE49-F238E27FC236}">
-                <a16:creationId xmlns:a16="http://schemas.microsoft.com/office/drawing/2014/main" id="{05A39FE1-79A0-1744-8D02-7A834014EC95}"/>
+                <a16:creationId xmlns:a16="http://schemas.microsoft.com/office/drawing/2014/main" id="{B30B73B8-7B53-23E5-8371-E6AB6065E284}"/>
               </a:ext>
             </a:extLst>
           </p:cNvPr>
@@ -4366,36 +4674,1710 @@
             <p:ph idx="1"/>
           </p:nvPr>
         </p:nvSpPr>
-        <p:spPr/>
+        <p:spPr>
+          <a:xfrm>
+            <a:off x="628650" y="1715783"/>
+            <a:ext cx="7886700" cy="4646114"/>
+          </a:xfrm>
+        </p:spPr>
+        <p:txBody>
+          <a:bodyPr>
+            <a:normAutofit fontScale="92500" lnSpcReduction="10000"/>
+          </a:bodyPr>
+          <a:lstStyle/>
+          <a:p>
+            <a:pPr marL="0" indent="0">
+              <a:buNone/>
+            </a:pPr>
+            <a:r>
+              <a:rPr lang="en-US" dirty="0">
+                <a:latin typeface="Courier New" panose="02070309020205020404" pitchFamily="49" charset="0"/>
+                <a:cs typeface="Courier New" panose="02070309020205020404" pitchFamily="49" charset="0"/>
+              </a:rPr>
+              <a:t>ref=../1_ref/</a:t>
+            </a:r>
+            <a:r>
+              <a:rPr lang="en-US" dirty="0" err="1">
+                <a:latin typeface="Courier New" panose="02070309020205020404" pitchFamily="49" charset="0"/>
+                <a:cs typeface="Courier New" panose="02070309020205020404" pitchFamily="49" charset="0"/>
+              </a:rPr>
+              <a:t>gatk</a:t>
+            </a:r>
+            <a:r>
+              <a:rPr lang="en-US" dirty="0">
+                <a:latin typeface="Courier New" panose="02070309020205020404" pitchFamily="49" charset="0"/>
+                <a:cs typeface="Courier New" panose="02070309020205020404" pitchFamily="49" charset="0"/>
+              </a:rPr>
+              <a:t>/covid19ref.fasta</a:t>
+            </a:r>
+          </a:p>
+          <a:p>
+            <a:pPr marL="0" indent="0">
+              <a:buNone/>
+            </a:pPr>
+            <a:r>
+              <a:rPr lang="en-US" dirty="0" err="1">
+                <a:latin typeface="Courier New" panose="02070309020205020404" pitchFamily="49" charset="0"/>
+                <a:cs typeface="Courier New" panose="02070309020205020404" pitchFamily="49" charset="0"/>
+              </a:rPr>
+              <a:t>bampath</a:t>
+            </a:r>
+            <a:r>
+              <a:rPr lang="en-US" dirty="0">
+                <a:latin typeface="Courier New" panose="02070309020205020404" pitchFamily="49" charset="0"/>
+                <a:cs typeface="Courier New" panose="02070309020205020404" pitchFamily="49" charset="0"/>
+              </a:rPr>
+              <a:t>=../3_aln</a:t>
+            </a:r>
+          </a:p>
+          <a:p>
+            <a:pPr marL="0" indent="0">
+              <a:buNone/>
+            </a:pPr>
+            <a:r>
+              <a:rPr lang="en-US" dirty="0" err="1">
+                <a:latin typeface="Courier New" panose="02070309020205020404" pitchFamily="49" charset="0"/>
+                <a:cs typeface="Courier New" panose="02070309020205020404" pitchFamily="49" charset="0"/>
+              </a:rPr>
+              <a:t>outbase</a:t>
+            </a:r>
+            <a:r>
+              <a:rPr lang="en-US" dirty="0">
+                <a:latin typeface="Courier New" panose="02070309020205020404" pitchFamily="49" charset="0"/>
+                <a:cs typeface="Courier New" panose="02070309020205020404" pitchFamily="49" charset="0"/>
+              </a:rPr>
+              <a:t>=covid</a:t>
+            </a:r>
+          </a:p>
+          <a:p>
+            <a:pPr marL="0" indent="0">
+              <a:buNone/>
+            </a:pPr>
+            <a:endParaRPr lang="en-US" dirty="0">
+              <a:latin typeface="Courier New" panose="02070309020205020404" pitchFamily="49" charset="0"/>
+              <a:cs typeface="Courier New" panose="02070309020205020404" pitchFamily="49" charset="0"/>
+            </a:endParaRPr>
+          </a:p>
+          <a:p>
+            <a:pPr marL="0" indent="0">
+              <a:buNone/>
+            </a:pPr>
+            <a:r>
+              <a:rPr lang="en-US" dirty="0" err="1">
+                <a:latin typeface="Courier New" panose="02070309020205020404" pitchFamily="49" charset="0"/>
+                <a:cs typeface="Courier New" panose="02070309020205020404" pitchFamily="49" charset="0"/>
+              </a:rPr>
+              <a:t>perl</a:t>
+            </a:r>
+            <a:r>
+              <a:rPr lang="en-US" dirty="0">
+                <a:latin typeface="Courier New" panose="02070309020205020404" pitchFamily="49" charset="0"/>
+                <a:cs typeface="Courier New" panose="02070309020205020404" pitchFamily="49" charset="0"/>
+              </a:rPr>
+              <a:t> ../scripts/</a:t>
+            </a:r>
+            <a:r>
+              <a:rPr lang="en-US" dirty="0" err="1">
+                <a:latin typeface="Courier New" panose="02070309020205020404" pitchFamily="49" charset="0"/>
+                <a:cs typeface="Courier New" panose="02070309020205020404" pitchFamily="49" charset="0"/>
+              </a:rPr>
+              <a:t>gatk</a:t>
+            </a:r>
+            <a:r>
+              <a:rPr lang="en-US" dirty="0">
+                <a:latin typeface="Courier New" panose="02070309020205020404" pitchFamily="49" charset="0"/>
+                <a:cs typeface="Courier New" panose="02070309020205020404" pitchFamily="49" charset="0"/>
+              </a:rPr>
+              <a:t>/</a:t>
+            </a:r>
+            <a:r>
+              <a:rPr lang="en-US" dirty="0" err="1">
+                <a:latin typeface="Courier New" panose="02070309020205020404" pitchFamily="49" charset="0"/>
+                <a:cs typeface="Courier New" panose="02070309020205020404" pitchFamily="49" charset="0"/>
+              </a:rPr>
+              <a:t>gatk.sbatch.pl</a:t>
+            </a:r>
+            <a:r>
+              <a:rPr lang="en-US" dirty="0">
+                <a:latin typeface="Courier New" panose="02070309020205020404" pitchFamily="49" charset="0"/>
+                <a:cs typeface="Courier New" panose="02070309020205020404" pitchFamily="49" charset="0"/>
+              </a:rPr>
+              <a:t> \</a:t>
+            </a:r>
+          </a:p>
+          <a:p>
+            <a:pPr marL="0" indent="0">
+              <a:buNone/>
+            </a:pPr>
+            <a:r>
+              <a:rPr lang="en-US" dirty="0">
+                <a:latin typeface="Courier New" panose="02070309020205020404" pitchFamily="49" charset="0"/>
+                <a:cs typeface="Courier New" panose="02070309020205020404" pitchFamily="49" charset="0"/>
+              </a:rPr>
+              <a:t>  --</a:t>
+            </a:r>
+            <a:r>
+              <a:rPr lang="en-US" dirty="0" err="1">
+                <a:latin typeface="Courier New" panose="02070309020205020404" pitchFamily="49" charset="0"/>
+                <a:cs typeface="Courier New" panose="02070309020205020404" pitchFamily="49" charset="0"/>
+              </a:rPr>
+              <a:t>outbase</a:t>
+            </a:r>
+            <a:r>
+              <a:rPr lang="en-US" dirty="0">
+                <a:latin typeface="Courier New" panose="02070309020205020404" pitchFamily="49" charset="0"/>
+                <a:cs typeface="Courier New" panose="02070309020205020404" pitchFamily="49" charset="0"/>
+              </a:rPr>
+              <a:t> $</a:t>
+            </a:r>
+            <a:r>
+              <a:rPr lang="en-US" dirty="0" err="1">
+                <a:latin typeface="Courier New" panose="02070309020205020404" pitchFamily="49" charset="0"/>
+                <a:cs typeface="Courier New" panose="02070309020205020404" pitchFamily="49" charset="0"/>
+              </a:rPr>
+              <a:t>outbase</a:t>
+            </a:r>
+            <a:r>
+              <a:rPr lang="en-US" dirty="0">
+                <a:latin typeface="Courier New" panose="02070309020205020404" pitchFamily="49" charset="0"/>
+                <a:cs typeface="Courier New" panose="02070309020205020404" pitchFamily="49" charset="0"/>
+              </a:rPr>
+              <a:t> \</a:t>
+            </a:r>
+          </a:p>
+          <a:p>
+            <a:pPr marL="0" indent="0">
+              <a:buNone/>
+            </a:pPr>
+            <a:r>
+              <a:rPr lang="en-US" dirty="0">
+                <a:latin typeface="Courier New" panose="02070309020205020404" pitchFamily="49" charset="0"/>
+                <a:cs typeface="Courier New" panose="02070309020205020404" pitchFamily="49" charset="0"/>
+              </a:rPr>
+              <a:t>  --</a:t>
+            </a:r>
+            <a:r>
+              <a:rPr lang="en-US" dirty="0" err="1">
+                <a:latin typeface="Courier New" panose="02070309020205020404" pitchFamily="49" charset="0"/>
+                <a:cs typeface="Courier New" panose="02070309020205020404" pitchFamily="49" charset="0"/>
+              </a:rPr>
+              <a:t>bampaths</a:t>
+            </a:r>
+            <a:r>
+              <a:rPr lang="en-US" dirty="0">
+                <a:latin typeface="Courier New" panose="02070309020205020404" pitchFamily="49" charset="0"/>
+                <a:cs typeface="Courier New" panose="02070309020205020404" pitchFamily="49" charset="0"/>
+              </a:rPr>
+              <a:t> $</a:t>
+            </a:r>
+            <a:r>
+              <a:rPr lang="en-US" dirty="0" err="1">
+                <a:latin typeface="Courier New" panose="02070309020205020404" pitchFamily="49" charset="0"/>
+                <a:cs typeface="Courier New" panose="02070309020205020404" pitchFamily="49" charset="0"/>
+              </a:rPr>
+              <a:t>bampath</a:t>
+            </a:r>
+            <a:r>
+              <a:rPr lang="en-US" dirty="0">
+                <a:latin typeface="Courier New" panose="02070309020205020404" pitchFamily="49" charset="0"/>
+                <a:cs typeface="Courier New" panose="02070309020205020404" pitchFamily="49" charset="0"/>
+              </a:rPr>
+              <a:t> \</a:t>
+            </a:r>
+          </a:p>
+          <a:p>
+            <a:pPr marL="0" indent="0">
+              <a:buNone/>
+            </a:pPr>
+            <a:r>
+              <a:rPr lang="en-US" dirty="0">
+                <a:latin typeface="Courier New" panose="02070309020205020404" pitchFamily="49" charset="0"/>
+                <a:cs typeface="Courier New" panose="02070309020205020404" pitchFamily="49" charset="0"/>
+              </a:rPr>
+              <a:t>  --ref $ref \</a:t>
+            </a:r>
+          </a:p>
+          <a:p>
+            <a:pPr marL="0" indent="0">
+              <a:buNone/>
+            </a:pPr>
+            <a:r>
+              <a:rPr lang="en-US" dirty="0">
+                <a:latin typeface="Courier New" panose="02070309020205020404" pitchFamily="49" charset="0"/>
+                <a:cs typeface="Courier New" panose="02070309020205020404" pitchFamily="49" charset="0"/>
+              </a:rPr>
+              <a:t>  --</a:t>
+            </a:r>
+            <a:r>
+              <a:rPr lang="en-US" dirty="0" err="1">
+                <a:latin typeface="Courier New" panose="02070309020205020404" pitchFamily="49" charset="0"/>
+                <a:cs typeface="Courier New" panose="02070309020205020404" pitchFamily="49" charset="0"/>
+              </a:rPr>
+              <a:t>otherpara</a:t>
+            </a:r>
+            <a:r>
+              <a:rPr lang="en-US" dirty="0">
+                <a:latin typeface="Courier New" panose="02070309020205020404" pitchFamily="49" charset="0"/>
+                <a:cs typeface="Courier New" panose="02070309020205020404" pitchFamily="49" charset="0"/>
+              </a:rPr>
+              <a:t> "--sample-ploidy 1" \</a:t>
+            </a:r>
+          </a:p>
+          <a:p>
+            <a:pPr marL="0" indent="0">
+              <a:buNone/>
+            </a:pPr>
+            <a:r>
+              <a:rPr lang="en-US" dirty="0">
+                <a:latin typeface="Courier New" panose="02070309020205020404" pitchFamily="49" charset="0"/>
+                <a:cs typeface="Courier New" panose="02070309020205020404" pitchFamily="49" charset="0"/>
+              </a:rPr>
+              <a:t>  --mem 4G</a:t>
+            </a:r>
+          </a:p>
+          <a:p>
+            <a:pPr marL="0" indent="0">
+              <a:buNone/>
+            </a:pPr>
+            <a:endParaRPr lang="en-US" dirty="0">
+              <a:latin typeface="Courier New" panose="02070309020205020404" pitchFamily="49" charset="0"/>
+              <a:cs typeface="Courier New" panose="02070309020205020404" pitchFamily="49" charset="0"/>
+            </a:endParaRPr>
+          </a:p>
+        </p:txBody>
+      </p:sp>
+    </p:spTree>
+    <p:extLst>
+      <p:ext uri="{BB962C8B-B14F-4D97-AF65-F5344CB8AC3E}">
+        <p14:creationId xmlns:p14="http://schemas.microsoft.com/office/powerpoint/2010/main" val="922745882"/>
+      </p:ext>
+    </p:extLst>
+  </p:cSld>
+  <p:clrMapOvr>
+    <a:masterClrMapping/>
+  </p:clrMapOvr>
+</p:sld>
+</file>
+
+<file path=ppt/slides/slide15.xml><?xml version="1.0" encoding="utf-8"?>
+<p:sld xmlns:a="http://schemas.openxmlformats.org/drawingml/2006/main" xmlns:r="http://schemas.openxmlformats.org/officeDocument/2006/relationships" xmlns:p="http://schemas.openxmlformats.org/presentationml/2006/main">
+  <p:cSld>
+    <p:spTree>
+      <p:nvGrpSpPr>
+        <p:cNvPr id="1" name=""/>
+        <p:cNvGrpSpPr/>
+        <p:nvPr/>
+      </p:nvGrpSpPr>
+      <p:grpSpPr>
+        <a:xfrm>
+          <a:off x="0" y="0"/>
+          <a:ext cx="0" cy="0"/>
+          <a:chOff x="0" y="0"/>
+          <a:chExt cx="0" cy="0"/>
+        </a:xfrm>
+      </p:grpSpPr>
+      <p:sp>
+        <p:nvSpPr>
+          <p:cNvPr id="2" name="Title 1">
+            <a:extLst>
+              <a:ext uri="{FF2B5EF4-FFF2-40B4-BE49-F238E27FC236}">
+                <a16:creationId xmlns:a16="http://schemas.microsoft.com/office/drawing/2014/main" id="{DC76DADE-2A74-0D26-0990-A3571030C7DB}"/>
+              </a:ext>
+            </a:extLst>
+          </p:cNvPr>
+          <p:cNvSpPr>
+            <a:spLocks noGrp="1"/>
+          </p:cNvSpPr>
+          <p:nvPr>
+            <p:ph type="title"/>
+          </p:nvPr>
+        </p:nvSpPr>
+        <p:spPr>
+          <a:xfrm>
+            <a:off x="628650" y="226030"/>
+            <a:ext cx="7886700" cy="945223"/>
+          </a:xfrm>
+        </p:spPr>
         <p:txBody>
           <a:bodyPr>
             <a:normAutofit/>
           </a:bodyPr>
           <a:lstStyle/>
           <a:p>
-            <a:r>
-              <a:rPr lang="en-US" dirty="0"/>
-              <a:t>Hu et al., Characteristics of SARS-CoV-2 and COVID-19, 2020, Nature Review Microbiology, 19: 1410154</a:t>
-            </a:r>
-          </a:p>
-          <a:p>
-            <a:r>
-              <a:rPr lang="en-US" dirty="0"/>
-              <a:t>Shereen et al., COVID-19 infection: Emergence, transmission, and characteristics of human coronaviruses, 2020, Journal of Advanced Research, 24:91-98</a:t>
-            </a:r>
-          </a:p>
+            <a:pPr algn="ctr"/>
+            <a:r>
+              <a:rPr lang="en-US" sz="3200" dirty="0"/>
+              <a:t>4_snp (II) – GATK filtering</a:t>
+            </a:r>
+            <a:br>
+              <a:rPr lang="en-US" sz="3200" dirty="0"/>
+            </a:br>
+            <a:r>
+              <a:rPr lang="en-US" sz="2700" dirty="0">
+                <a:solidFill>
+                  <a:srgbClr val="2FB41D"/>
+                </a:solidFill>
+                <a:effectLst/>
+                <a:latin typeface="Monaco" pitchFamily="2" charset="77"/>
+              </a:rPr>
+              <a:t>2c_varselect.sh</a:t>
+            </a:r>
+            <a:endParaRPr lang="en-US" sz="2700" dirty="0"/>
+          </a:p>
+        </p:txBody>
+      </p:sp>
+      <p:sp>
+        <p:nvSpPr>
+          <p:cNvPr id="3" name="Content Placeholder 2">
+            <a:extLst>
+              <a:ext uri="{FF2B5EF4-FFF2-40B4-BE49-F238E27FC236}">
+                <a16:creationId xmlns:a16="http://schemas.microsoft.com/office/drawing/2014/main" id="{B30B73B8-7B53-23E5-8371-E6AB6065E284}"/>
+              </a:ext>
+            </a:extLst>
+          </p:cNvPr>
+          <p:cNvSpPr>
+            <a:spLocks noGrp="1"/>
+          </p:cNvSpPr>
+          <p:nvPr>
+            <p:ph idx="1"/>
+          </p:nvPr>
+        </p:nvSpPr>
+        <p:spPr>
+          <a:xfrm>
+            <a:off x="628650" y="1387011"/>
+            <a:ext cx="7886700" cy="4646114"/>
+          </a:xfrm>
+        </p:spPr>
+        <p:txBody>
+          <a:bodyPr>
+            <a:normAutofit fontScale="92500" lnSpcReduction="20000"/>
+          </a:bodyPr>
+          <a:lstStyle/>
           <a:p>
             <a:pPr marL="0" indent="0">
               <a:buNone/>
             </a:pPr>
-            <a:endParaRPr lang="en-US" b="1" dirty="0"/>
+            <a:r>
+              <a:rPr lang="en-US" dirty="0">
+                <a:latin typeface="Courier New" panose="02070309020205020404" pitchFamily="49" charset="0"/>
+                <a:cs typeface="Courier New" panose="02070309020205020404" pitchFamily="49" charset="0"/>
+              </a:rPr>
+              <a:t># generate a bam list</a:t>
+            </a:r>
+          </a:p>
+          <a:p>
+            <a:pPr marL="0" indent="0">
+              <a:buNone/>
+            </a:pPr>
+            <a:r>
+              <a:rPr lang="en-US" dirty="0" err="1">
+                <a:latin typeface="Courier New" panose="02070309020205020404" pitchFamily="49" charset="0"/>
+                <a:cs typeface="Courier New" panose="02070309020205020404" pitchFamily="49" charset="0"/>
+              </a:rPr>
+              <a:t>vcf</a:t>
+            </a:r>
+            <a:r>
+              <a:rPr lang="en-US" dirty="0">
+                <a:latin typeface="Courier New" panose="02070309020205020404" pitchFamily="49" charset="0"/>
+                <a:cs typeface="Courier New" panose="02070309020205020404" pitchFamily="49" charset="0"/>
+              </a:rPr>
+              <a:t>=covid_SunApr91345362023/</a:t>
+            </a:r>
+            <a:r>
+              <a:rPr lang="en-US" dirty="0" err="1">
+                <a:latin typeface="Courier New" panose="02070309020205020404" pitchFamily="49" charset="0"/>
+                <a:cs typeface="Courier New" panose="02070309020205020404" pitchFamily="49" charset="0"/>
+              </a:rPr>
+              <a:t>covid.vcf</a:t>
+            </a:r>
+            <a:endParaRPr lang="en-US" dirty="0">
+              <a:latin typeface="Courier New" panose="02070309020205020404" pitchFamily="49" charset="0"/>
+              <a:cs typeface="Courier New" panose="02070309020205020404" pitchFamily="49" charset="0"/>
+            </a:endParaRPr>
+          </a:p>
+          <a:p>
+            <a:pPr marL="0" indent="0">
+              <a:buNone/>
+            </a:pPr>
+            <a:r>
+              <a:rPr lang="en-US" dirty="0">
+                <a:latin typeface="Courier New" panose="02070309020205020404" pitchFamily="49" charset="0"/>
+                <a:cs typeface="Courier New" panose="02070309020205020404" pitchFamily="49" charset="0"/>
+              </a:rPr>
+              <a:t>ref=../1_ref/</a:t>
+            </a:r>
+            <a:r>
+              <a:rPr lang="en-US" dirty="0" err="1">
+                <a:latin typeface="Courier New" panose="02070309020205020404" pitchFamily="49" charset="0"/>
+                <a:cs typeface="Courier New" panose="02070309020205020404" pitchFamily="49" charset="0"/>
+              </a:rPr>
+              <a:t>gatk</a:t>
+            </a:r>
+            <a:r>
+              <a:rPr lang="en-US" dirty="0">
+                <a:latin typeface="Courier New" panose="02070309020205020404" pitchFamily="49" charset="0"/>
+                <a:cs typeface="Courier New" panose="02070309020205020404" pitchFamily="49" charset="0"/>
+              </a:rPr>
+              <a:t>/covid19ref.fasta</a:t>
+            </a:r>
+          </a:p>
+          <a:p>
+            <a:pPr marL="0" indent="0">
+              <a:buNone/>
+            </a:pPr>
+            <a:r>
+              <a:rPr lang="en-US" dirty="0">
+                <a:latin typeface="Courier New" panose="02070309020205020404" pitchFamily="49" charset="0"/>
+                <a:cs typeface="Courier New" panose="02070309020205020404" pitchFamily="49" charset="0"/>
+              </a:rPr>
+              <a:t>out=covid</a:t>
+            </a:r>
+          </a:p>
+          <a:p>
+            <a:pPr marL="0" indent="0">
+              <a:buNone/>
+            </a:pPr>
+            <a:r>
+              <a:rPr lang="en-US" dirty="0" err="1">
+                <a:latin typeface="Courier New" panose="02070309020205020404" pitchFamily="49" charset="0"/>
+                <a:cs typeface="Courier New" panose="02070309020205020404" pitchFamily="49" charset="0"/>
+              </a:rPr>
+              <a:t>gatk</a:t>
+            </a:r>
+            <a:r>
+              <a:rPr lang="en-US" dirty="0">
+                <a:latin typeface="Courier New" panose="02070309020205020404" pitchFamily="49" charset="0"/>
+                <a:cs typeface="Courier New" panose="02070309020205020404" pitchFamily="49" charset="0"/>
+              </a:rPr>
+              <a:t> </a:t>
+            </a:r>
+            <a:r>
+              <a:rPr lang="en-US" dirty="0" err="1">
+                <a:latin typeface="Courier New" panose="02070309020205020404" pitchFamily="49" charset="0"/>
+                <a:cs typeface="Courier New" panose="02070309020205020404" pitchFamily="49" charset="0"/>
+              </a:rPr>
+              <a:t>SelectVariants</a:t>
+            </a:r>
+            <a:r>
+              <a:rPr lang="en-US" dirty="0">
+                <a:latin typeface="Courier New" panose="02070309020205020404" pitchFamily="49" charset="0"/>
+                <a:cs typeface="Courier New" panose="02070309020205020404" pitchFamily="49" charset="0"/>
+              </a:rPr>
+              <a:t> \</a:t>
+            </a:r>
+          </a:p>
+          <a:p>
+            <a:pPr marL="0" indent="0">
+              <a:buNone/>
+            </a:pPr>
+            <a:r>
+              <a:rPr lang="en-US" dirty="0">
+                <a:latin typeface="Courier New" panose="02070309020205020404" pitchFamily="49" charset="0"/>
+                <a:cs typeface="Courier New" panose="02070309020205020404" pitchFamily="49" charset="0"/>
+              </a:rPr>
+              <a:t>-R $ref \</a:t>
+            </a:r>
+          </a:p>
+          <a:p>
+            <a:pPr marL="0" indent="0">
+              <a:buNone/>
+            </a:pPr>
+            <a:r>
+              <a:rPr lang="en-US" dirty="0">
+                <a:latin typeface="Courier New" panose="02070309020205020404" pitchFamily="49" charset="0"/>
+                <a:cs typeface="Courier New" panose="02070309020205020404" pitchFamily="49" charset="0"/>
+              </a:rPr>
+              <a:t>-V $</a:t>
+            </a:r>
+            <a:r>
+              <a:rPr lang="en-US" dirty="0" err="1">
+                <a:latin typeface="Courier New" panose="02070309020205020404" pitchFamily="49" charset="0"/>
+                <a:cs typeface="Courier New" panose="02070309020205020404" pitchFamily="49" charset="0"/>
+              </a:rPr>
+              <a:t>vcf</a:t>
+            </a:r>
+            <a:r>
+              <a:rPr lang="en-US" dirty="0">
+                <a:latin typeface="Courier New" panose="02070309020205020404" pitchFamily="49" charset="0"/>
+                <a:cs typeface="Courier New" panose="02070309020205020404" pitchFamily="49" charset="0"/>
+              </a:rPr>
+              <a:t> \</a:t>
+            </a:r>
+          </a:p>
+          <a:p>
+            <a:pPr marL="0" indent="0">
+              <a:buNone/>
+            </a:pPr>
+            <a:r>
+              <a:rPr lang="en-US" dirty="0">
+                <a:latin typeface="Courier New" panose="02070309020205020404" pitchFamily="49" charset="0"/>
+                <a:cs typeface="Courier New" panose="02070309020205020404" pitchFamily="49" charset="0"/>
+              </a:rPr>
+              <a:t>-select 'DP &gt;= 20' \</a:t>
+            </a:r>
+          </a:p>
+          <a:p>
+            <a:pPr marL="0" indent="0">
+              <a:buNone/>
+            </a:pPr>
+            <a:r>
+              <a:rPr lang="en-US" dirty="0">
+                <a:latin typeface="Courier New" panose="02070309020205020404" pitchFamily="49" charset="0"/>
+                <a:cs typeface="Courier New" panose="02070309020205020404" pitchFamily="49" charset="0"/>
+              </a:rPr>
+              <a:t>-select 'DP &lt;= 500' \</a:t>
+            </a:r>
+          </a:p>
+          <a:p>
+            <a:pPr marL="0" indent="0">
+              <a:buNone/>
+            </a:pPr>
+            <a:r>
+              <a:rPr lang="en-US" dirty="0">
+                <a:latin typeface="Courier New" panose="02070309020205020404" pitchFamily="49" charset="0"/>
+                <a:cs typeface="Courier New" panose="02070309020205020404" pitchFamily="49" charset="0"/>
+              </a:rPr>
+              <a:t>--restrict-alleles-to BIALLELIC \</a:t>
+            </a:r>
+          </a:p>
+          <a:p>
+            <a:pPr marL="0" indent="0">
+              <a:buNone/>
+            </a:pPr>
+            <a:r>
+              <a:rPr lang="en-US" dirty="0">
+                <a:latin typeface="Courier New" panose="02070309020205020404" pitchFamily="49" charset="0"/>
+                <a:cs typeface="Courier New" panose="02070309020205020404" pitchFamily="49" charset="0"/>
+              </a:rPr>
+              <a:t>-O ${out}.1.vcf &amp;&gt;${out}.1.log</a:t>
+            </a:r>
+          </a:p>
+          <a:p>
+            <a:pPr marL="0" indent="0">
+              <a:buNone/>
+            </a:pPr>
+            <a:endParaRPr lang="en-US" dirty="0">
+              <a:latin typeface="Courier New" panose="02070309020205020404" pitchFamily="49" charset="0"/>
+              <a:cs typeface="Courier New" panose="02070309020205020404" pitchFamily="49" charset="0"/>
+            </a:endParaRPr>
           </a:p>
         </p:txBody>
       </p:sp>
     </p:spTree>
     <p:extLst>
       <p:ext uri="{BB962C8B-B14F-4D97-AF65-F5344CB8AC3E}">
-        <p14:creationId xmlns:p14="http://schemas.microsoft.com/office/powerpoint/2010/main" val="2288673953"/>
+        <p14:creationId xmlns:p14="http://schemas.microsoft.com/office/powerpoint/2010/main" val="2611324632"/>
+      </p:ext>
+    </p:extLst>
+  </p:cSld>
+  <p:clrMapOvr>
+    <a:masterClrMapping/>
+  </p:clrMapOvr>
+</p:sld>
+</file>
+
+<file path=ppt/slides/slide16.xml><?xml version="1.0" encoding="utf-8"?>
+<p:sld xmlns:a="http://schemas.openxmlformats.org/drawingml/2006/main" xmlns:r="http://schemas.openxmlformats.org/officeDocument/2006/relationships" xmlns:p="http://schemas.openxmlformats.org/presentationml/2006/main">
+  <p:cSld>
+    <p:spTree>
+      <p:nvGrpSpPr>
+        <p:cNvPr id="1" name=""/>
+        <p:cNvGrpSpPr/>
+        <p:nvPr/>
+      </p:nvGrpSpPr>
+      <p:grpSpPr>
+        <a:xfrm>
+          <a:off x="0" y="0"/>
+          <a:ext cx="0" cy="0"/>
+          <a:chOff x="0" y="0"/>
+          <a:chExt cx="0" cy="0"/>
+        </a:xfrm>
+      </p:grpSpPr>
+      <p:sp>
+        <p:nvSpPr>
+          <p:cNvPr id="2" name="Title 1">
+            <a:extLst>
+              <a:ext uri="{FF2B5EF4-FFF2-40B4-BE49-F238E27FC236}">
+                <a16:creationId xmlns:a16="http://schemas.microsoft.com/office/drawing/2014/main" id="{DC76DADE-2A74-0D26-0990-A3571030C7DB}"/>
+              </a:ext>
+            </a:extLst>
+          </p:cNvPr>
+          <p:cNvSpPr>
+            <a:spLocks noGrp="1"/>
+          </p:cNvSpPr>
+          <p:nvPr>
+            <p:ph type="title"/>
+          </p:nvPr>
+        </p:nvSpPr>
+        <p:spPr>
+          <a:xfrm>
+            <a:off x="628650" y="365127"/>
+            <a:ext cx="7886700" cy="1258190"/>
+          </a:xfrm>
+        </p:spPr>
+        <p:txBody>
+          <a:bodyPr>
+            <a:normAutofit/>
+          </a:bodyPr>
+          <a:lstStyle/>
+          <a:p>
+            <a:pPr algn="ctr"/>
+            <a:r>
+              <a:rPr lang="en-US" sz="3200" dirty="0"/>
+              <a:t>4_snp (III) – formatting</a:t>
+            </a:r>
+            <a:br>
+              <a:rPr lang="en-US" sz="3200" dirty="0"/>
+            </a:br>
+            <a:r>
+              <a:rPr lang="en-US" sz="2400" dirty="0">
+                <a:solidFill>
+                  <a:srgbClr val="2FB41D"/>
+                </a:solidFill>
+                <a:effectLst/>
+                <a:latin typeface="Monaco" pitchFamily="2" charset="77"/>
+              </a:rPr>
+              <a:t>3c_reformat.sh</a:t>
+            </a:r>
+            <a:endParaRPr lang="en-US" sz="2400" dirty="0"/>
+          </a:p>
+        </p:txBody>
+      </p:sp>
+      <p:sp>
+        <p:nvSpPr>
+          <p:cNvPr id="3" name="Content Placeholder 2">
+            <a:extLst>
+              <a:ext uri="{FF2B5EF4-FFF2-40B4-BE49-F238E27FC236}">
+                <a16:creationId xmlns:a16="http://schemas.microsoft.com/office/drawing/2014/main" id="{B30B73B8-7B53-23E5-8371-E6AB6065E284}"/>
+              </a:ext>
+            </a:extLst>
+          </p:cNvPr>
+          <p:cNvSpPr>
+            <a:spLocks noGrp="1"/>
+          </p:cNvSpPr>
+          <p:nvPr>
+            <p:ph idx="1"/>
+          </p:nvPr>
+        </p:nvSpPr>
+        <p:spPr>
+          <a:xfrm>
+            <a:off x="628650" y="2203413"/>
+            <a:ext cx="7886700" cy="2044558"/>
+          </a:xfrm>
+        </p:spPr>
+        <p:txBody>
+          <a:bodyPr/>
+          <a:lstStyle/>
+          <a:p>
+            <a:pPr marL="0" indent="0">
+              <a:buNone/>
+            </a:pPr>
+            <a:r>
+              <a:rPr lang="en-US" dirty="0">
+                <a:latin typeface="Courier New" panose="02070309020205020404" pitchFamily="49" charset="0"/>
+                <a:cs typeface="Courier New" panose="02070309020205020404" pitchFamily="49" charset="0"/>
+              </a:rPr>
+              <a:t>in=covid.1.vcf</a:t>
+            </a:r>
+          </a:p>
+          <a:p>
+            <a:pPr marL="0" indent="0">
+              <a:buNone/>
+            </a:pPr>
+            <a:r>
+              <a:rPr lang="en-US" dirty="0">
+                <a:latin typeface="Courier New" panose="02070309020205020404" pitchFamily="49" charset="0"/>
+                <a:cs typeface="Courier New" panose="02070309020205020404" pitchFamily="49" charset="0"/>
+              </a:rPr>
+              <a:t>../scripts/</a:t>
+            </a:r>
+            <a:r>
+              <a:rPr lang="en-US" dirty="0" err="1">
+                <a:latin typeface="Courier New" panose="02070309020205020404" pitchFamily="49" charset="0"/>
+                <a:cs typeface="Courier New" panose="02070309020205020404" pitchFamily="49" charset="0"/>
+              </a:rPr>
+              <a:t>gatk</a:t>
+            </a:r>
+            <a:r>
+              <a:rPr lang="en-US" dirty="0">
+                <a:latin typeface="Courier New" panose="02070309020205020404" pitchFamily="49" charset="0"/>
+                <a:cs typeface="Courier New" panose="02070309020205020404" pitchFamily="49" charset="0"/>
+              </a:rPr>
+              <a:t>/vcf2phylip.py \</a:t>
+            </a:r>
+          </a:p>
+          <a:p>
+            <a:pPr marL="0" indent="0">
+              <a:buNone/>
+            </a:pPr>
+            <a:r>
+              <a:rPr lang="en-US" dirty="0">
+                <a:latin typeface="Courier New" panose="02070309020205020404" pitchFamily="49" charset="0"/>
+                <a:cs typeface="Courier New" panose="02070309020205020404" pitchFamily="49" charset="0"/>
+              </a:rPr>
+              <a:t>	-</a:t>
+            </a:r>
+            <a:r>
+              <a:rPr lang="en-US" dirty="0" err="1">
+                <a:latin typeface="Courier New" panose="02070309020205020404" pitchFamily="49" charset="0"/>
+                <a:cs typeface="Courier New" panose="02070309020205020404" pitchFamily="49" charset="0"/>
+              </a:rPr>
+              <a:t>i</a:t>
+            </a:r>
+            <a:r>
+              <a:rPr lang="en-US" dirty="0">
+                <a:latin typeface="Courier New" panose="02070309020205020404" pitchFamily="49" charset="0"/>
+                <a:cs typeface="Courier New" panose="02070309020205020404" pitchFamily="49" charset="0"/>
+              </a:rPr>
+              <a:t> $in -f -m 3</a:t>
+            </a:r>
+          </a:p>
+          <a:p>
+            <a:pPr marL="0" indent="0">
+              <a:buNone/>
+            </a:pPr>
+            <a:endParaRPr lang="en-US" dirty="0">
+              <a:latin typeface="Courier New" panose="02070309020205020404" pitchFamily="49" charset="0"/>
+              <a:cs typeface="Courier New" panose="02070309020205020404" pitchFamily="49" charset="0"/>
+            </a:endParaRPr>
+          </a:p>
+        </p:txBody>
+      </p:sp>
+    </p:spTree>
+    <p:extLst>
+      <p:ext uri="{BB962C8B-B14F-4D97-AF65-F5344CB8AC3E}">
+        <p14:creationId xmlns:p14="http://schemas.microsoft.com/office/powerpoint/2010/main" val="1452352997"/>
+      </p:ext>
+    </p:extLst>
+  </p:cSld>
+  <p:clrMapOvr>
+    <a:masterClrMapping/>
+  </p:clrMapOvr>
+</p:sld>
+</file>
+
+<file path=ppt/slides/slide17.xml><?xml version="1.0" encoding="utf-8"?>
+<p:sld xmlns:a="http://schemas.openxmlformats.org/drawingml/2006/main" xmlns:r="http://schemas.openxmlformats.org/officeDocument/2006/relationships" xmlns:p="http://schemas.openxmlformats.org/presentationml/2006/main">
+  <p:cSld>
+    <p:spTree>
+      <p:nvGrpSpPr>
+        <p:cNvPr id="1" name=""/>
+        <p:cNvGrpSpPr/>
+        <p:nvPr/>
+      </p:nvGrpSpPr>
+      <p:grpSpPr>
+        <a:xfrm>
+          <a:off x="0" y="0"/>
+          <a:ext cx="0" cy="0"/>
+          <a:chOff x="0" y="0"/>
+          <a:chExt cx="0" cy="0"/>
+        </a:xfrm>
+      </p:grpSpPr>
+      <p:sp>
+        <p:nvSpPr>
+          <p:cNvPr id="2" name="Title 1">
+            <a:extLst>
+              <a:ext uri="{FF2B5EF4-FFF2-40B4-BE49-F238E27FC236}">
+                <a16:creationId xmlns:a16="http://schemas.microsoft.com/office/drawing/2014/main" id="{DC76DADE-2A74-0D26-0990-A3571030C7DB}"/>
+              </a:ext>
+            </a:extLst>
+          </p:cNvPr>
+          <p:cNvSpPr>
+            <a:spLocks noGrp="1"/>
+          </p:cNvSpPr>
+          <p:nvPr>
+            <p:ph type="title"/>
+          </p:nvPr>
+        </p:nvSpPr>
+        <p:spPr>
+          <a:xfrm>
+            <a:off x="628650" y="365127"/>
+            <a:ext cx="7886700" cy="1088272"/>
+          </a:xfrm>
+        </p:spPr>
+        <p:txBody>
+          <a:bodyPr>
+            <a:normAutofit/>
+          </a:bodyPr>
+          <a:lstStyle/>
+          <a:p>
+            <a:pPr algn="ctr"/>
+            <a:r>
+              <a:rPr lang="en-US" sz="3200" dirty="0"/>
+              <a:t>5_tree (I) – model selection</a:t>
+            </a:r>
+            <a:br>
+              <a:rPr lang="en-US" sz="3200" dirty="0"/>
+            </a:br>
+            <a:r>
+              <a:rPr lang="en-US" sz="2400" dirty="0">
+                <a:solidFill>
+                  <a:srgbClr val="2FB41D"/>
+                </a:solidFill>
+                <a:latin typeface="Monaco" pitchFamily="2" charset="77"/>
+              </a:rPr>
+              <a:t>1c_model.selection.sh</a:t>
+            </a:r>
+          </a:p>
+        </p:txBody>
+      </p:sp>
+      <p:sp>
+        <p:nvSpPr>
+          <p:cNvPr id="3" name="Content Placeholder 2">
+            <a:extLst>
+              <a:ext uri="{FF2B5EF4-FFF2-40B4-BE49-F238E27FC236}">
+                <a16:creationId xmlns:a16="http://schemas.microsoft.com/office/drawing/2014/main" id="{B30B73B8-7B53-23E5-8371-E6AB6065E284}"/>
+              </a:ext>
+            </a:extLst>
+          </p:cNvPr>
+          <p:cNvSpPr>
+            <a:spLocks noGrp="1"/>
+          </p:cNvSpPr>
+          <p:nvPr>
+            <p:ph idx="1"/>
+          </p:nvPr>
+        </p:nvSpPr>
+        <p:spPr>
+          <a:xfrm>
+            <a:off x="464262" y="1453399"/>
+            <a:ext cx="8051088" cy="4115194"/>
+          </a:xfrm>
+        </p:spPr>
+        <p:txBody>
+          <a:bodyPr>
+            <a:normAutofit/>
+          </a:bodyPr>
+          <a:lstStyle/>
+          <a:p>
+            <a:pPr marL="0" indent="0">
+              <a:buNone/>
+            </a:pPr>
+            <a:r>
+              <a:rPr lang="en-US" dirty="0" err="1">
+                <a:latin typeface="Courier New" panose="02070309020205020404" pitchFamily="49" charset="0"/>
+                <a:cs typeface="Courier New" panose="02070309020205020404" pitchFamily="49" charset="0"/>
+              </a:rPr>
+              <a:t>fasta</a:t>
+            </a:r>
+            <a:r>
+              <a:rPr lang="en-US" dirty="0">
+                <a:latin typeface="Courier New" panose="02070309020205020404" pitchFamily="49" charset="0"/>
+                <a:cs typeface="Courier New" panose="02070309020205020404" pitchFamily="49" charset="0"/>
+              </a:rPr>
+              <a:t>=../4_snp/covid.1.min3.phy</a:t>
+            </a:r>
+          </a:p>
+          <a:p>
+            <a:pPr marL="0" indent="0">
+              <a:buNone/>
+            </a:pPr>
+            <a:r>
+              <a:rPr lang="en-US" dirty="0">
+                <a:latin typeface="Courier New" panose="02070309020205020404" pitchFamily="49" charset="0"/>
+                <a:cs typeface="Courier New" panose="02070309020205020404" pitchFamily="49" charset="0"/>
+              </a:rPr>
+              <a:t>in=covid.1</a:t>
+            </a:r>
+          </a:p>
+          <a:p>
+            <a:pPr marL="0" indent="0">
+              <a:buNone/>
+            </a:pPr>
+            <a:r>
+              <a:rPr lang="en-US" dirty="0">
+                <a:latin typeface="Courier New" panose="02070309020205020404" pitchFamily="49" charset="0"/>
+                <a:cs typeface="Courier New" panose="02070309020205020404" pitchFamily="49" charset="0"/>
+              </a:rPr>
+              <a:t>ln -s $</a:t>
+            </a:r>
+            <a:r>
+              <a:rPr lang="en-US" dirty="0" err="1">
+                <a:latin typeface="Courier New" panose="02070309020205020404" pitchFamily="49" charset="0"/>
+                <a:cs typeface="Courier New" panose="02070309020205020404" pitchFamily="49" charset="0"/>
+              </a:rPr>
+              <a:t>fasta</a:t>
+            </a:r>
+            <a:r>
+              <a:rPr lang="en-US" dirty="0">
+                <a:latin typeface="Courier New" panose="02070309020205020404" pitchFamily="49" charset="0"/>
+                <a:cs typeface="Courier New" panose="02070309020205020404" pitchFamily="49" charset="0"/>
+              </a:rPr>
+              <a:t> $in # </a:t>
+            </a:r>
+            <a:r>
+              <a:rPr lang="en-US" dirty="0" err="1">
+                <a:latin typeface="Courier New" panose="02070309020205020404" pitchFamily="49" charset="0"/>
+                <a:cs typeface="Courier New" panose="02070309020205020404" pitchFamily="49" charset="0"/>
+              </a:rPr>
+              <a:t>softlink</a:t>
+            </a:r>
+            <a:endParaRPr lang="en-US" dirty="0">
+              <a:latin typeface="Courier New" panose="02070309020205020404" pitchFamily="49" charset="0"/>
+              <a:cs typeface="Courier New" panose="02070309020205020404" pitchFamily="49" charset="0"/>
+            </a:endParaRPr>
+          </a:p>
+          <a:p>
+            <a:pPr marL="0" indent="0">
+              <a:buNone/>
+            </a:pPr>
+            <a:r>
+              <a:rPr lang="en-US" dirty="0">
+                <a:latin typeface="Courier New" panose="02070309020205020404" pitchFamily="49" charset="0"/>
+                <a:cs typeface="Courier New" panose="02070309020205020404" pitchFamily="49" charset="0"/>
+              </a:rPr>
+              <a:t># model test</a:t>
+            </a:r>
+          </a:p>
+          <a:p>
+            <a:pPr marL="0" indent="0">
+              <a:buNone/>
+            </a:pPr>
+            <a:r>
+              <a:rPr lang="en-US" dirty="0">
+                <a:latin typeface="Courier New" panose="02070309020205020404" pitchFamily="49" charset="0"/>
+                <a:cs typeface="Courier New" panose="02070309020205020404" pitchFamily="49" charset="0"/>
+              </a:rPr>
+              <a:t>../scripts/iqtree2/bin/iqtree2  \</a:t>
+            </a:r>
+          </a:p>
+          <a:p>
+            <a:pPr marL="0" indent="0">
+              <a:buNone/>
+            </a:pPr>
+            <a:r>
+              <a:rPr lang="en-US" dirty="0">
+                <a:latin typeface="Courier New" panose="02070309020205020404" pitchFamily="49" charset="0"/>
+                <a:cs typeface="Courier New" panose="02070309020205020404" pitchFamily="49" charset="0"/>
+              </a:rPr>
+              <a:t>-s $in -</a:t>
+            </a:r>
+            <a:r>
+              <a:rPr lang="en-US" dirty="0" err="1">
+                <a:latin typeface="Courier New" panose="02070309020205020404" pitchFamily="49" charset="0"/>
+                <a:cs typeface="Courier New" panose="02070309020205020404" pitchFamily="49" charset="0"/>
+              </a:rPr>
+              <a:t>nt</a:t>
+            </a:r>
+            <a:r>
+              <a:rPr lang="en-US" dirty="0">
+                <a:latin typeface="Courier New" panose="02070309020205020404" pitchFamily="49" charset="0"/>
+                <a:cs typeface="Courier New" panose="02070309020205020404" pitchFamily="49" charset="0"/>
+              </a:rPr>
+              <a:t> 1 -m MF</a:t>
+            </a:r>
+          </a:p>
+          <a:p>
+            <a:pPr marL="0" indent="0">
+              <a:buNone/>
+            </a:pPr>
+            <a:r>
+              <a:rPr lang="en-US" dirty="0">
+                <a:latin typeface="Courier New" panose="02070309020205020404" pitchFamily="49" charset="0"/>
+                <a:cs typeface="Courier New" panose="02070309020205020404" pitchFamily="49" charset="0"/>
+              </a:rPr>
+              <a:t># -</a:t>
+            </a:r>
+            <a:r>
+              <a:rPr lang="en-US" dirty="0" err="1">
+                <a:latin typeface="Courier New" panose="02070309020205020404" pitchFamily="49" charset="0"/>
+                <a:cs typeface="Courier New" panose="02070309020205020404" pitchFamily="49" charset="0"/>
+              </a:rPr>
+              <a:t>nt</a:t>
+            </a:r>
+            <a:r>
+              <a:rPr lang="en-US" dirty="0">
+                <a:latin typeface="Courier New" panose="02070309020205020404" pitchFamily="49" charset="0"/>
+                <a:cs typeface="Courier New" panose="02070309020205020404" pitchFamily="49" charset="0"/>
+              </a:rPr>
+              <a:t>: number of threads</a:t>
+            </a:r>
+          </a:p>
+          <a:p>
+            <a:pPr marL="0" indent="0">
+              <a:buNone/>
+            </a:pPr>
+            <a:r>
+              <a:rPr lang="en-US" dirty="0">
+                <a:latin typeface="Courier New" panose="02070309020205020404" pitchFamily="49" charset="0"/>
+                <a:cs typeface="Courier New" panose="02070309020205020404" pitchFamily="49" charset="0"/>
+              </a:rPr>
+              <a:t># -m MF: model selection</a:t>
+            </a:r>
+          </a:p>
+        </p:txBody>
+      </p:sp>
+      <p:sp>
+        <p:nvSpPr>
+          <p:cNvPr id="5" name="TextBox 4">
+            <a:extLst>
+              <a:ext uri="{FF2B5EF4-FFF2-40B4-BE49-F238E27FC236}">
+                <a16:creationId xmlns:a16="http://schemas.microsoft.com/office/drawing/2014/main" id="{C3F59397-0967-2BD6-9B2D-E276DCEC0D09}"/>
+              </a:ext>
+            </a:extLst>
+          </p:cNvPr>
+          <p:cNvSpPr txBox="1"/>
+          <p:nvPr/>
+        </p:nvSpPr>
+        <p:spPr>
+          <a:xfrm>
+            <a:off x="1556535" y="5897734"/>
+            <a:ext cx="5655923" cy="523220"/>
+          </a:xfrm>
+          <a:prstGeom prst="rect">
+            <a:avLst/>
+          </a:prstGeom>
+          <a:noFill/>
+        </p:spPr>
+        <p:txBody>
+          <a:bodyPr wrap="square">
+            <a:spAutoFit/>
+          </a:bodyPr>
+          <a:lstStyle/>
+          <a:p>
+            <a:r>
+              <a:rPr lang="en-US" sz="2800" dirty="0"/>
+              <a:t>Best-fit model according to BIC: K2P</a:t>
+            </a:r>
+          </a:p>
+        </p:txBody>
+      </p:sp>
+    </p:spTree>
+    <p:extLst>
+      <p:ext uri="{BB962C8B-B14F-4D97-AF65-F5344CB8AC3E}">
+        <p14:creationId xmlns:p14="http://schemas.microsoft.com/office/powerpoint/2010/main" val="234928218"/>
+      </p:ext>
+    </p:extLst>
+  </p:cSld>
+  <p:clrMapOvr>
+    <a:masterClrMapping/>
+  </p:clrMapOvr>
+  <p:timing>
+    <p:tnLst>
+      <p:par>
+        <p:cTn id="1" dur="indefinite" restart="never" nodeType="tmRoot">
+          <p:childTnLst>
+            <p:seq concurrent="1" nextAc="seek">
+              <p:cTn id="2" dur="indefinite" nodeType="mainSeq">
+                <p:childTnLst>
+                  <p:par>
+                    <p:cTn id="3" fill="hold">
+                      <p:stCondLst>
+                        <p:cond delay="indefinite"/>
+                      </p:stCondLst>
+                      <p:childTnLst>
+                        <p:par>
+                          <p:cTn id="4" fill="hold">
+                            <p:stCondLst>
+                              <p:cond delay="0"/>
+                            </p:stCondLst>
+                            <p:childTnLst>
+                              <p:par>
+                                <p:cTn id="5" presetID="1" presetClass="entr" presetSubtype="0" fill="hold" grpId="0" nodeType="clickEffect">
+                                  <p:stCondLst>
+                                    <p:cond delay="0"/>
+                                  </p:stCondLst>
+                                  <p:childTnLst>
+                                    <p:set>
+                                      <p:cBhvr>
+                                        <p:cTn id="6" dur="1" fill="hold">
+                                          <p:stCondLst>
+                                            <p:cond delay="0"/>
+                                          </p:stCondLst>
+                                        </p:cTn>
+                                        <p:tgtEl>
+                                          <p:spTgt spid="5"/>
+                                        </p:tgtEl>
+                                        <p:attrNameLst>
+                                          <p:attrName>style.visibility</p:attrName>
+                                        </p:attrNameLst>
+                                      </p:cBhvr>
+                                      <p:to>
+                                        <p:strVal val="visible"/>
+                                      </p:to>
+                                    </p:set>
+                                  </p:childTnLst>
+                                </p:cTn>
+                              </p:par>
+                            </p:childTnLst>
+                          </p:cTn>
+                        </p:par>
+                      </p:childTnLst>
+                    </p:cTn>
+                  </p:par>
+                </p:childTnLst>
+              </p:cTn>
+              <p:prevCondLst>
+                <p:cond evt="onPrev" delay="0">
+                  <p:tgtEl>
+                    <p:sldTgt/>
+                  </p:tgtEl>
+                </p:cond>
+              </p:prevCondLst>
+              <p:nextCondLst>
+                <p:cond evt="onNext" delay="0">
+                  <p:tgtEl>
+                    <p:sldTgt/>
+                  </p:tgtEl>
+                </p:cond>
+              </p:nextCondLst>
+            </p:seq>
+          </p:childTnLst>
+        </p:cTn>
+      </p:par>
+    </p:tnLst>
+    <p:bldLst>
+      <p:bldP spid="5" grpId="0"/>
+    </p:bldLst>
+  </p:timing>
+</p:sld>
+</file>
+
+<file path=ppt/slides/slide18.xml><?xml version="1.0" encoding="utf-8"?>
+<p:sld xmlns:a="http://schemas.openxmlformats.org/drawingml/2006/main" xmlns:r="http://schemas.openxmlformats.org/officeDocument/2006/relationships" xmlns:p="http://schemas.openxmlformats.org/presentationml/2006/main">
+  <p:cSld>
+    <p:spTree>
+      <p:nvGrpSpPr>
+        <p:cNvPr id="1" name=""/>
+        <p:cNvGrpSpPr/>
+        <p:nvPr/>
+      </p:nvGrpSpPr>
+      <p:grpSpPr>
+        <a:xfrm>
+          <a:off x="0" y="0"/>
+          <a:ext cx="0" cy="0"/>
+          <a:chOff x="0" y="0"/>
+          <a:chExt cx="0" cy="0"/>
+        </a:xfrm>
+      </p:grpSpPr>
+      <p:sp>
+        <p:nvSpPr>
+          <p:cNvPr id="2" name="Title 1">
+            <a:extLst>
+              <a:ext uri="{FF2B5EF4-FFF2-40B4-BE49-F238E27FC236}">
+                <a16:creationId xmlns:a16="http://schemas.microsoft.com/office/drawing/2014/main" id="{DC76DADE-2A74-0D26-0990-A3571030C7DB}"/>
+              </a:ext>
+            </a:extLst>
+          </p:cNvPr>
+          <p:cNvSpPr>
+            <a:spLocks noGrp="1"/>
+          </p:cNvSpPr>
+          <p:nvPr>
+            <p:ph type="title"/>
+          </p:nvPr>
+        </p:nvSpPr>
+        <p:spPr>
+          <a:xfrm>
+            <a:off x="628650" y="365127"/>
+            <a:ext cx="7886700" cy="1032158"/>
+          </a:xfrm>
+        </p:spPr>
+        <p:txBody>
+          <a:bodyPr>
+            <a:normAutofit fontScale="90000"/>
+          </a:bodyPr>
+          <a:lstStyle/>
+          <a:p>
+            <a:pPr algn="ctr"/>
+            <a:r>
+              <a:rPr lang="en-US" sz="3200" dirty="0"/>
+              <a:t>5_tree (II) – tree construction with a selected model</a:t>
+            </a:r>
+            <a:br>
+              <a:rPr lang="en-US" sz="3200" dirty="0"/>
+            </a:br>
+            <a:r>
+              <a:rPr lang="en-US" sz="2700" dirty="0">
+                <a:solidFill>
+                  <a:srgbClr val="2FB41D"/>
+                </a:solidFill>
+                <a:effectLst/>
+                <a:latin typeface="Monaco" pitchFamily="2" charset="77"/>
+              </a:rPr>
+              <a:t>2c_iqtree.sh</a:t>
+            </a:r>
+            <a:endParaRPr lang="en-US" sz="2700" dirty="0"/>
+          </a:p>
+        </p:txBody>
+      </p:sp>
+      <p:sp>
+        <p:nvSpPr>
+          <p:cNvPr id="3" name="Content Placeholder 2">
+            <a:extLst>
+              <a:ext uri="{FF2B5EF4-FFF2-40B4-BE49-F238E27FC236}">
+                <a16:creationId xmlns:a16="http://schemas.microsoft.com/office/drawing/2014/main" id="{B30B73B8-7B53-23E5-8371-E6AB6065E284}"/>
+              </a:ext>
+            </a:extLst>
+          </p:cNvPr>
+          <p:cNvSpPr>
+            <a:spLocks noGrp="1"/>
+          </p:cNvSpPr>
+          <p:nvPr>
+            <p:ph idx="1"/>
+          </p:nvPr>
+        </p:nvSpPr>
+        <p:spPr>
+          <a:xfrm>
+            <a:off x="628650" y="1761624"/>
+            <a:ext cx="7886700" cy="3560390"/>
+          </a:xfrm>
+        </p:spPr>
+        <p:txBody>
+          <a:bodyPr>
+            <a:normAutofit/>
+          </a:bodyPr>
+          <a:lstStyle/>
+          <a:p>
+            <a:pPr marL="0" indent="0">
+              <a:buNone/>
+            </a:pPr>
+            <a:r>
+              <a:rPr lang="en-US" dirty="0" err="1">
+                <a:latin typeface="Courier New" panose="02070309020205020404" pitchFamily="49" charset="0"/>
+                <a:cs typeface="Courier New" panose="02070309020205020404" pitchFamily="49" charset="0"/>
+              </a:rPr>
+              <a:t>fasta</a:t>
+            </a:r>
+            <a:r>
+              <a:rPr lang="en-US" dirty="0">
+                <a:latin typeface="Courier New" panose="02070309020205020404" pitchFamily="49" charset="0"/>
+                <a:cs typeface="Courier New" panose="02070309020205020404" pitchFamily="49" charset="0"/>
+              </a:rPr>
+              <a:t>=../4_snp/covid.1.min3.phy</a:t>
+            </a:r>
+          </a:p>
+          <a:p>
+            <a:pPr marL="0" indent="0">
+              <a:buNone/>
+            </a:pPr>
+            <a:r>
+              <a:rPr lang="en-US" dirty="0">
+                <a:latin typeface="Courier New" panose="02070309020205020404" pitchFamily="49" charset="0"/>
+                <a:cs typeface="Courier New" panose="02070309020205020404" pitchFamily="49" charset="0"/>
+              </a:rPr>
+              <a:t>in=covid.2</a:t>
+            </a:r>
+          </a:p>
+          <a:p>
+            <a:pPr marL="0" indent="0">
+              <a:buNone/>
+            </a:pPr>
+            <a:r>
+              <a:rPr lang="en-US" dirty="0">
+                <a:latin typeface="Courier New" panose="02070309020205020404" pitchFamily="49" charset="0"/>
+                <a:cs typeface="Courier New" panose="02070309020205020404" pitchFamily="49" charset="0"/>
+              </a:rPr>
+              <a:t>ln -s $</a:t>
+            </a:r>
+            <a:r>
+              <a:rPr lang="en-US" dirty="0" err="1">
+                <a:latin typeface="Courier New" panose="02070309020205020404" pitchFamily="49" charset="0"/>
+                <a:cs typeface="Courier New" panose="02070309020205020404" pitchFamily="49" charset="0"/>
+              </a:rPr>
+              <a:t>fasta</a:t>
+            </a:r>
+            <a:r>
+              <a:rPr lang="en-US" dirty="0">
+                <a:latin typeface="Courier New" panose="02070309020205020404" pitchFamily="49" charset="0"/>
+                <a:cs typeface="Courier New" panose="02070309020205020404" pitchFamily="49" charset="0"/>
+              </a:rPr>
+              <a:t> $in</a:t>
+            </a:r>
+          </a:p>
+          <a:p>
+            <a:pPr marL="0" indent="0">
+              <a:buNone/>
+            </a:pPr>
+            <a:r>
+              <a:rPr lang="en-US" dirty="0">
+                <a:latin typeface="Courier New" panose="02070309020205020404" pitchFamily="49" charset="0"/>
+                <a:cs typeface="Courier New" panose="02070309020205020404" pitchFamily="49" charset="0"/>
+              </a:rPr>
+              <a:t># model</a:t>
+            </a:r>
+          </a:p>
+          <a:p>
+            <a:pPr marL="0" indent="0">
+              <a:buNone/>
+            </a:pPr>
+            <a:r>
+              <a:rPr lang="en-US" dirty="0">
+                <a:solidFill>
+                  <a:srgbClr val="FF0000"/>
+                </a:solidFill>
+                <a:latin typeface="Courier New" panose="02070309020205020404" pitchFamily="49" charset="0"/>
+                <a:cs typeface="Courier New" panose="02070309020205020404" pitchFamily="49" charset="0"/>
+              </a:rPr>
+              <a:t>model=K2P</a:t>
+            </a:r>
+          </a:p>
+          <a:p>
+            <a:pPr marL="0" indent="0">
+              <a:buNone/>
+            </a:pPr>
+            <a:r>
+              <a:rPr lang="en-US" dirty="0">
+                <a:latin typeface="Courier New" panose="02070309020205020404" pitchFamily="49" charset="0"/>
+                <a:cs typeface="Courier New" panose="02070309020205020404" pitchFamily="49" charset="0"/>
+              </a:rPr>
+              <a:t>../scripts/iqtree2/bin/iqtree2 \</a:t>
+            </a:r>
+          </a:p>
+          <a:p>
+            <a:pPr marL="0" indent="0">
+              <a:buNone/>
+            </a:pPr>
+            <a:r>
+              <a:rPr lang="en-US" dirty="0">
+                <a:latin typeface="Courier New" panose="02070309020205020404" pitchFamily="49" charset="0"/>
+                <a:cs typeface="Courier New" panose="02070309020205020404" pitchFamily="49" charset="0"/>
+              </a:rPr>
+              <a:t>	-m $model -s $in -</a:t>
+            </a:r>
+            <a:r>
+              <a:rPr lang="en-US" dirty="0" err="1">
+                <a:latin typeface="Courier New" panose="02070309020205020404" pitchFamily="49" charset="0"/>
+                <a:cs typeface="Courier New" panose="02070309020205020404" pitchFamily="49" charset="0"/>
+              </a:rPr>
+              <a:t>nt</a:t>
+            </a:r>
+            <a:r>
+              <a:rPr lang="en-US" dirty="0">
+                <a:latin typeface="Courier New" panose="02070309020205020404" pitchFamily="49" charset="0"/>
+                <a:cs typeface="Courier New" panose="02070309020205020404" pitchFamily="49" charset="0"/>
+              </a:rPr>
+              <a:t> 1</a:t>
+            </a:r>
+          </a:p>
+        </p:txBody>
+      </p:sp>
+      <p:sp>
+        <p:nvSpPr>
+          <p:cNvPr id="6" name="TextBox 5">
+            <a:extLst>
+              <a:ext uri="{FF2B5EF4-FFF2-40B4-BE49-F238E27FC236}">
+                <a16:creationId xmlns:a16="http://schemas.microsoft.com/office/drawing/2014/main" id="{56E64046-ED34-8A22-37BF-743DBD020392}"/>
+              </a:ext>
+            </a:extLst>
+          </p:cNvPr>
+          <p:cNvSpPr txBox="1"/>
+          <p:nvPr/>
+        </p:nvSpPr>
+        <p:spPr>
+          <a:xfrm>
+            <a:off x="628650" y="5543510"/>
+            <a:ext cx="3547381" cy="954107"/>
+          </a:xfrm>
+          <a:prstGeom prst="rect">
+            <a:avLst/>
+          </a:prstGeom>
+          <a:noFill/>
+        </p:spPr>
+        <p:txBody>
+          <a:bodyPr wrap="none" rtlCol="0">
+            <a:spAutoFit/>
+          </a:bodyPr>
+          <a:lstStyle/>
+          <a:p>
+            <a:r>
+              <a:rPr lang="en-US" sz="2800" dirty="0" err="1">
+                <a:solidFill>
+                  <a:schemeClr val="tx1">
+                    <a:lumMod val="95000"/>
+                    <a:lumOff val="5000"/>
+                  </a:schemeClr>
+                </a:solidFill>
+                <a:effectLst/>
+              </a:rPr>
+              <a:t>maxium</a:t>
+            </a:r>
+            <a:r>
+              <a:rPr lang="en-US" sz="2800" dirty="0">
+                <a:solidFill>
+                  <a:schemeClr val="tx1">
+                    <a:lumMod val="95000"/>
+                    <a:lumOff val="5000"/>
+                  </a:schemeClr>
+                </a:solidFill>
+              </a:rPr>
+              <a:t> likelihood tree</a:t>
+            </a:r>
+            <a:endParaRPr lang="en-US" sz="2800" dirty="0">
+              <a:solidFill>
+                <a:schemeClr val="tx1">
+                  <a:lumMod val="95000"/>
+                  <a:lumOff val="5000"/>
+                </a:schemeClr>
+              </a:solidFill>
+              <a:effectLst/>
+            </a:endParaRPr>
+          </a:p>
+          <a:p>
+            <a:r>
+              <a:rPr lang="en-US" sz="2800" dirty="0">
+                <a:solidFill>
+                  <a:schemeClr val="tx1">
+                    <a:lumMod val="95000"/>
+                    <a:lumOff val="5000"/>
+                  </a:schemeClr>
+                </a:solidFill>
+                <a:effectLst/>
+              </a:rPr>
+              <a:t>covid.2.treefile </a:t>
+            </a:r>
+          </a:p>
+        </p:txBody>
+      </p:sp>
+    </p:spTree>
+    <p:extLst>
+      <p:ext uri="{BB962C8B-B14F-4D97-AF65-F5344CB8AC3E}">
+        <p14:creationId xmlns:p14="http://schemas.microsoft.com/office/powerpoint/2010/main" val="2516774485"/>
+      </p:ext>
+    </p:extLst>
+  </p:cSld>
+  <p:clrMapOvr>
+    <a:masterClrMapping/>
+  </p:clrMapOvr>
+</p:sld>
+</file>
+
+<file path=ppt/slides/slide19.xml><?xml version="1.0" encoding="utf-8"?>
+<p:sld xmlns:a="http://schemas.openxmlformats.org/drawingml/2006/main" xmlns:r="http://schemas.openxmlformats.org/officeDocument/2006/relationships" xmlns:p="http://schemas.openxmlformats.org/presentationml/2006/main">
+  <p:cSld>
+    <p:spTree>
+      <p:nvGrpSpPr>
+        <p:cNvPr id="1" name=""/>
+        <p:cNvGrpSpPr/>
+        <p:nvPr/>
+      </p:nvGrpSpPr>
+      <p:grpSpPr>
+        <a:xfrm>
+          <a:off x="0" y="0"/>
+          <a:ext cx="0" cy="0"/>
+          <a:chOff x="0" y="0"/>
+          <a:chExt cx="0" cy="0"/>
+        </a:xfrm>
+      </p:grpSpPr>
+      <p:sp>
+        <p:nvSpPr>
+          <p:cNvPr id="2" name="Title 1">
+            <a:extLst>
+              <a:ext uri="{FF2B5EF4-FFF2-40B4-BE49-F238E27FC236}">
+                <a16:creationId xmlns:a16="http://schemas.microsoft.com/office/drawing/2014/main" id="{DC76DADE-2A74-0D26-0990-A3571030C7DB}"/>
+              </a:ext>
+            </a:extLst>
+          </p:cNvPr>
+          <p:cNvSpPr>
+            <a:spLocks noGrp="1"/>
+          </p:cNvSpPr>
+          <p:nvPr>
+            <p:ph type="title"/>
+          </p:nvPr>
+        </p:nvSpPr>
+        <p:spPr>
+          <a:xfrm>
+            <a:off x="628650" y="365127"/>
+            <a:ext cx="7886700" cy="1032158"/>
+          </a:xfrm>
+        </p:spPr>
+        <p:txBody>
+          <a:bodyPr>
+            <a:normAutofit/>
+          </a:bodyPr>
+          <a:lstStyle/>
+          <a:p>
+            <a:pPr algn="ctr"/>
+            <a:r>
+              <a:rPr lang="en-US" sz="3200" dirty="0" err="1">
+                <a:solidFill>
+                  <a:schemeClr val="tx1">
+                    <a:lumMod val="95000"/>
+                    <a:lumOff val="5000"/>
+                  </a:schemeClr>
+                </a:solidFill>
+                <a:effectLst/>
+              </a:rPr>
+              <a:t>maxium</a:t>
+            </a:r>
+            <a:r>
+              <a:rPr lang="en-US" sz="3200" dirty="0">
+                <a:solidFill>
+                  <a:schemeClr val="tx1">
+                    <a:lumMod val="95000"/>
+                    <a:lumOff val="5000"/>
+                  </a:schemeClr>
+                </a:solidFill>
+              </a:rPr>
+              <a:t> likelihood tree</a:t>
+            </a:r>
+            <a:br>
+              <a:rPr lang="en-US" sz="2400" dirty="0">
+                <a:solidFill>
+                  <a:schemeClr val="tx1">
+                    <a:lumMod val="95000"/>
+                    <a:lumOff val="5000"/>
+                  </a:schemeClr>
+                </a:solidFill>
+                <a:effectLst/>
+              </a:rPr>
+            </a:br>
+            <a:r>
+              <a:rPr lang="en-US" sz="2400" dirty="0">
+                <a:solidFill>
+                  <a:srgbClr val="2FB41D"/>
+                </a:solidFill>
+                <a:latin typeface="Monaco" pitchFamily="2" charset="77"/>
+              </a:rPr>
+              <a:t>covid.2.treefile </a:t>
+            </a:r>
+          </a:p>
+        </p:txBody>
+      </p:sp>
+      <p:sp>
+        <p:nvSpPr>
+          <p:cNvPr id="3" name="Content Placeholder 2">
+            <a:extLst>
+              <a:ext uri="{FF2B5EF4-FFF2-40B4-BE49-F238E27FC236}">
+                <a16:creationId xmlns:a16="http://schemas.microsoft.com/office/drawing/2014/main" id="{B30B73B8-7B53-23E5-8371-E6AB6065E284}"/>
+              </a:ext>
+            </a:extLst>
+          </p:cNvPr>
+          <p:cNvSpPr>
+            <a:spLocks noGrp="1"/>
+          </p:cNvSpPr>
+          <p:nvPr>
+            <p:ph idx="1"/>
+          </p:nvPr>
+        </p:nvSpPr>
+        <p:spPr>
+          <a:xfrm>
+            <a:off x="205483" y="2069849"/>
+            <a:ext cx="8733033" cy="3560390"/>
+          </a:xfrm>
+        </p:spPr>
+        <p:txBody>
+          <a:bodyPr>
+            <a:normAutofit fontScale="92500" lnSpcReduction="20000"/>
+          </a:bodyPr>
+          <a:lstStyle/>
+          <a:p>
+            <a:pPr marL="0" indent="0">
+              <a:buNone/>
+            </a:pPr>
+            <a:r>
+              <a:rPr lang="en-US" sz="1900" dirty="0">
+                <a:latin typeface="Courier New" panose="02070309020205020404" pitchFamily="49" charset="0"/>
+                <a:cs typeface="Courier New" panose="02070309020205020404" pitchFamily="49" charset="0"/>
+              </a:rPr>
+              <a:t>+-----------------------------------------------------------s1</a:t>
+            </a:r>
+          </a:p>
+          <a:p>
+            <a:pPr marL="0" indent="0">
+              <a:buNone/>
+            </a:pPr>
+            <a:r>
+              <a:rPr lang="en-US" sz="1900" dirty="0">
+                <a:latin typeface="Courier New" panose="02070309020205020404" pitchFamily="49" charset="0"/>
+                <a:cs typeface="Courier New" panose="02070309020205020404" pitchFamily="49" charset="0"/>
+              </a:rPr>
+              <a:t>|</a:t>
+            </a:r>
+          </a:p>
+          <a:p>
+            <a:pPr marL="0" indent="0">
+              <a:buNone/>
+            </a:pPr>
+            <a:r>
+              <a:rPr lang="en-US" sz="1900" dirty="0">
+                <a:latin typeface="Courier New" panose="02070309020205020404" pitchFamily="49" charset="0"/>
+                <a:cs typeface="Courier New" panose="02070309020205020404" pitchFamily="49" charset="0"/>
+              </a:rPr>
+              <a:t>+--s2</a:t>
+            </a:r>
+          </a:p>
+          <a:p>
+            <a:pPr marL="0" indent="0">
+              <a:buNone/>
+            </a:pPr>
+            <a:r>
+              <a:rPr lang="en-US" sz="1900" dirty="0">
+                <a:latin typeface="Courier New" panose="02070309020205020404" pitchFamily="49" charset="0"/>
+                <a:cs typeface="Courier New" panose="02070309020205020404" pitchFamily="49" charset="0"/>
+              </a:rPr>
+              <a:t>|</a:t>
+            </a:r>
+          </a:p>
+          <a:p>
+            <a:pPr marL="0" indent="0">
+              <a:buNone/>
+            </a:pPr>
+            <a:r>
+              <a:rPr lang="en-US" sz="1900" dirty="0">
+                <a:latin typeface="Courier New" panose="02070309020205020404" pitchFamily="49" charset="0"/>
+                <a:cs typeface="Courier New" panose="02070309020205020404" pitchFamily="49" charset="0"/>
+              </a:rPr>
+              <a:t>+--s3</a:t>
+            </a:r>
+          </a:p>
+          <a:p>
+            <a:pPr marL="0" indent="0">
+              <a:buNone/>
+            </a:pPr>
+            <a:br>
+              <a:rPr lang="en-US" dirty="0">
+                <a:latin typeface="Courier New" panose="02070309020205020404" pitchFamily="49" charset="0"/>
+                <a:cs typeface="Courier New" panose="02070309020205020404" pitchFamily="49" charset="0"/>
+              </a:rPr>
+            </a:br>
+            <a:endParaRPr lang="en-US" dirty="0">
+              <a:latin typeface="Courier New" panose="02070309020205020404" pitchFamily="49" charset="0"/>
+              <a:cs typeface="Courier New" panose="02070309020205020404" pitchFamily="49" charset="0"/>
+            </a:endParaRPr>
+          </a:p>
+          <a:p>
+            <a:pPr marL="0" indent="0">
+              <a:buNone/>
+            </a:pPr>
+            <a:r>
+              <a:rPr lang="en-US" dirty="0">
+                <a:latin typeface="Courier New" panose="02070309020205020404" pitchFamily="49" charset="0"/>
+                <a:cs typeface="Courier New" panose="02070309020205020404" pitchFamily="49" charset="0"/>
+              </a:rPr>
+              <a:t>Tree in </a:t>
+            </a:r>
+            <a:r>
+              <a:rPr lang="en-US" dirty="0" err="1">
+                <a:latin typeface="Courier New" panose="02070309020205020404" pitchFamily="49" charset="0"/>
+                <a:cs typeface="Courier New" panose="02070309020205020404" pitchFamily="49" charset="0"/>
+              </a:rPr>
+              <a:t>newick</a:t>
+            </a:r>
+            <a:r>
+              <a:rPr lang="en-US" dirty="0">
+                <a:latin typeface="Courier New" panose="02070309020205020404" pitchFamily="49" charset="0"/>
+                <a:cs typeface="Courier New" panose="02070309020205020404" pitchFamily="49" charset="0"/>
+              </a:rPr>
+              <a:t> format:</a:t>
+            </a:r>
+          </a:p>
+          <a:p>
+            <a:pPr marL="0" indent="0">
+              <a:buNone/>
+            </a:pPr>
+            <a:r>
+              <a:rPr lang="en-US" dirty="0">
+                <a:latin typeface="Courier New" panose="02070309020205020404" pitchFamily="49" charset="0"/>
+                <a:cs typeface="Courier New" panose="02070309020205020404" pitchFamily="49" charset="0"/>
+              </a:rPr>
+              <a:t>(s1:9.9999988658,s2:0.0702378591,s3:0.0647318661);</a:t>
+            </a:r>
+          </a:p>
+        </p:txBody>
+      </p:sp>
+    </p:spTree>
+    <p:extLst>
+      <p:ext uri="{BB962C8B-B14F-4D97-AF65-F5344CB8AC3E}">
+        <p14:creationId xmlns:p14="http://schemas.microsoft.com/office/powerpoint/2010/main" val="1165108009"/>
       </p:ext>
     </p:extLst>
   </p:cSld>
@@ -4506,8 +6488,13 @@
             </a:pPr>
             <a:r>
               <a:rPr lang="en-US" dirty="0"/>
-              <a:t>Built a tree through SNP discovery and R package ape</a:t>
-            </a:r>
+              <a:t>Built a tree through SNP discovery and </a:t>
+            </a:r>
+            <a:r>
+              <a:rPr lang="en-US" dirty="0" err="1"/>
+              <a:t>iqtree</a:t>
+            </a:r>
+            <a:endParaRPr lang="en-US" dirty="0"/>
           </a:p>
         </p:txBody>
       </p:sp>
@@ -4515,6 +6502,106 @@
     <p:extLst>
       <p:ext uri="{BB962C8B-B14F-4D97-AF65-F5344CB8AC3E}">
         <p14:creationId xmlns:p14="http://schemas.microsoft.com/office/powerpoint/2010/main" val="1030352132"/>
+      </p:ext>
+    </p:extLst>
+  </p:cSld>
+  <p:clrMapOvr>
+    <a:masterClrMapping/>
+  </p:clrMapOvr>
+</p:sld>
+</file>
+
+<file path=ppt/slides/slide20.xml><?xml version="1.0" encoding="utf-8"?>
+<p:sld xmlns:a="http://schemas.openxmlformats.org/drawingml/2006/main" xmlns:r="http://schemas.openxmlformats.org/officeDocument/2006/relationships" xmlns:p="http://schemas.openxmlformats.org/presentationml/2006/main">
+  <p:cSld>
+    <p:spTree>
+      <p:nvGrpSpPr>
+        <p:cNvPr id="1" name=""/>
+        <p:cNvGrpSpPr/>
+        <p:nvPr/>
+      </p:nvGrpSpPr>
+      <p:grpSpPr>
+        <a:xfrm>
+          <a:off x="0" y="0"/>
+          <a:ext cx="0" cy="0"/>
+          <a:chOff x="0" y="0"/>
+          <a:chExt cx="0" cy="0"/>
+        </a:xfrm>
+      </p:grpSpPr>
+      <p:sp>
+        <p:nvSpPr>
+          <p:cNvPr id="2" name="Title 1">
+            <a:extLst>
+              <a:ext uri="{FF2B5EF4-FFF2-40B4-BE49-F238E27FC236}">
+                <a16:creationId xmlns:a16="http://schemas.microsoft.com/office/drawing/2014/main" id="{92847F45-0B9B-5047-9234-6226DEE6404F}"/>
+              </a:ext>
+            </a:extLst>
+          </p:cNvPr>
+          <p:cNvSpPr>
+            <a:spLocks noGrp="1"/>
+          </p:cNvSpPr>
+          <p:nvPr>
+            <p:ph type="title"/>
+          </p:nvPr>
+        </p:nvSpPr>
+        <p:spPr/>
+        <p:txBody>
+          <a:bodyPr/>
+          <a:lstStyle/>
+          <a:p>
+            <a:r>
+              <a:rPr lang="en-US" dirty="0"/>
+              <a:t>References</a:t>
+            </a:r>
+          </a:p>
+        </p:txBody>
+      </p:sp>
+      <p:sp>
+        <p:nvSpPr>
+          <p:cNvPr id="3" name="Content Placeholder 2">
+            <a:extLst>
+              <a:ext uri="{FF2B5EF4-FFF2-40B4-BE49-F238E27FC236}">
+                <a16:creationId xmlns:a16="http://schemas.microsoft.com/office/drawing/2014/main" id="{05A39FE1-79A0-1744-8D02-7A834014EC95}"/>
+              </a:ext>
+            </a:extLst>
+          </p:cNvPr>
+          <p:cNvSpPr>
+            <a:spLocks noGrp="1"/>
+          </p:cNvSpPr>
+          <p:nvPr>
+            <p:ph idx="1"/>
+          </p:nvPr>
+        </p:nvSpPr>
+        <p:spPr/>
+        <p:txBody>
+          <a:bodyPr>
+            <a:normAutofit/>
+          </a:bodyPr>
+          <a:lstStyle/>
+          <a:p>
+            <a:r>
+              <a:rPr lang="en-US" dirty="0"/>
+              <a:t>Hu et al., Characteristics of SARS-CoV-2 and COVID-19, 2020, Nature Review Microbiology, 19: 1410154</a:t>
+            </a:r>
+          </a:p>
+          <a:p>
+            <a:r>
+              <a:rPr lang="en-US" dirty="0"/>
+              <a:t>Shereen et al., COVID-19 infection: Emergence, transmission, and characteristics of human coronaviruses, 2020, Journal of Advanced Research, 24:91-98</a:t>
+            </a:r>
+          </a:p>
+          <a:p>
+            <a:pPr marL="0" indent="0">
+              <a:buNone/>
+            </a:pPr>
+            <a:endParaRPr lang="en-US" b="1" dirty="0"/>
+          </a:p>
+        </p:txBody>
+      </p:sp>
+    </p:spTree>
+    <p:extLst>
+      <p:ext uri="{BB962C8B-B14F-4D97-AF65-F5344CB8AC3E}">
+        <p14:creationId xmlns:p14="http://schemas.microsoft.com/office/powerpoint/2010/main" val="2288673953"/>
       </p:ext>
     </p:extLst>
   </p:cSld>
@@ -5540,7 +7627,7 @@
           <p:cNvPr id="2" name="Title 1">
             <a:extLst>
               <a:ext uri="{FF2B5EF4-FFF2-40B4-BE49-F238E27FC236}">
-                <a16:creationId xmlns:a16="http://schemas.microsoft.com/office/drawing/2014/main" id="{0716F452-D9C1-044A-B667-E3539FB34F61}"/>
+                <a16:creationId xmlns:a16="http://schemas.microsoft.com/office/drawing/2014/main" id="{C2CB86FB-A73E-264B-8E2D-51EDCE147D50}"/>
               </a:ext>
             </a:extLst>
           </p:cNvPr>
@@ -5553,18 +7640,25 @@
         </p:nvSpPr>
         <p:spPr>
           <a:xfrm>
-            <a:off x="628649" y="365126"/>
-            <a:ext cx="8367069" cy="1325563"/>
+            <a:off x="390525" y="253877"/>
+            <a:ext cx="8362950" cy="1325563"/>
           </a:xfrm>
         </p:spPr>
         <p:txBody>
-          <a:bodyPr/>
+          <a:bodyPr>
+            <a:normAutofit fontScale="90000"/>
+          </a:bodyPr>
           <a:lstStyle/>
           <a:p>
             <a:r>
               <a:rPr lang="en-US" dirty="0"/>
-              <a:t>MSA: multiple sequence alignment</a:t>
-            </a:r>
+              <a:t>Alignment to a reference, discovery of SNP, and tree construction with </a:t>
+            </a:r>
+            <a:r>
+              <a:rPr lang="en-US" dirty="0" err="1"/>
+              <a:t>iqtree</a:t>
+            </a:r>
+            <a:endParaRPr lang="en-US" dirty="0"/>
           </a:p>
         </p:txBody>
       </p:sp>
@@ -5573,7 +7667,7 @@
           <p:cNvPr id="3" name="Content Placeholder 2">
             <a:extLst>
               <a:ext uri="{FF2B5EF4-FFF2-40B4-BE49-F238E27FC236}">
-                <a16:creationId xmlns:a16="http://schemas.microsoft.com/office/drawing/2014/main" id="{DCBF0D94-E805-0345-A2BA-F83BA8E2A764}"/>
+                <a16:creationId xmlns:a16="http://schemas.microsoft.com/office/drawing/2014/main" id="{A5A19FB5-D381-A94A-8562-68FD3C31C778}"/>
               </a:ext>
             </a:extLst>
           </p:cNvPr>
@@ -5584,112 +7678,67 @@
             <p:ph idx="1"/>
           </p:nvPr>
         </p:nvSpPr>
-        <p:spPr/>
+        <p:spPr>
+          <a:xfrm>
+            <a:off x="628650" y="1579440"/>
+            <a:ext cx="7886700" cy="4351338"/>
+          </a:xfrm>
+        </p:spPr>
         <p:txBody>
           <a:bodyPr>
             <a:normAutofit/>
           </a:bodyPr>
           <a:lstStyle/>
           <a:p>
-            <a:pPr marL="0" indent="0">
-              <a:buNone/>
-            </a:pPr>
-            <a:r>
-              <a:rPr lang="en-US" dirty="0">
-                <a:latin typeface="+mj-lt"/>
-              </a:rPr>
-              <a:t>The publication of </a:t>
-            </a:r>
-            <a:r>
-              <a:rPr lang="en-US" dirty="0" err="1">
-                <a:latin typeface="+mj-lt"/>
-              </a:rPr>
-              <a:t>ClustalW</a:t>
-            </a:r>
-            <a:r>
-              <a:rPr lang="en-US" dirty="0">
-                <a:latin typeface="+mj-lt"/>
-              </a:rPr>
-              <a:t>, a MSA algorithm, is at the 10</a:t>
-            </a:r>
-            <a:r>
-              <a:rPr lang="en-US" baseline="30000" dirty="0">
-                <a:latin typeface="+mj-lt"/>
-              </a:rPr>
-              <a:t>th</a:t>
-            </a:r>
-            <a:r>
-              <a:rPr lang="en-US" dirty="0">
-                <a:latin typeface="+mj-lt"/>
-              </a:rPr>
-              <a:t> most cited scientific papers of all time.</a:t>
-            </a:r>
-          </a:p>
-          <a:p>
-            <a:pPr marL="0" indent="0">
-              <a:buNone/>
-            </a:pPr>
-            <a:endParaRPr lang="en-US" dirty="0">
-              <a:latin typeface="+mj-lt"/>
-            </a:endParaRPr>
-          </a:p>
-          <a:p>
-            <a:pPr marL="0" indent="0">
-              <a:buNone/>
-            </a:pPr>
-            <a:r>
-              <a:rPr lang="en-US" dirty="0">
-                <a:latin typeface="+mj-lt"/>
-              </a:rPr>
-              <a:t>MSA applications:</a:t>
-            </a:r>
-          </a:p>
-          <a:p>
-            <a:pPr marL="514350" indent="-514350">
-              <a:buFont typeface="+mj-lt"/>
-              <a:buAutoNum type="arabicPeriod"/>
-            </a:pPr>
-            <a:r>
-              <a:rPr lang="en-US" dirty="0">
-                <a:latin typeface="+mj-lt"/>
-              </a:rPr>
-              <a:t>domain analysis</a:t>
-            </a:r>
-          </a:p>
-          <a:p>
-            <a:pPr marL="514350" indent="-514350">
-              <a:buFont typeface="+mj-lt"/>
-              <a:buAutoNum type="arabicPeriod"/>
-            </a:pPr>
-            <a:r>
-              <a:rPr lang="en-US" dirty="0">
-                <a:latin typeface="+mj-lt"/>
-              </a:rPr>
-              <a:t>motif finding</a:t>
-            </a:r>
-          </a:p>
-          <a:p>
-            <a:pPr marL="514350" indent="-514350">
-              <a:buFont typeface="+mj-lt"/>
-              <a:buAutoNum type="arabicPeriod"/>
-            </a:pPr>
-            <a:r>
-              <a:rPr lang="en-US" dirty="0">
-                <a:latin typeface="+mj-lt"/>
-              </a:rPr>
-              <a:t>phylogenetic reconstruction</a:t>
-            </a:r>
-          </a:p>
-          <a:p>
-            <a:pPr marL="514350" indent="-514350">
-              <a:buFont typeface="+mj-lt"/>
-              <a:buAutoNum type="arabicPeriod"/>
-            </a:pPr>
-            <a:r>
-              <a:rPr lang="en-US" dirty="0">
-                <a:latin typeface="+mj-lt"/>
-              </a:rPr>
-              <a:t>…</a:t>
+            <a:pPr>
+              <a:lnSpc>
+                <a:spcPct val="150000"/>
+              </a:lnSpc>
+            </a:pPr>
+            <a:r>
+              <a:rPr lang="en-US" dirty="0"/>
+              <a:t>Each genome or sequence aligned to the reference genome</a:t>
+            </a:r>
+          </a:p>
+          <a:p>
+            <a:pPr>
+              <a:lnSpc>
+                <a:spcPct val="150000"/>
+              </a:lnSpc>
+            </a:pPr>
+            <a:r>
+              <a:rPr lang="en-US" dirty="0"/>
+              <a:t>Alignments used for SNP discovery, or genotyping</a:t>
+            </a:r>
+          </a:p>
+          <a:p>
+            <a:pPr>
+              <a:lnSpc>
+                <a:spcPct val="150000"/>
+              </a:lnSpc>
+            </a:pPr>
+            <a:r>
+              <a:rPr lang="en-US" dirty="0"/>
+              <a:t>Data conversion to compatible SNP data for </a:t>
+            </a:r>
+            <a:r>
+              <a:rPr lang="en-US" dirty="0" err="1"/>
+              <a:t>iqtree</a:t>
+            </a:r>
+            <a:r>
+              <a:rPr lang="en-US" dirty="0"/>
+              <a:t> analysis</a:t>
+            </a:r>
+          </a:p>
+          <a:p>
+            <a:pPr>
+              <a:lnSpc>
+                <a:spcPct val="150000"/>
+              </a:lnSpc>
+            </a:pPr>
+            <a:r>
+              <a:rPr lang="en-US" dirty="0"/>
+              <a:t>Construction of a phylogenetic tree</a:t>
             </a:r>
           </a:p>
         </p:txBody>
@@ -5697,7 +7746,7 @@
     </p:spTree>
     <p:extLst>
       <p:ext uri="{BB962C8B-B14F-4D97-AF65-F5344CB8AC3E}">
-        <p14:creationId xmlns:p14="http://schemas.microsoft.com/office/powerpoint/2010/main" val="3995488899"/>
+        <p14:creationId xmlns:p14="http://schemas.microsoft.com/office/powerpoint/2010/main" val="1216882196"/>
       </p:ext>
     </p:extLst>
   </p:cSld>
@@ -5710,14 +7759,6 @@
 <file path=ppt/slides/slide9.xml><?xml version="1.0" encoding="utf-8"?>
 <p:sld xmlns:a="http://schemas.openxmlformats.org/drawingml/2006/main" xmlns:r="http://schemas.openxmlformats.org/officeDocument/2006/relationships" xmlns:p="http://schemas.openxmlformats.org/presentationml/2006/main">
   <p:cSld>
-    <p:bg>
-      <p:bgPr>
-        <a:solidFill>
-          <a:schemeClr val="bg1"/>
-        </a:solidFill>
-        <a:effectLst/>
-      </p:bgPr>
-    </p:bg>
     <p:spTree>
       <p:nvGrpSpPr>
         <p:cNvPr id="1" name=""/>
@@ -5737,7 +7778,7 @@
           <p:cNvPr id="2" name="Title 1">
             <a:extLst>
               <a:ext uri="{FF2B5EF4-FFF2-40B4-BE49-F238E27FC236}">
-                <a16:creationId xmlns:a16="http://schemas.microsoft.com/office/drawing/2014/main" id="{83D919CE-B243-524C-874B-A33CC022852A}"/>
+                <a16:creationId xmlns:a16="http://schemas.microsoft.com/office/drawing/2014/main" id="{DC76DADE-2A74-0D26-0990-A3571030C7DB}"/>
               </a:ext>
             </a:extLst>
           </p:cNvPr>
@@ -5750,289 +7791,158 @@
         </p:nvSpPr>
         <p:spPr>
           <a:xfrm>
-            <a:off x="628650" y="203342"/>
-            <a:ext cx="7886700" cy="1325563"/>
+            <a:off x="628650" y="365127"/>
+            <a:ext cx="7886700" cy="672564"/>
           </a:xfrm>
         </p:spPr>
         <p:txBody>
-          <a:bodyPr vert="horz" lIns="91440" tIns="45720" rIns="91440" bIns="45720" rtlCol="0" anchor="ctr">
-            <a:noAutofit/>
+          <a:bodyPr>
+            <a:normAutofit/>
           </a:bodyPr>
           <a:lstStyle/>
           <a:p>
-            <a:r>
-              <a:rPr lang="en-US" sz="3200" dirty="0" err="1"/>
-              <a:t>Clustalw</a:t>
-            </a:r>
+            <a:pPr algn="ctr"/>
             <a:r>
               <a:rPr lang="en-US" sz="3200" dirty="0"/>
-              <a:t> </a:t>
-            </a:r>
-            <a:r>
-              <a:rPr lang="en-US" sz="2400" dirty="0"/>
-              <a:t>(/homes/liu3zhen/software/</a:t>
-            </a:r>
-            <a:r>
-              <a:rPr lang="en-US" sz="2400" dirty="0" err="1"/>
-              <a:t>clustalw</a:t>
-            </a:r>
-            <a:r>
-              <a:rPr lang="en-US" sz="2400" dirty="0"/>
-              <a:t>/</a:t>
-            </a:r>
-            <a:r>
-              <a:rPr lang="en-US" sz="2400" dirty="0" err="1"/>
-              <a:t>clustalw</a:t>
-            </a:r>
-            <a:r>
-              <a:rPr lang="en-US" sz="2400" dirty="0"/>
-              <a:t>/clustalw2)</a:t>
-            </a:r>
-          </a:p>
-        </p:txBody>
-      </p:sp>
-      <p:sp>
-        <p:nvSpPr>
-          <p:cNvPr id="4" name="Rectangle 3">
+              <a:t>Data and codes</a:t>
+            </a:r>
+          </a:p>
+        </p:txBody>
+      </p:sp>
+      <p:sp>
+        <p:nvSpPr>
+          <p:cNvPr id="3" name="Content Placeholder 2">
             <a:extLst>
               <a:ext uri="{FF2B5EF4-FFF2-40B4-BE49-F238E27FC236}">
-                <a16:creationId xmlns:a16="http://schemas.microsoft.com/office/drawing/2014/main" id="{78C9818D-2335-424A-B1C7-06AEEDC77AC7}"/>
+                <a16:creationId xmlns:a16="http://schemas.microsoft.com/office/drawing/2014/main" id="{B30B73B8-7B53-23E5-8371-E6AB6065E284}"/>
               </a:ext>
             </a:extLst>
           </p:cNvPr>
-          <p:cNvSpPr/>
-          <p:nvPr/>
+          <p:cNvSpPr>
+            <a:spLocks noGrp="1"/>
+          </p:cNvSpPr>
+          <p:nvPr>
+            <p:ph idx="1"/>
+          </p:nvPr>
         </p:nvSpPr>
         <p:spPr>
           <a:xfrm>
-            <a:off x="4771420" y="1863719"/>
-            <a:ext cx="3889979" cy="610203"/>
+            <a:off x="1132083" y="1746607"/>
+            <a:ext cx="7159161" cy="3616504"/>
           </a:xfrm>
-          <a:prstGeom prst="rect">
-            <a:avLst/>
-          </a:prstGeom>
         </p:spPr>
         <p:txBody>
-          <a:bodyPr vert="horz" lIns="91440" tIns="45720" rIns="91440" bIns="45720" rtlCol="0">
-            <a:noAutofit/>
+          <a:bodyPr>
+            <a:normAutofit/>
           </a:bodyPr>
           <a:lstStyle/>
           <a:p>
-            <a:pPr defTabSz="914400">
-              <a:lnSpc>
-                <a:spcPct val="90000"/>
-              </a:lnSpc>
-              <a:spcAft>
-                <a:spcPts val="600"/>
-              </a:spcAft>
-            </a:pPr>
-            <a:r>
-              <a:rPr lang="en-US" sz="2800" dirty="0"/>
-              <a:t>SARS_CoV2_isolates.fasta</a:t>
-            </a:r>
-            <a:endParaRPr lang="en-US" sz="2800" dirty="0">
-              <a:effectLst/>
+            <a:pPr marL="0" indent="0">
+              <a:buNone/>
+            </a:pPr>
+            <a:r>
+              <a:rPr lang="en-US" sz="3200" dirty="0">
+                <a:latin typeface="Courier New" panose="02070309020205020404" pitchFamily="49" charset="0"/>
+                <a:cs typeface="Courier New" panose="02070309020205020404" pitchFamily="49" charset="0"/>
+              </a:rPr>
+              <a:t>1_ref (reference genome)</a:t>
+            </a:r>
+          </a:p>
+          <a:p>
+            <a:pPr marL="0" indent="0">
+              <a:buNone/>
+            </a:pPr>
+            <a:r>
+              <a:rPr lang="en-US" sz="3200" dirty="0">
+                <a:latin typeface="Courier New" panose="02070309020205020404" pitchFamily="49" charset="0"/>
+                <a:cs typeface="Courier New" panose="02070309020205020404" pitchFamily="49" charset="0"/>
+              </a:rPr>
+              <a:t>2_reads (read data)</a:t>
+            </a:r>
+          </a:p>
+          <a:p>
+            <a:pPr marL="0" indent="0">
+              <a:buNone/>
+            </a:pPr>
+            <a:r>
+              <a:rPr lang="en-US" sz="3200" dirty="0">
+                <a:latin typeface="Courier New" panose="02070309020205020404" pitchFamily="49" charset="0"/>
+                <a:cs typeface="Courier New" panose="02070309020205020404" pitchFamily="49" charset="0"/>
+              </a:rPr>
+              <a:t>3_aln (BWA alignment)</a:t>
+            </a:r>
+          </a:p>
+          <a:p>
+            <a:pPr marL="0" indent="0">
+              <a:buNone/>
+            </a:pPr>
+            <a:r>
+              <a:rPr lang="en-US" sz="3200" dirty="0">
+                <a:latin typeface="Courier New" panose="02070309020205020404" pitchFamily="49" charset="0"/>
+                <a:cs typeface="Courier New" panose="02070309020205020404" pitchFamily="49" charset="0"/>
+              </a:rPr>
+              <a:t>4_snp (GATK SNPs)</a:t>
+            </a:r>
+          </a:p>
+          <a:p>
+            <a:pPr marL="0" indent="0">
+              <a:buNone/>
+            </a:pPr>
+            <a:r>
+              <a:rPr lang="en-US" sz="3200" dirty="0">
+                <a:latin typeface="Courier New" panose="02070309020205020404" pitchFamily="49" charset="0"/>
+                <a:cs typeface="Courier New" panose="02070309020205020404" pitchFamily="49" charset="0"/>
+              </a:rPr>
+              <a:t>5_tree (</a:t>
+            </a:r>
+            <a:r>
+              <a:rPr lang="en-US" sz="3200" dirty="0" err="1">
+                <a:latin typeface="Courier New" panose="02070309020205020404" pitchFamily="49" charset="0"/>
+                <a:cs typeface="Courier New" panose="02070309020205020404" pitchFamily="49" charset="0"/>
+              </a:rPr>
+              <a:t>iqtree</a:t>
+            </a:r>
+            <a:r>
+              <a:rPr lang="en-US" sz="3200" dirty="0">
+                <a:latin typeface="Courier New" panose="02070309020205020404" pitchFamily="49" charset="0"/>
+                <a:cs typeface="Courier New" panose="02070309020205020404" pitchFamily="49" charset="0"/>
+              </a:rPr>
+              <a:t>)</a:t>
+            </a:r>
+          </a:p>
+          <a:p>
+            <a:pPr marL="0" indent="0">
+              <a:buNone/>
+            </a:pPr>
+            <a:r>
+              <a:rPr lang="en-US" sz="3200" dirty="0">
+                <a:latin typeface="Courier New" panose="02070309020205020404" pitchFamily="49" charset="0"/>
+                <a:cs typeface="Courier New" panose="02070309020205020404" pitchFamily="49" charset="0"/>
+              </a:rPr>
+              <a:t>scripts (software packages)</a:t>
+            </a:r>
+          </a:p>
+          <a:p>
+            <a:pPr marL="0" indent="0">
+              <a:buNone/>
+            </a:pPr>
+            <a:endParaRPr lang="en-US" sz="3200" dirty="0">
+              <a:latin typeface="Courier New" panose="02070309020205020404" pitchFamily="49" charset="0"/>
+              <a:cs typeface="Courier New" panose="02070309020205020404" pitchFamily="49" charset="0"/>
             </a:endParaRPr>
-          </a:p>
-        </p:txBody>
-      </p:sp>
-      <p:pic>
-        <p:nvPicPr>
-          <p:cNvPr id="8" name="Picture 7" descr="Text&#10;&#10;Description automatically generated">
-            <a:extLst>
-              <a:ext uri="{FF2B5EF4-FFF2-40B4-BE49-F238E27FC236}">
-                <a16:creationId xmlns:a16="http://schemas.microsoft.com/office/drawing/2014/main" id="{C1C0D304-1CC7-7142-B56D-157372CFCF6E}"/>
-              </a:ext>
-            </a:extLst>
-          </p:cNvPr>
-          <p:cNvPicPr>
-            <a:picLocks noChangeAspect="1"/>
-          </p:cNvPicPr>
-          <p:nvPr/>
-        </p:nvPicPr>
-        <p:blipFill>
-          <a:blip r:embed="rId2"/>
-          <a:stretch>
-            <a:fillRect/>
-          </a:stretch>
-        </p:blipFill>
-        <p:spPr>
-          <a:xfrm>
-            <a:off x="256699" y="1547952"/>
-            <a:ext cx="4479341" cy="2120900"/>
-          </a:xfrm>
-          <a:prstGeom prst="rect">
-            <a:avLst/>
-          </a:prstGeom>
-        </p:spPr>
-      </p:pic>
-      <p:pic>
-        <p:nvPicPr>
-          <p:cNvPr id="6" name="Picture 5" descr="Text&#10;&#10;Description automatically generated">
-            <a:extLst>
-              <a:ext uri="{FF2B5EF4-FFF2-40B4-BE49-F238E27FC236}">
-                <a16:creationId xmlns:a16="http://schemas.microsoft.com/office/drawing/2014/main" id="{3B5B6F05-1DEC-FA4E-B1B0-AE4DB25E3997}"/>
-              </a:ext>
-            </a:extLst>
-          </p:cNvPr>
-          <p:cNvPicPr>
-            <a:picLocks noChangeAspect="1"/>
-          </p:cNvPicPr>
-          <p:nvPr/>
-        </p:nvPicPr>
-        <p:blipFill>
-          <a:blip r:embed="rId3"/>
-          <a:stretch>
-            <a:fillRect/>
-          </a:stretch>
-        </p:blipFill>
-        <p:spPr>
-          <a:xfrm>
-            <a:off x="2603906" y="2762729"/>
-            <a:ext cx="6245100" cy="3856349"/>
-          </a:xfrm>
-          <a:prstGeom prst="rect">
-            <a:avLst/>
-          </a:prstGeom>
-        </p:spPr>
-      </p:pic>
-      <p:sp>
-        <p:nvSpPr>
-          <p:cNvPr id="9" name="Rectangle 8">
-            <a:extLst>
-              <a:ext uri="{FF2B5EF4-FFF2-40B4-BE49-F238E27FC236}">
-                <a16:creationId xmlns:a16="http://schemas.microsoft.com/office/drawing/2014/main" id="{B499D72F-A7B8-BA40-92A8-BBD4D9E8AE4F}"/>
-              </a:ext>
-            </a:extLst>
-          </p:cNvPr>
-          <p:cNvSpPr/>
-          <p:nvPr/>
-        </p:nvSpPr>
-        <p:spPr>
-          <a:xfrm>
-            <a:off x="328246" y="1861115"/>
-            <a:ext cx="3036277" cy="308654"/>
-          </a:xfrm>
-          <a:prstGeom prst="rect">
-            <a:avLst/>
-          </a:prstGeom>
-          <a:noFill/>
-          <a:ln w="28575">
-            <a:solidFill>
-              <a:srgbClr val="FF0000"/>
-            </a:solidFill>
-          </a:ln>
-        </p:spPr>
-        <p:style>
-          <a:lnRef idx="2">
-            <a:schemeClr val="accent1">
-              <a:shade val="50000"/>
-            </a:schemeClr>
-          </a:lnRef>
-          <a:fillRef idx="1">
-            <a:schemeClr val="accent1"/>
-          </a:fillRef>
-          <a:effectRef idx="0">
-            <a:schemeClr val="accent1"/>
-          </a:effectRef>
-          <a:fontRef idx="minor">
-            <a:schemeClr val="lt1"/>
-          </a:fontRef>
-        </p:style>
-        <p:txBody>
-          <a:bodyPr rtlCol="0" anchor="ctr"/>
-          <a:lstStyle/>
-          <a:p>
-            <a:pPr algn="ctr"/>
-            <a:endParaRPr lang="en-US"/>
           </a:p>
         </p:txBody>
       </p:sp>
     </p:spTree>
     <p:extLst>
       <p:ext uri="{BB962C8B-B14F-4D97-AF65-F5344CB8AC3E}">
-        <p14:creationId xmlns:p14="http://schemas.microsoft.com/office/powerpoint/2010/main" val="1663550194"/>
+        <p14:creationId xmlns:p14="http://schemas.microsoft.com/office/powerpoint/2010/main" val="3403687083"/>
       </p:ext>
     </p:extLst>
   </p:cSld>
   <p:clrMapOvr>
     <a:masterClrMapping/>
   </p:clrMapOvr>
-  <p:timing>
-    <p:tnLst>
-      <p:par>
-        <p:cTn id="1" dur="indefinite" restart="never" nodeType="tmRoot">
-          <p:childTnLst>
-            <p:seq concurrent="1" nextAc="seek">
-              <p:cTn id="2" dur="indefinite" nodeType="mainSeq">
-                <p:childTnLst>
-                  <p:par>
-                    <p:cTn id="3" fill="hold">
-                      <p:stCondLst>
-                        <p:cond delay="indefinite"/>
-                      </p:stCondLst>
-                      <p:childTnLst>
-                        <p:par>
-                          <p:cTn id="4" fill="hold">
-                            <p:stCondLst>
-                              <p:cond delay="0"/>
-                            </p:stCondLst>
-                            <p:childTnLst>
-                              <p:par>
-                                <p:cTn id="5" presetID="1" presetClass="entr" presetSubtype="0" fill="hold" nodeType="clickEffect">
-                                  <p:stCondLst>
-                                    <p:cond delay="0"/>
-                                  </p:stCondLst>
-                                  <p:childTnLst>
-                                    <p:set>
-                                      <p:cBhvr>
-                                        <p:cTn id="6" dur="1" fill="hold">
-                                          <p:stCondLst>
-                                            <p:cond delay="0"/>
-                                          </p:stCondLst>
-                                        </p:cTn>
-                                        <p:tgtEl>
-                                          <p:spTgt spid="6"/>
-                                        </p:tgtEl>
-                                        <p:attrNameLst>
-                                          <p:attrName>style.visibility</p:attrName>
-                                        </p:attrNameLst>
-                                      </p:cBhvr>
-                                      <p:to>
-                                        <p:strVal val="visible"/>
-                                      </p:to>
-                                    </p:set>
-                                  </p:childTnLst>
-                                </p:cTn>
-                              </p:par>
-                            </p:childTnLst>
-                          </p:cTn>
-                        </p:par>
-                      </p:childTnLst>
-                    </p:cTn>
-                  </p:par>
-                </p:childTnLst>
-              </p:cTn>
-              <p:prevCondLst>
-                <p:cond evt="onPrev" delay="0">
-                  <p:tgtEl>
-                    <p:sldTgt/>
-                  </p:tgtEl>
-                </p:cond>
-              </p:prevCondLst>
-              <p:nextCondLst>
-                <p:cond evt="onNext" delay="0">
-                  <p:tgtEl>
-                    <p:sldTgt/>
-                  </p:tgtEl>
-                </p:cond>
-              </p:nextCondLst>
-            </p:seq>
-          </p:childTnLst>
-        </p:cTn>
-      </p:par>
-    </p:tnLst>
-  </p:timing>
 </p:sld>
 </file>
 

--- a/PLPTH813Bioinformatis/2023/lectures/lecture14_BeocatProject.pptx
+++ b/PLPTH813Bioinformatis/2023/lectures/lecture14_BeocatProject.pptx
@@ -5,7 +5,7 @@
     <p:sldMasterId id="2147483660" r:id="rId1"/>
   </p:sldMasterIdLst>
   <p:notesMasterIdLst>
-    <p:notesMasterId r:id="rId22"/>
+    <p:notesMasterId r:id="rId23"/>
   </p:notesMasterIdLst>
   <p:sldIdLst>
     <p:sldId id="256" r:id="rId2"/>
@@ -16,18 +16,19 @@
     <p:sldId id="260" r:id="rId7"/>
     <p:sldId id="267" r:id="rId8"/>
     <p:sldId id="269" r:id="rId9"/>
-    <p:sldId id="276" r:id="rId10"/>
-    <p:sldId id="277" r:id="rId11"/>
-    <p:sldId id="275" r:id="rId12"/>
-    <p:sldId id="274" r:id="rId13"/>
-    <p:sldId id="273" r:id="rId14"/>
-    <p:sldId id="272" r:id="rId15"/>
-    <p:sldId id="271" r:id="rId16"/>
-    <p:sldId id="270" r:id="rId17"/>
-    <p:sldId id="280" r:id="rId18"/>
-    <p:sldId id="279" r:id="rId19"/>
-    <p:sldId id="281" r:id="rId20"/>
-    <p:sldId id="257" r:id="rId21"/>
+    <p:sldId id="282" r:id="rId10"/>
+    <p:sldId id="276" r:id="rId11"/>
+    <p:sldId id="277" r:id="rId12"/>
+    <p:sldId id="275" r:id="rId13"/>
+    <p:sldId id="274" r:id="rId14"/>
+    <p:sldId id="273" r:id="rId15"/>
+    <p:sldId id="272" r:id="rId16"/>
+    <p:sldId id="271" r:id="rId17"/>
+    <p:sldId id="270" r:id="rId18"/>
+    <p:sldId id="280" r:id="rId19"/>
+    <p:sldId id="279" r:id="rId20"/>
+    <p:sldId id="281" r:id="rId21"/>
+    <p:sldId id="257" r:id="rId22"/>
   </p:sldIdLst>
   <p:sldSz cx="9144000" cy="6858000" type="screen4x3"/>
   <p:notesSz cx="6858000" cy="9144000"/>
@@ -3592,7 +3593,7 @@
         <p:spPr>
           <a:xfrm>
             <a:off x="628650" y="365127"/>
-            <a:ext cx="7886700" cy="1330278"/>
+            <a:ext cx="7886700" cy="672564"/>
           </a:xfrm>
         </p:spPr>
         <p:txBody>
@@ -3604,40 +3605,8 @@
             <a:pPr algn="ctr"/>
             <a:r>
               <a:rPr lang="en-US" sz="3200" dirty="0"/>
-              <a:t>1-ref: reference indexing</a:t>
-            </a:r>
-            <a:br>
-              <a:rPr lang="en-US" sz="3200" dirty="0"/>
-            </a:br>
-            <a:r>
-              <a:rPr lang="en-US" sz="2400" dirty="0" err="1">
-                <a:solidFill>
-                  <a:srgbClr val="2FB41D"/>
-                </a:solidFill>
-                <a:effectLst/>
-                <a:latin typeface="Monaco" pitchFamily="2" charset="77"/>
-              </a:rPr>
-              <a:t>bwa.index.sbatch</a:t>
-            </a:r>
-            <a:br>
-              <a:rPr lang="en-US" sz="2400" dirty="0">
-                <a:solidFill>
-                  <a:srgbClr val="F2F2F2"/>
-                </a:solidFill>
-                <a:latin typeface="Monaco" pitchFamily="2" charset="77"/>
-              </a:rPr>
-            </a:br>
-            <a:r>
-              <a:rPr lang="en-US" sz="2400" dirty="0" err="1">
-                <a:solidFill>
-                  <a:srgbClr val="2FB41D"/>
-                </a:solidFill>
-                <a:effectLst/>
-                <a:latin typeface="Monaco" pitchFamily="2" charset="77"/>
-              </a:rPr>
-              <a:t>gatk.index.sbatch</a:t>
-            </a:r>
-            <a:endParaRPr lang="en-US" sz="2400" dirty="0"/>
+              <a:t>Data and codes</a:t>
+            </a:r>
           </a:p>
         </p:txBody>
       </p:sp>
@@ -3659,13 +3628,13 @@
         </p:nvSpPr>
         <p:spPr>
           <a:xfrm>
-            <a:off x="628650" y="2073990"/>
-            <a:ext cx="7886700" cy="452063"/>
+            <a:off x="1132083" y="1746607"/>
+            <a:ext cx="7159161" cy="3616504"/>
           </a:xfrm>
         </p:spPr>
         <p:txBody>
           <a:bodyPr>
-            <a:normAutofit lnSpcReduction="10000"/>
+            <a:normAutofit/>
           </a:bodyPr>
           <a:lstStyle/>
           <a:p>
@@ -3673,164 +3642,102 @@
               <a:buNone/>
             </a:pPr>
             <a:r>
-              <a:rPr lang="en-US" dirty="0"/>
-              <a:t>covid19ref.fasta</a:t>
-            </a:r>
-          </a:p>
-        </p:txBody>
-      </p:sp>
-      <p:sp>
-        <p:nvSpPr>
-          <p:cNvPr id="4" name="TextBox 3">
-            <a:extLst>
-              <a:ext uri="{FF2B5EF4-FFF2-40B4-BE49-F238E27FC236}">
-                <a16:creationId xmlns:a16="http://schemas.microsoft.com/office/drawing/2014/main" id="{7C385777-3D5C-CDAC-F3F7-675CFE4450C5}"/>
-              </a:ext>
-            </a:extLst>
-          </p:cNvPr>
-          <p:cNvSpPr txBox="1"/>
-          <p:nvPr/>
-        </p:nvSpPr>
-        <p:spPr>
-          <a:xfrm>
-            <a:off x="628650" y="2951946"/>
-            <a:ext cx="8054940" cy="954107"/>
-          </a:xfrm>
-          <a:prstGeom prst="rect">
-            <a:avLst/>
-          </a:prstGeom>
-          <a:noFill/>
-        </p:spPr>
-        <p:txBody>
-          <a:bodyPr wrap="square" rtlCol="0">
-            <a:spAutoFit/>
-          </a:bodyPr>
-          <a:lstStyle/>
-          <a:p>
-            <a:r>
-              <a:rPr lang="en-US" sz="2800" dirty="0">
-                <a:latin typeface="Courier New" panose="02070309020205020404" pitchFamily="49" charset="0"/>
-                <a:cs typeface="Courier New" panose="02070309020205020404" pitchFamily="49" charset="0"/>
-              </a:rPr>
-              <a:t>bwa index -p $prefix covid19ref.fasta</a:t>
-            </a:r>
-          </a:p>
-          <a:p>
-            <a:endParaRPr lang="en-US" sz="2800" dirty="0">
+              <a:rPr lang="en-US" sz="3200" dirty="0">
+                <a:latin typeface="Courier New" panose="02070309020205020404" pitchFamily="49" charset="0"/>
+                <a:cs typeface="Courier New" panose="02070309020205020404" pitchFamily="49" charset="0"/>
+              </a:rPr>
+              <a:t>1_ref (reference genome)</a:t>
+            </a:r>
+          </a:p>
+          <a:p>
+            <a:pPr marL="0" indent="0">
+              <a:buNone/>
+            </a:pPr>
+            <a:r>
+              <a:rPr lang="en-US" sz="3200" dirty="0">
+                <a:latin typeface="Courier New" panose="02070309020205020404" pitchFamily="49" charset="0"/>
+                <a:cs typeface="Courier New" panose="02070309020205020404" pitchFamily="49" charset="0"/>
+              </a:rPr>
+              <a:t>2_reads (read data)</a:t>
+            </a:r>
+          </a:p>
+          <a:p>
+            <a:pPr marL="0" indent="0">
+              <a:buNone/>
+            </a:pPr>
+            <a:r>
+              <a:rPr lang="en-US" sz="3200" dirty="0">
+                <a:latin typeface="Courier New" panose="02070309020205020404" pitchFamily="49" charset="0"/>
+                <a:cs typeface="Courier New" panose="02070309020205020404" pitchFamily="49" charset="0"/>
+              </a:rPr>
+              <a:t>3_aln (BWA alignment)</a:t>
+            </a:r>
+          </a:p>
+          <a:p>
+            <a:pPr marL="0" indent="0">
+              <a:buNone/>
+            </a:pPr>
+            <a:r>
+              <a:rPr lang="en-US" sz="3200" dirty="0">
+                <a:latin typeface="Courier New" panose="02070309020205020404" pitchFamily="49" charset="0"/>
+                <a:cs typeface="Courier New" panose="02070309020205020404" pitchFamily="49" charset="0"/>
+              </a:rPr>
+              <a:t>4_snp (GATK SNPs)</a:t>
+            </a:r>
+          </a:p>
+          <a:p>
+            <a:pPr marL="0" indent="0">
+              <a:buNone/>
+            </a:pPr>
+            <a:r>
+              <a:rPr lang="en-US" sz="3200" dirty="0">
+                <a:latin typeface="Courier New" panose="02070309020205020404" pitchFamily="49" charset="0"/>
+                <a:cs typeface="Courier New" panose="02070309020205020404" pitchFamily="49" charset="0"/>
+              </a:rPr>
+              <a:t>5_tree (</a:t>
+            </a:r>
+            <a:r>
+              <a:rPr lang="en-US" sz="3200" dirty="0" err="1">
+                <a:latin typeface="Courier New" panose="02070309020205020404" pitchFamily="49" charset="0"/>
+                <a:cs typeface="Courier New" panose="02070309020205020404" pitchFamily="49" charset="0"/>
+              </a:rPr>
+              <a:t>iqtree</a:t>
+            </a:r>
+            <a:r>
+              <a:rPr lang="en-US" sz="3200" dirty="0">
+                <a:latin typeface="Courier New" panose="02070309020205020404" pitchFamily="49" charset="0"/>
+                <a:cs typeface="Courier New" panose="02070309020205020404" pitchFamily="49" charset="0"/>
+              </a:rPr>
+              <a:t>)</a:t>
+            </a:r>
+          </a:p>
+          <a:p>
+            <a:pPr marL="0" indent="0">
+              <a:buNone/>
+            </a:pPr>
+            <a:r>
+              <a:rPr lang="en-US" sz="3200" dirty="0">
+                <a:latin typeface="Courier New" panose="02070309020205020404" pitchFamily="49" charset="0"/>
+                <a:cs typeface="Courier New" panose="02070309020205020404" pitchFamily="49" charset="0"/>
+              </a:rPr>
+              <a:t>scripts (software packages)</a:t>
+            </a:r>
+          </a:p>
+          <a:p>
+            <a:pPr marL="0" indent="0">
+              <a:buNone/>
+            </a:pPr>
+            <a:endParaRPr lang="en-US" sz="3200" dirty="0">
               <a:latin typeface="Courier New" panose="02070309020205020404" pitchFamily="49" charset="0"/>
               <a:cs typeface="Courier New" panose="02070309020205020404" pitchFamily="49" charset="0"/>
             </a:endParaRPr>
           </a:p>
         </p:txBody>
       </p:sp>
-      <p:sp>
-        <p:nvSpPr>
-          <p:cNvPr id="5" name="TextBox 4">
-            <a:extLst>
-              <a:ext uri="{FF2B5EF4-FFF2-40B4-BE49-F238E27FC236}">
-                <a16:creationId xmlns:a16="http://schemas.microsoft.com/office/drawing/2014/main" id="{F895A1C4-DFAA-CBCF-0C90-D840D98208C8}"/>
-              </a:ext>
-            </a:extLst>
-          </p:cNvPr>
-          <p:cNvSpPr txBox="1"/>
-          <p:nvPr/>
-        </p:nvSpPr>
-        <p:spPr>
-          <a:xfrm>
-            <a:off x="628650" y="3955865"/>
-            <a:ext cx="7315200" cy="1815882"/>
-          </a:xfrm>
-          <a:prstGeom prst="rect">
-            <a:avLst/>
-          </a:prstGeom>
-          <a:noFill/>
-        </p:spPr>
-        <p:txBody>
-          <a:bodyPr wrap="square" rtlCol="0">
-            <a:spAutoFit/>
-          </a:bodyPr>
-          <a:lstStyle/>
-          <a:p>
-            <a:r>
-              <a:rPr lang="en-US" sz="2800" dirty="0" err="1">
-                <a:latin typeface="Courier New" panose="02070309020205020404" pitchFamily="49" charset="0"/>
-                <a:cs typeface="Courier New" panose="02070309020205020404" pitchFamily="49" charset="0"/>
-              </a:rPr>
-              <a:t>gatk</a:t>
-            </a:r>
-            <a:r>
-              <a:rPr lang="en-US" sz="2800" dirty="0">
-                <a:latin typeface="Courier New" panose="02070309020205020404" pitchFamily="49" charset="0"/>
-                <a:cs typeface="Courier New" panose="02070309020205020404" pitchFamily="49" charset="0"/>
-              </a:rPr>
-              <a:t>  </a:t>
-            </a:r>
-            <a:r>
-              <a:rPr lang="en-US" sz="2800" dirty="0" err="1">
-                <a:latin typeface="Courier New" panose="02070309020205020404" pitchFamily="49" charset="0"/>
-                <a:cs typeface="Courier New" panose="02070309020205020404" pitchFamily="49" charset="0"/>
-              </a:rPr>
-              <a:t>CreateSequenceDictionary</a:t>
-            </a:r>
-            <a:r>
-              <a:rPr lang="en-US" sz="2800" dirty="0">
-                <a:latin typeface="Courier New" panose="02070309020205020404" pitchFamily="49" charset="0"/>
-                <a:cs typeface="Courier New" panose="02070309020205020404" pitchFamily="49" charset="0"/>
-              </a:rPr>
-              <a:t> \</a:t>
-            </a:r>
-          </a:p>
-          <a:p>
-            <a:r>
-              <a:rPr lang="en-US" sz="2800" dirty="0">
-                <a:latin typeface="Courier New" panose="02070309020205020404" pitchFamily="49" charset="0"/>
-                <a:cs typeface="Courier New" panose="02070309020205020404" pitchFamily="49" charset="0"/>
-              </a:rPr>
-              <a:t>	-R covid19ref.fasta -O $out</a:t>
-            </a:r>
-          </a:p>
-          <a:p>
-            <a:endParaRPr lang="en-US" sz="2800" dirty="0">
-              <a:latin typeface="Courier New" panose="02070309020205020404" pitchFamily="49" charset="0"/>
-              <a:cs typeface="Courier New" panose="02070309020205020404" pitchFamily="49" charset="0"/>
-            </a:endParaRPr>
-          </a:p>
-          <a:p>
-            <a:r>
-              <a:rPr lang="en-US" sz="2800" dirty="0" err="1">
-                <a:latin typeface="Courier New" panose="02070309020205020404" pitchFamily="49" charset="0"/>
-                <a:cs typeface="Courier New" panose="02070309020205020404" pitchFamily="49" charset="0"/>
-              </a:rPr>
-              <a:t>samtools</a:t>
-            </a:r>
-            <a:r>
-              <a:rPr lang="en-US" sz="2800" dirty="0">
-                <a:latin typeface="Courier New" panose="02070309020205020404" pitchFamily="49" charset="0"/>
-                <a:cs typeface="Courier New" panose="02070309020205020404" pitchFamily="49" charset="0"/>
-              </a:rPr>
-              <a:t> </a:t>
-            </a:r>
-            <a:r>
-              <a:rPr lang="en-US" sz="2800" dirty="0" err="1">
-                <a:latin typeface="Courier New" panose="02070309020205020404" pitchFamily="49" charset="0"/>
-                <a:cs typeface="Courier New" panose="02070309020205020404" pitchFamily="49" charset="0"/>
-              </a:rPr>
-              <a:t>faidx</a:t>
-            </a:r>
-            <a:r>
-              <a:rPr lang="en-US" sz="2800" dirty="0">
-                <a:latin typeface="Courier New" panose="02070309020205020404" pitchFamily="49" charset="0"/>
-                <a:cs typeface="Courier New" panose="02070309020205020404" pitchFamily="49" charset="0"/>
-              </a:rPr>
-              <a:t> covid19ref.fasta</a:t>
-            </a:r>
-          </a:p>
-        </p:txBody>
-      </p:sp>
     </p:spTree>
     <p:extLst>
       <p:ext uri="{BB962C8B-B14F-4D97-AF65-F5344CB8AC3E}">
-        <p14:creationId xmlns:p14="http://schemas.microsoft.com/office/powerpoint/2010/main" val="2182679212"/>
+        <p14:creationId xmlns:p14="http://schemas.microsoft.com/office/powerpoint/2010/main" val="3403687083"/>
       </p:ext>
     </p:extLst>
   </p:cSld>
@@ -3876,7 +3783,7 @@
         <p:spPr>
           <a:xfrm>
             <a:off x="628650" y="365127"/>
-            <a:ext cx="7886700" cy="672564"/>
+            <a:ext cx="7886700" cy="1330278"/>
           </a:xfrm>
         </p:spPr>
         <p:txBody>
@@ -3887,13 +3794,41 @@
           <a:p>
             <a:pPr algn="ctr"/>
             <a:r>
-              <a:rPr lang="en-US" sz="3200" dirty="0">
-                <a:latin typeface="Courier New" panose="02070309020205020404" pitchFamily="49" charset="0"/>
-                <a:cs typeface="Courier New" panose="02070309020205020404" pitchFamily="49" charset="0"/>
-              </a:rPr>
-              <a:t>2_reads</a:t>
-            </a:r>
-            <a:endParaRPr lang="en-US" sz="3200" dirty="0"/>
+              <a:rPr lang="en-US" sz="3200" dirty="0"/>
+              <a:t>1-ref: reference indexing</a:t>
+            </a:r>
+            <a:br>
+              <a:rPr lang="en-US" sz="3200" dirty="0"/>
+            </a:br>
+            <a:r>
+              <a:rPr lang="en-US" sz="2400" dirty="0" err="1">
+                <a:solidFill>
+                  <a:srgbClr val="2FB41D"/>
+                </a:solidFill>
+                <a:effectLst/>
+                <a:latin typeface="Monaco" pitchFamily="2" charset="77"/>
+              </a:rPr>
+              <a:t>bwa.index.sbatch</a:t>
+            </a:r>
+            <a:br>
+              <a:rPr lang="en-US" sz="2400" dirty="0">
+                <a:solidFill>
+                  <a:srgbClr val="F2F2F2"/>
+                </a:solidFill>
+                <a:latin typeface="Monaco" pitchFamily="2" charset="77"/>
+              </a:rPr>
+            </a:br>
+            <a:r>
+              <a:rPr lang="en-US" sz="2400" dirty="0" err="1">
+                <a:solidFill>
+                  <a:srgbClr val="2FB41D"/>
+                </a:solidFill>
+                <a:effectLst/>
+                <a:latin typeface="Monaco" pitchFamily="2" charset="77"/>
+              </a:rPr>
+              <a:t>gatk.index.sbatch</a:t>
+            </a:r>
+            <a:endParaRPr lang="en-US" sz="2400" dirty="0"/>
           </a:p>
         </p:txBody>
       </p:sp>
@@ -3915,13 +3850,13 @@
         </p:nvSpPr>
         <p:spPr>
           <a:xfrm>
-            <a:off x="2393878" y="1530849"/>
-            <a:ext cx="4643919" cy="4646114"/>
+            <a:off x="628650" y="2073990"/>
+            <a:ext cx="7886700" cy="452063"/>
           </a:xfrm>
         </p:spPr>
         <p:txBody>
           <a:bodyPr>
-            <a:normAutofit/>
+            <a:normAutofit lnSpcReduction="10000"/>
           </a:bodyPr>
           <a:lstStyle/>
           <a:p>
@@ -3929,53 +3864,156 @@
               <a:buNone/>
             </a:pPr>
             <a:r>
-              <a:rPr lang="en-US" sz="3200" dirty="0"/>
-              <a:t>s1_1.fq.gz</a:t>
-            </a:r>
-          </a:p>
-          <a:p>
-            <a:pPr marL="0" indent="0">
-              <a:buNone/>
-            </a:pPr>
-            <a:r>
-              <a:rPr lang="en-US" sz="3200" dirty="0"/>
-              <a:t>s1_2.fq.gz</a:t>
-            </a:r>
-          </a:p>
-          <a:p>
-            <a:pPr marL="0" indent="0">
-              <a:buNone/>
-            </a:pPr>
-            <a:r>
-              <a:rPr lang="en-US" sz="3200" dirty="0"/>
-              <a:t>s2_1.fq.gz</a:t>
-            </a:r>
-          </a:p>
-          <a:p>
-            <a:pPr marL="0" indent="0">
-              <a:buNone/>
-            </a:pPr>
-            <a:r>
-              <a:rPr lang="en-US" sz="3200" dirty="0"/>
-              <a:t>s2_2.fq.gz</a:t>
-            </a:r>
-          </a:p>
-          <a:p>
-            <a:pPr marL="0" indent="0">
-              <a:buNone/>
-            </a:pPr>
-            <a:r>
-              <a:rPr lang="en-US" sz="3200" dirty="0"/>
-              <a:t>s3_1.fq.gz</a:t>
-            </a:r>
-          </a:p>
-          <a:p>
-            <a:pPr marL="0" indent="0">
-              <a:buNone/>
-            </a:pPr>
-            <a:r>
-              <a:rPr lang="en-US" sz="3200" dirty="0"/>
-              <a:t>s3_2.fq.gz</a:t>
+              <a:rPr lang="en-US" dirty="0"/>
+              <a:t>covid19ref.fasta</a:t>
+            </a:r>
+          </a:p>
+        </p:txBody>
+      </p:sp>
+      <p:sp>
+        <p:nvSpPr>
+          <p:cNvPr id="4" name="TextBox 3">
+            <a:extLst>
+              <a:ext uri="{FF2B5EF4-FFF2-40B4-BE49-F238E27FC236}">
+                <a16:creationId xmlns:a16="http://schemas.microsoft.com/office/drawing/2014/main" id="{7C385777-3D5C-CDAC-F3F7-675CFE4450C5}"/>
+              </a:ext>
+            </a:extLst>
+          </p:cNvPr>
+          <p:cNvSpPr txBox="1"/>
+          <p:nvPr/>
+        </p:nvSpPr>
+        <p:spPr>
+          <a:xfrm>
+            <a:off x="628650" y="2951946"/>
+            <a:ext cx="8054940" cy="954107"/>
+          </a:xfrm>
+          <a:prstGeom prst="rect">
+            <a:avLst/>
+          </a:prstGeom>
+          <a:noFill/>
+        </p:spPr>
+        <p:txBody>
+          <a:bodyPr wrap="square" rtlCol="0">
+            <a:spAutoFit/>
+          </a:bodyPr>
+          <a:lstStyle/>
+          <a:p>
+            <a:r>
+              <a:rPr lang="en-US" sz="2800" dirty="0">
+                <a:latin typeface="Courier New" panose="02070309020205020404" pitchFamily="49" charset="0"/>
+                <a:cs typeface="Courier New" panose="02070309020205020404" pitchFamily="49" charset="0"/>
+              </a:rPr>
+              <a:t>bwa index -p $prefix covid19ref.fasta</a:t>
+            </a:r>
+          </a:p>
+          <a:p>
+            <a:endParaRPr lang="en-US" sz="2800" dirty="0">
+              <a:latin typeface="Courier New" panose="02070309020205020404" pitchFamily="49" charset="0"/>
+              <a:cs typeface="Courier New" panose="02070309020205020404" pitchFamily="49" charset="0"/>
+            </a:endParaRPr>
+          </a:p>
+        </p:txBody>
+      </p:sp>
+      <p:sp>
+        <p:nvSpPr>
+          <p:cNvPr id="5" name="TextBox 4">
+            <a:extLst>
+              <a:ext uri="{FF2B5EF4-FFF2-40B4-BE49-F238E27FC236}">
+                <a16:creationId xmlns:a16="http://schemas.microsoft.com/office/drawing/2014/main" id="{F895A1C4-DFAA-CBCF-0C90-D840D98208C8}"/>
+              </a:ext>
+            </a:extLst>
+          </p:cNvPr>
+          <p:cNvSpPr txBox="1"/>
+          <p:nvPr/>
+        </p:nvSpPr>
+        <p:spPr>
+          <a:xfrm>
+            <a:off x="628650" y="3955865"/>
+            <a:ext cx="7315200" cy="1815882"/>
+          </a:xfrm>
+          <a:prstGeom prst="rect">
+            <a:avLst/>
+          </a:prstGeom>
+          <a:noFill/>
+        </p:spPr>
+        <p:txBody>
+          <a:bodyPr wrap="square" rtlCol="0">
+            <a:spAutoFit/>
+          </a:bodyPr>
+          <a:lstStyle/>
+          <a:p>
+            <a:r>
+              <a:rPr lang="en-US" sz="2800" dirty="0" err="1">
+                <a:latin typeface="Courier New" panose="02070309020205020404" pitchFamily="49" charset="0"/>
+                <a:cs typeface="Courier New" panose="02070309020205020404" pitchFamily="49" charset="0"/>
+              </a:rPr>
+              <a:t>gatk</a:t>
+            </a:r>
+            <a:r>
+              <a:rPr lang="en-US" sz="2800" dirty="0">
+                <a:latin typeface="Courier New" panose="02070309020205020404" pitchFamily="49" charset="0"/>
+                <a:cs typeface="Courier New" panose="02070309020205020404" pitchFamily="49" charset="0"/>
+              </a:rPr>
+              <a:t>  </a:t>
+            </a:r>
+            <a:r>
+              <a:rPr lang="en-US" sz="2800" dirty="0" err="1">
+                <a:latin typeface="Courier New" panose="02070309020205020404" pitchFamily="49" charset="0"/>
+                <a:cs typeface="Courier New" panose="02070309020205020404" pitchFamily="49" charset="0"/>
+              </a:rPr>
+              <a:t>CreateSequenceDictionary</a:t>
+            </a:r>
+            <a:r>
+              <a:rPr lang="en-US" sz="2800" dirty="0">
+                <a:latin typeface="Courier New" panose="02070309020205020404" pitchFamily="49" charset="0"/>
+                <a:cs typeface="Courier New" panose="02070309020205020404" pitchFamily="49" charset="0"/>
+              </a:rPr>
+              <a:t> \</a:t>
+            </a:r>
+          </a:p>
+          <a:p>
+            <a:r>
+              <a:rPr lang="en-US" sz="2800" dirty="0">
+                <a:latin typeface="Courier New" panose="02070309020205020404" pitchFamily="49" charset="0"/>
+                <a:cs typeface="Courier New" panose="02070309020205020404" pitchFamily="49" charset="0"/>
+              </a:rPr>
+              <a:t>	-R covid19ref.fasta -O $out</a:t>
+            </a:r>
+          </a:p>
+          <a:p>
+            <a:endParaRPr lang="en-US" sz="2800" dirty="0">
+              <a:latin typeface="Courier New" panose="02070309020205020404" pitchFamily="49" charset="0"/>
+              <a:cs typeface="Courier New" panose="02070309020205020404" pitchFamily="49" charset="0"/>
+            </a:endParaRPr>
+          </a:p>
+          <a:p>
+            <a:r>
+              <a:rPr lang="en-US" sz="2800" dirty="0" err="1">
+                <a:latin typeface="Courier New" panose="02070309020205020404" pitchFamily="49" charset="0"/>
+                <a:cs typeface="Courier New" panose="02070309020205020404" pitchFamily="49" charset="0"/>
+              </a:rPr>
+              <a:t>samtools</a:t>
+            </a:r>
+            <a:r>
+              <a:rPr lang="en-US" sz="2800" dirty="0">
+                <a:latin typeface="Courier New" panose="02070309020205020404" pitchFamily="49" charset="0"/>
+                <a:cs typeface="Courier New" panose="02070309020205020404" pitchFamily="49" charset="0"/>
+              </a:rPr>
+              <a:t> </a:t>
+            </a:r>
+            <a:r>
+              <a:rPr lang="en-US" sz="2800" dirty="0" err="1">
+                <a:latin typeface="Courier New" panose="02070309020205020404" pitchFamily="49" charset="0"/>
+                <a:cs typeface="Courier New" panose="02070309020205020404" pitchFamily="49" charset="0"/>
+              </a:rPr>
+              <a:t>faidx</a:t>
+            </a:r>
+            <a:r>
+              <a:rPr lang="en-US" sz="2800" dirty="0">
+                <a:latin typeface="Courier New" panose="02070309020205020404" pitchFamily="49" charset="0"/>
+                <a:cs typeface="Courier New" panose="02070309020205020404" pitchFamily="49" charset="0"/>
+              </a:rPr>
+              <a:t> covid19ref.fasta</a:t>
             </a:r>
           </a:p>
         </p:txBody>
@@ -3983,7 +4021,7 @@
     </p:spTree>
     <p:extLst>
       <p:ext uri="{BB962C8B-B14F-4D97-AF65-F5344CB8AC3E}">
-        <p14:creationId xmlns:p14="http://schemas.microsoft.com/office/powerpoint/2010/main" val="1003536524"/>
+        <p14:creationId xmlns:p14="http://schemas.microsoft.com/office/powerpoint/2010/main" val="2182679212"/>
       </p:ext>
     </p:extLst>
   </p:cSld>
@@ -4028,8 +4066,8 @@
         </p:nvSpPr>
         <p:spPr>
           <a:xfrm>
-            <a:off x="628650" y="365126"/>
-            <a:ext cx="7886700" cy="1083529"/>
+            <a:off x="628650" y="365127"/>
+            <a:ext cx="7886700" cy="672564"/>
           </a:xfrm>
         </p:spPr>
         <p:txBody>
@@ -4040,23 +4078,13 @@
           <a:p>
             <a:pPr algn="ctr"/>
             <a:r>
-              <a:rPr lang="en-US" sz="3200" dirty="0"/>
-              <a:t>3_aln (I)</a:t>
-            </a:r>
-            <a:br>
-              <a:rPr lang="en-US" sz="3200" dirty="0"/>
-            </a:br>
-            <a:r>
-              <a:rPr lang="en-US" sz="2400" dirty="0">
-                <a:solidFill>
-                  <a:srgbClr val="2FB41D"/>
-                </a:solidFill>
-                <a:effectLst/>
-                <a:latin typeface="Monaco" pitchFamily="2" charset="77"/>
-              </a:rPr>
-              <a:t>1c_bwa.sh</a:t>
-            </a:r>
-            <a:endParaRPr lang="en-US" sz="2400" dirty="0"/>
+              <a:rPr lang="en-US" sz="3200" dirty="0">
+                <a:latin typeface="Courier New" panose="02070309020205020404" pitchFamily="49" charset="0"/>
+                <a:cs typeface="Courier New" panose="02070309020205020404" pitchFamily="49" charset="0"/>
+              </a:rPr>
+              <a:t>2_reads</a:t>
+            </a:r>
+            <a:endParaRPr lang="en-US" sz="3200" dirty="0"/>
           </a:p>
         </p:txBody>
       </p:sp>
@@ -4078,44 +4106,22 @@
         </p:nvSpPr>
         <p:spPr>
           <a:xfrm>
-            <a:off x="628650" y="1530849"/>
-            <a:ext cx="7886700" cy="4119938"/>
+            <a:off x="2393878" y="1530849"/>
+            <a:ext cx="4643919" cy="4646114"/>
           </a:xfrm>
         </p:spPr>
         <p:txBody>
-          <a:bodyPr/>
+          <a:bodyPr>
+            <a:normAutofit/>
+          </a:bodyPr>
           <a:lstStyle/>
           <a:p>
             <a:pPr marL="0" indent="0">
               <a:buNone/>
             </a:pPr>
             <a:r>
-              <a:rPr lang="en-US" dirty="0" err="1">
-                <a:latin typeface="Courier New" panose="02070309020205020404" pitchFamily="49" charset="0"/>
-                <a:cs typeface="Courier New" panose="02070309020205020404" pitchFamily="49" charset="0"/>
-              </a:rPr>
-              <a:t>perl</a:t>
-            </a:r>
-            <a:r>
-              <a:rPr lang="en-US" dirty="0">
-                <a:latin typeface="Courier New" panose="02070309020205020404" pitchFamily="49" charset="0"/>
-                <a:cs typeface="Courier New" panose="02070309020205020404" pitchFamily="49" charset="0"/>
-              </a:rPr>
-              <a:t> ../scripts/bwa/</a:t>
-            </a:r>
-            <a:r>
-              <a:rPr lang="en-US" dirty="0" err="1">
-                <a:latin typeface="Courier New" panose="02070309020205020404" pitchFamily="49" charset="0"/>
-                <a:cs typeface="Courier New" panose="02070309020205020404" pitchFamily="49" charset="0"/>
-              </a:rPr>
-              <a:t>bwa.sbatch.pl</a:t>
-            </a:r>
-            <a:r>
-              <a:rPr lang="en-US" dirty="0">
-                <a:latin typeface="Courier New" panose="02070309020205020404" pitchFamily="49" charset="0"/>
-                <a:cs typeface="Courier New" panose="02070309020205020404" pitchFamily="49" charset="0"/>
-              </a:rPr>
-              <a:t> \</a:t>
+              <a:rPr lang="en-US" sz="3200" dirty="0"/>
+              <a:t>s1_1.fq.gz</a:t>
             </a:r>
           </a:p>
           <a:p>
@@ -4123,11 +4129,8 @@
               <a:buNone/>
             </a:pPr>
             <a:r>
-              <a:rPr lang="en-US" dirty="0">
-                <a:latin typeface="Courier New" panose="02070309020205020404" pitchFamily="49" charset="0"/>
-                <a:cs typeface="Courier New" panose="02070309020205020404" pitchFamily="49" charset="0"/>
-              </a:rPr>
-              <a:t>    --mem 1G --time 1:00:00 \</a:t>
+              <a:rPr lang="en-US" sz="3200" dirty="0"/>
+              <a:t>s1_2.fq.gz</a:t>
             </a:r>
           </a:p>
           <a:p>
@@ -4135,11 +4138,8 @@
               <a:buNone/>
             </a:pPr>
             <a:r>
-              <a:rPr lang="en-US" dirty="0">
-                <a:latin typeface="Courier New" panose="02070309020205020404" pitchFamily="49" charset="0"/>
-                <a:cs typeface="Courier New" panose="02070309020205020404" pitchFamily="49" charset="0"/>
-              </a:rPr>
-              <a:t>    --threads 1 \</a:t>
+              <a:rPr lang="en-US" sz="3200" dirty="0"/>
+              <a:t>s2_1.fq.gz</a:t>
             </a:r>
           </a:p>
           <a:p>
@@ -4147,25 +4147,8 @@
               <a:buNone/>
             </a:pPr>
             <a:r>
-              <a:rPr lang="en-US" dirty="0">
-                <a:latin typeface="Courier New" panose="02070309020205020404" pitchFamily="49" charset="0"/>
-                <a:cs typeface="Courier New" panose="02070309020205020404" pitchFamily="49" charset="0"/>
-              </a:rPr>
-              <a:t>    --</a:t>
-            </a:r>
-            <a:r>
-              <a:rPr lang="en-US" dirty="0" err="1">
-                <a:latin typeface="Courier New" panose="02070309020205020404" pitchFamily="49" charset="0"/>
-                <a:cs typeface="Courier New" panose="02070309020205020404" pitchFamily="49" charset="0"/>
-              </a:rPr>
-              <a:t>indir</a:t>
-            </a:r>
-            <a:r>
-              <a:rPr lang="en-US" dirty="0">
-                <a:latin typeface="Courier New" panose="02070309020205020404" pitchFamily="49" charset="0"/>
-                <a:cs typeface="Courier New" panose="02070309020205020404" pitchFamily="49" charset="0"/>
-              </a:rPr>
-              <a:t> ../2_reads \</a:t>
+              <a:rPr lang="en-US" sz="3200" dirty="0"/>
+              <a:t>s2_2.fq.gz</a:t>
             </a:r>
           </a:p>
           <a:p>
@@ -4173,25 +4156,8 @@
               <a:buNone/>
             </a:pPr>
             <a:r>
-              <a:rPr lang="en-US" dirty="0">
-                <a:latin typeface="Courier New" panose="02070309020205020404" pitchFamily="49" charset="0"/>
-                <a:cs typeface="Courier New" panose="02070309020205020404" pitchFamily="49" charset="0"/>
-              </a:rPr>
-              <a:t>    --</a:t>
-            </a:r>
-            <a:r>
-              <a:rPr lang="en-US" dirty="0" err="1">
-                <a:latin typeface="Courier New" panose="02070309020205020404" pitchFamily="49" charset="0"/>
-                <a:cs typeface="Courier New" panose="02070309020205020404" pitchFamily="49" charset="0"/>
-              </a:rPr>
-              <a:t>outdir</a:t>
-            </a:r>
-            <a:r>
-              <a:rPr lang="en-US" dirty="0">
-                <a:latin typeface="Courier New" panose="02070309020205020404" pitchFamily="49" charset="0"/>
-                <a:cs typeface="Courier New" panose="02070309020205020404" pitchFamily="49" charset="0"/>
-              </a:rPr>
-              <a:t> . \</a:t>
+              <a:rPr lang="en-US" sz="3200" dirty="0"/>
+              <a:t>s3_1.fq.gz</a:t>
             </a:r>
           </a:p>
           <a:p>
@@ -4199,49 +4165,8 @@
               <a:buNone/>
             </a:pPr>
             <a:r>
-              <a:rPr lang="en-US" dirty="0">
-                <a:latin typeface="Courier New" panose="02070309020205020404" pitchFamily="49" charset="0"/>
-                <a:cs typeface="Courier New" panose="02070309020205020404" pitchFamily="49" charset="0"/>
-              </a:rPr>
-              <a:t>    --</a:t>
-            </a:r>
-            <a:r>
-              <a:rPr lang="en-US" dirty="0" err="1">
-                <a:latin typeface="Courier New" panose="02070309020205020404" pitchFamily="49" charset="0"/>
-                <a:cs typeface="Courier New" panose="02070309020205020404" pitchFamily="49" charset="0"/>
-              </a:rPr>
-              <a:t>db</a:t>
-            </a:r>
-            <a:r>
-              <a:rPr lang="en-US" dirty="0">
-                <a:latin typeface="Courier New" panose="02070309020205020404" pitchFamily="49" charset="0"/>
-                <a:cs typeface="Courier New" panose="02070309020205020404" pitchFamily="49" charset="0"/>
-              </a:rPr>
-              <a:t> ../1_ref/bwa/covid19ref \</a:t>
-            </a:r>
-          </a:p>
-          <a:p>
-            <a:pPr marL="0" indent="0">
-              <a:buNone/>
-            </a:pPr>
-            <a:r>
-              <a:rPr lang="en-US" dirty="0">
-                <a:latin typeface="Courier New" panose="02070309020205020404" pitchFamily="49" charset="0"/>
-                <a:cs typeface="Courier New" panose="02070309020205020404" pitchFamily="49" charset="0"/>
-              </a:rPr>
-              <a:t>    --fq1feature _1.fq.gz \</a:t>
-            </a:r>
-          </a:p>
-          <a:p>
-            <a:pPr marL="0" indent="0">
-              <a:buNone/>
-            </a:pPr>
-            <a:r>
-              <a:rPr lang="en-US" dirty="0">
-                <a:latin typeface="Courier New" panose="02070309020205020404" pitchFamily="49" charset="0"/>
-                <a:cs typeface="Courier New" panose="02070309020205020404" pitchFamily="49" charset="0"/>
-              </a:rPr>
-              <a:t>    --fq2feature _2.fq.gz</a:t>
+              <a:rPr lang="en-US" sz="3200" dirty="0"/>
+              <a:t>s3_2.fq.gz</a:t>
             </a:r>
           </a:p>
         </p:txBody>
@@ -4249,7 +4174,7 @@
     </p:spTree>
     <p:extLst>
       <p:ext uri="{BB962C8B-B14F-4D97-AF65-F5344CB8AC3E}">
-        <p14:creationId xmlns:p14="http://schemas.microsoft.com/office/powerpoint/2010/main" val="1496424615"/>
+        <p14:creationId xmlns:p14="http://schemas.microsoft.com/office/powerpoint/2010/main" val="1003536524"/>
       </p:ext>
     </p:extLst>
   </p:cSld>
@@ -4294,8 +4219,8 @@
         </p:nvSpPr>
         <p:spPr>
           <a:xfrm>
-            <a:off x="628650" y="246580"/>
-            <a:ext cx="7886700" cy="1017141"/>
+            <a:off x="628650" y="365126"/>
+            <a:ext cx="7886700" cy="1083529"/>
           </a:xfrm>
         </p:spPr>
         <p:txBody>
@@ -4307,7 +4232,7 @@
             <a:pPr algn="ctr"/>
             <a:r>
               <a:rPr lang="en-US" sz="3200" dirty="0"/>
-              <a:t>3_aln (II)</a:t>
+              <a:t>3_aln (I)</a:t>
             </a:r>
             <a:br>
               <a:rPr lang="en-US" sz="3200" dirty="0"/>
@@ -4320,7 +4245,7 @@
                 <a:effectLst/>
                 <a:latin typeface="Monaco" pitchFamily="2" charset="77"/>
               </a:rPr>
-              <a:t>2c_sam2bam.sh</a:t>
+              <a:t>1c_bwa.sh</a:t>
             </a:r>
             <a:endParaRPr lang="en-US" sz="2400" dirty="0"/>
           </a:p>
@@ -4344,8 +4269,8 @@
         </p:nvSpPr>
         <p:spPr>
           <a:xfrm>
-            <a:off x="706992" y="1469204"/>
-            <a:ext cx="7808358" cy="4646114"/>
+            <a:off x="628650" y="1530849"/>
+            <a:ext cx="7886700" cy="4119938"/>
           </a:xfrm>
         </p:spPr>
         <p:txBody>
@@ -4356,11 +4281,32 @@
               <a:buNone/>
             </a:pPr>
             <a:r>
-              <a:rPr lang="en-US" dirty="0">
-                <a:latin typeface="Courier New" panose="02070309020205020404" pitchFamily="49" charset="0"/>
-                <a:cs typeface="Courier New" panose="02070309020205020404" pitchFamily="49" charset="0"/>
-              </a:rPr>
-              <a:t># SAM to sorted BAM</a:t>
+              <a:rPr lang="en-US" dirty="0" err="1">
+                <a:latin typeface="Courier New" panose="02070309020205020404" pitchFamily="49" charset="0"/>
+                <a:cs typeface="Courier New" panose="02070309020205020404" pitchFamily="49" charset="0"/>
+              </a:rPr>
+              <a:t>perl</a:t>
+            </a:r>
+            <a:r>
+              <a:rPr lang="en-US" dirty="0">
+                <a:latin typeface="Courier New" panose="02070309020205020404" pitchFamily="49" charset="0"/>
+                <a:cs typeface="Courier New" panose="02070309020205020404" pitchFamily="49" charset="0"/>
+              </a:rPr>
+              <a:t> ../scripts/bwa/</a:t>
+            </a:r>
+            <a:r>
+              <a:rPr lang="en-US" dirty="0" err="1">
+                <a:latin typeface="Courier New" panose="02070309020205020404" pitchFamily="49" charset="0"/>
+                <a:cs typeface="Courier New" panose="02070309020205020404" pitchFamily="49" charset="0"/>
+              </a:rPr>
+              <a:t>bwa.sbatch.pl</a:t>
+            </a:r>
+            <a:r>
+              <a:rPr lang="en-US" dirty="0">
+                <a:latin typeface="Courier New" panose="02070309020205020404" pitchFamily="49" charset="0"/>
+                <a:cs typeface="Courier New" panose="02070309020205020404" pitchFamily="49" charset="0"/>
+              </a:rPr>
+              <a:t> \</a:t>
             </a:r>
           </a:p>
           <a:p>
@@ -4368,32 +4314,75 @@
               <a:buNone/>
             </a:pPr>
             <a:r>
+              <a:rPr lang="en-US" dirty="0">
+                <a:latin typeface="Courier New" panose="02070309020205020404" pitchFamily="49" charset="0"/>
+                <a:cs typeface="Courier New" panose="02070309020205020404" pitchFamily="49" charset="0"/>
+              </a:rPr>
+              <a:t>    --mem 1G --time 1:00:00 \</a:t>
+            </a:r>
+          </a:p>
+          <a:p>
+            <a:pPr marL="0" indent="0">
+              <a:buNone/>
+            </a:pPr>
+            <a:r>
+              <a:rPr lang="en-US" dirty="0">
+                <a:latin typeface="Courier New" panose="02070309020205020404" pitchFamily="49" charset="0"/>
+                <a:cs typeface="Courier New" panose="02070309020205020404" pitchFamily="49" charset="0"/>
+              </a:rPr>
+              <a:t>    --threads 1 \</a:t>
+            </a:r>
+          </a:p>
+          <a:p>
+            <a:pPr marL="0" indent="0">
+              <a:buNone/>
+            </a:pPr>
+            <a:r>
+              <a:rPr lang="en-US" dirty="0">
+                <a:latin typeface="Courier New" panose="02070309020205020404" pitchFamily="49" charset="0"/>
+                <a:cs typeface="Courier New" panose="02070309020205020404" pitchFamily="49" charset="0"/>
+              </a:rPr>
+              <a:t>    --</a:t>
+            </a:r>
+            <a:r>
               <a:rPr lang="en-US" dirty="0" err="1">
                 <a:latin typeface="Courier New" panose="02070309020205020404" pitchFamily="49" charset="0"/>
                 <a:cs typeface="Courier New" panose="02070309020205020404" pitchFamily="49" charset="0"/>
               </a:rPr>
-              <a:t>samtools</a:t>
-            </a:r>
-            <a:r>
-              <a:rPr lang="en-US" dirty="0">
-                <a:latin typeface="Courier New" panose="02070309020205020404" pitchFamily="49" charset="0"/>
-                <a:cs typeface="Courier New" panose="02070309020205020404" pitchFamily="49" charset="0"/>
-              </a:rPr>
-              <a:t> view -@ $</a:t>
+              <a:t>indir</a:t>
+            </a:r>
+            <a:r>
+              <a:rPr lang="en-US" dirty="0">
+                <a:latin typeface="Courier New" panose="02070309020205020404" pitchFamily="49" charset="0"/>
+                <a:cs typeface="Courier New" panose="02070309020205020404" pitchFamily="49" charset="0"/>
+              </a:rPr>
+              <a:t> ../2_reads \</a:t>
+            </a:r>
+          </a:p>
+          <a:p>
+            <a:pPr marL="0" indent="0">
+              <a:buNone/>
+            </a:pPr>
+            <a:r>
+              <a:rPr lang="en-US" dirty="0">
+                <a:latin typeface="Courier New" panose="02070309020205020404" pitchFamily="49" charset="0"/>
+                <a:cs typeface="Courier New" panose="02070309020205020404" pitchFamily="49" charset="0"/>
+              </a:rPr>
+              <a:t>    --</a:t>
             </a:r>
             <a:r>
               <a:rPr lang="en-US" dirty="0" err="1">
                 <a:latin typeface="Courier New" panose="02070309020205020404" pitchFamily="49" charset="0"/>
                 <a:cs typeface="Courier New" panose="02070309020205020404" pitchFamily="49" charset="0"/>
               </a:rPr>
-              <a:t>ncpu</a:t>
-            </a:r>
-            <a:r>
-              <a:rPr lang="en-US" dirty="0">
-                <a:latin typeface="Courier New" panose="02070309020205020404" pitchFamily="49" charset="0"/>
-                <a:cs typeface="Courier New" panose="02070309020205020404" pitchFamily="49" charset="0"/>
-              </a:rPr>
-              <a:t> \</a:t>
+              <a:t>outdir</a:t>
+            </a:r>
+            <a:r>
+              <a:rPr lang="en-US" dirty="0">
+                <a:latin typeface="Courier New" panose="02070309020205020404" pitchFamily="49" charset="0"/>
+                <a:cs typeface="Courier New" panose="02070309020205020404" pitchFamily="49" charset="0"/>
+              </a:rPr>
+              <a:t> . \</a:t>
             </a:r>
           </a:p>
           <a:p>
@@ -4405,35 +4394,21 @@
                 <a:latin typeface="Courier New" panose="02070309020205020404" pitchFamily="49" charset="0"/>
                 <a:cs typeface="Courier New" panose="02070309020205020404" pitchFamily="49" charset="0"/>
               </a:rPr>
-              <a:t>	-</a:t>
+              <a:t>    --</a:t>
             </a:r>
             <a:r>
               <a:rPr lang="en-US" dirty="0" err="1">
                 <a:latin typeface="Courier New" panose="02070309020205020404" pitchFamily="49" charset="0"/>
                 <a:cs typeface="Courier New" panose="02070309020205020404" pitchFamily="49" charset="0"/>
               </a:rPr>
-              <a:t>bS</a:t>
-            </a:r>
-            <a:r>
-              <a:rPr lang="en-US" dirty="0">
-                <a:latin typeface="Courier New" panose="02070309020205020404" pitchFamily="49" charset="0"/>
-                <a:cs typeface="Courier New" panose="02070309020205020404" pitchFamily="49" charset="0"/>
-              </a:rPr>
-              <a:t> $</a:t>
-            </a:r>
-            <a:r>
-              <a:rPr lang="en-US" dirty="0" err="1">
-                <a:latin typeface="Courier New" panose="02070309020205020404" pitchFamily="49" charset="0"/>
-                <a:cs typeface="Courier New" panose="02070309020205020404" pitchFamily="49" charset="0"/>
-              </a:rPr>
-              <a:t>out.sam</a:t>
-            </a:r>
-            <a:r>
-              <a:rPr lang="en-US" dirty="0">
-                <a:latin typeface="Courier New" panose="02070309020205020404" pitchFamily="49" charset="0"/>
-                <a:cs typeface="Courier New" panose="02070309020205020404" pitchFamily="49" charset="0"/>
-              </a:rPr>
-              <a:t> | \</a:t>
+              <a:t>db</a:t>
+            </a:r>
+            <a:r>
+              <a:rPr lang="en-US" dirty="0">
+                <a:latin typeface="Courier New" panose="02070309020205020404" pitchFamily="49" charset="0"/>
+                <a:cs typeface="Courier New" panose="02070309020205020404" pitchFamily="49" charset="0"/>
+              </a:rPr>
+              <a:t> ../1_ref/bwa/covid19ref \</a:t>
             </a:r>
           </a:p>
           <a:p>
@@ -4445,35 +4420,7 @@
                 <a:latin typeface="Courier New" panose="02070309020205020404" pitchFamily="49" charset="0"/>
                 <a:cs typeface="Courier New" panose="02070309020205020404" pitchFamily="49" charset="0"/>
               </a:rPr>
-              <a:t>	</a:t>
-            </a:r>
-            <a:r>
-              <a:rPr lang="en-US" dirty="0" err="1">
-                <a:latin typeface="Courier New" panose="02070309020205020404" pitchFamily="49" charset="0"/>
-                <a:cs typeface="Courier New" panose="02070309020205020404" pitchFamily="49" charset="0"/>
-              </a:rPr>
-              <a:t>samtools</a:t>
-            </a:r>
-            <a:r>
-              <a:rPr lang="en-US" dirty="0">
-                <a:latin typeface="Courier New" panose="02070309020205020404" pitchFamily="49" charset="0"/>
-                <a:cs typeface="Courier New" panose="02070309020205020404" pitchFamily="49" charset="0"/>
-              </a:rPr>
-              <a:t> sort -@ $</a:t>
-            </a:r>
-            <a:r>
-              <a:rPr lang="en-US" dirty="0" err="1">
-                <a:latin typeface="Courier New" panose="02070309020205020404" pitchFamily="49" charset="0"/>
-                <a:cs typeface="Courier New" panose="02070309020205020404" pitchFamily="49" charset="0"/>
-              </a:rPr>
-              <a:t>ncpu</a:t>
-            </a:r>
-            <a:r>
-              <a:rPr lang="en-US" dirty="0">
-                <a:latin typeface="Courier New" panose="02070309020205020404" pitchFamily="49" charset="0"/>
-                <a:cs typeface="Courier New" panose="02070309020205020404" pitchFamily="49" charset="0"/>
-              </a:rPr>
-              <a:t> \</a:t>
+              <a:t>    --fq1feature _1.fq.gz \</a:t>
             </a:r>
           </a:p>
           <a:p>
@@ -4485,103 +4432,15 @@
                 <a:latin typeface="Courier New" panose="02070309020205020404" pitchFamily="49" charset="0"/>
                 <a:cs typeface="Courier New" panose="02070309020205020404" pitchFamily="49" charset="0"/>
               </a:rPr>
-              <a:t>	-o $</a:t>
-            </a:r>
-            <a:r>
-              <a:rPr lang="en-US" dirty="0" err="1">
-                <a:latin typeface="Courier New" panose="02070309020205020404" pitchFamily="49" charset="0"/>
-                <a:cs typeface="Courier New" panose="02070309020205020404" pitchFamily="49" charset="0"/>
-              </a:rPr>
-              <a:t>out.bam</a:t>
-            </a:r>
-            <a:r>
-              <a:rPr lang="en-US" dirty="0">
-                <a:latin typeface="Courier New" panose="02070309020205020404" pitchFamily="49" charset="0"/>
-                <a:cs typeface="Courier New" panose="02070309020205020404" pitchFamily="49" charset="0"/>
-              </a:rPr>
-              <a:t> -</a:t>
-            </a:r>
-          </a:p>
-          <a:p>
-            <a:pPr marL="0" indent="0">
-              <a:buNone/>
-            </a:pPr>
-            <a:r>
-              <a:rPr lang="en-US" dirty="0">
-                <a:latin typeface="Courier New" panose="02070309020205020404" pitchFamily="49" charset="0"/>
-                <a:cs typeface="Courier New" panose="02070309020205020404" pitchFamily="49" charset="0"/>
-              </a:rPr>
-              <a:t>    </a:t>
-            </a:r>
-          </a:p>
-          <a:p>
-            <a:pPr marL="0" indent="0">
-              <a:buNone/>
-            </a:pPr>
-            <a:r>
-              <a:rPr lang="en-US" dirty="0">
-                <a:latin typeface="Courier New" panose="02070309020205020404" pitchFamily="49" charset="0"/>
-                <a:cs typeface="Courier New" panose="02070309020205020404" pitchFamily="49" charset="0"/>
-              </a:rPr>
-              <a:t># Index sorted BAM:</a:t>
-            </a:r>
-          </a:p>
-          <a:p>
-            <a:pPr marL="0" indent="0">
-              <a:buNone/>
-            </a:pPr>
-            <a:r>
-              <a:rPr lang="en-US" dirty="0" err="1">
-                <a:latin typeface="Courier New" panose="02070309020205020404" pitchFamily="49" charset="0"/>
-                <a:cs typeface="Courier New" panose="02070309020205020404" pitchFamily="49" charset="0"/>
-              </a:rPr>
-              <a:t>samtools</a:t>
-            </a:r>
-            <a:r>
-              <a:rPr lang="en-US" dirty="0">
-                <a:latin typeface="Courier New" panose="02070309020205020404" pitchFamily="49" charset="0"/>
-                <a:cs typeface="Courier New" panose="02070309020205020404" pitchFamily="49" charset="0"/>
-              </a:rPr>
-              <a:t> index -@ $</a:t>
-            </a:r>
-            <a:r>
-              <a:rPr lang="en-US" dirty="0" err="1">
-                <a:latin typeface="Courier New" panose="02070309020205020404" pitchFamily="49" charset="0"/>
-                <a:cs typeface="Courier New" panose="02070309020205020404" pitchFamily="49" charset="0"/>
-              </a:rPr>
-              <a:t>ncpu</a:t>
-            </a:r>
-            <a:r>
-              <a:rPr lang="en-US" dirty="0">
-                <a:latin typeface="Courier New" panose="02070309020205020404" pitchFamily="49" charset="0"/>
-                <a:cs typeface="Courier New" panose="02070309020205020404" pitchFamily="49" charset="0"/>
-              </a:rPr>
-              <a:t> $</a:t>
-            </a:r>
-            <a:r>
-              <a:rPr lang="en-US" dirty="0" err="1">
-                <a:latin typeface="Courier New" panose="02070309020205020404" pitchFamily="49" charset="0"/>
-                <a:cs typeface="Courier New" panose="02070309020205020404" pitchFamily="49" charset="0"/>
-              </a:rPr>
-              <a:t>out.bam</a:t>
-            </a:r>
-            <a:endParaRPr lang="en-US" dirty="0">
-              <a:latin typeface="Courier New" panose="02070309020205020404" pitchFamily="49" charset="0"/>
-              <a:cs typeface="Courier New" panose="02070309020205020404" pitchFamily="49" charset="0"/>
-            </a:endParaRPr>
-          </a:p>
-          <a:p>
-            <a:pPr marL="0" indent="0">
-              <a:buNone/>
-            </a:pPr>
-            <a:endParaRPr lang="en-US" dirty="0"/>
+              <a:t>    --fq2feature _2.fq.gz</a:t>
+            </a:r>
           </a:p>
         </p:txBody>
       </p:sp>
     </p:spTree>
     <p:extLst>
       <p:ext uri="{BB962C8B-B14F-4D97-AF65-F5344CB8AC3E}">
-        <p14:creationId xmlns:p14="http://schemas.microsoft.com/office/powerpoint/2010/main" val="169136605"/>
+        <p14:creationId xmlns:p14="http://schemas.microsoft.com/office/powerpoint/2010/main" val="1496424615"/>
       </p:ext>
     </p:extLst>
   </p:cSld>
@@ -4626,8 +4485,8 @@
         </p:nvSpPr>
         <p:spPr>
           <a:xfrm>
-            <a:off x="628650" y="252110"/>
-            <a:ext cx="7886700" cy="1114351"/>
+            <a:off x="628650" y="246580"/>
+            <a:ext cx="7886700" cy="1017141"/>
           </a:xfrm>
         </p:spPr>
         <p:txBody>
@@ -4639,7 +4498,7 @@
             <a:pPr algn="ctr"/>
             <a:r>
               <a:rPr lang="en-US" sz="3200" dirty="0"/>
-              <a:t>4_snp (I) – GATK</a:t>
+              <a:t>3_aln (II)</a:t>
             </a:r>
             <a:br>
               <a:rPr lang="en-US" sz="3200" dirty="0"/>
@@ -4652,7 +4511,7 @@
                 <a:effectLst/>
                 <a:latin typeface="Monaco" pitchFamily="2" charset="77"/>
               </a:rPr>
-              <a:t>1c_gatk.sh</a:t>
+              <a:t>2c_sam2bam.sh</a:t>
             </a:r>
             <a:endParaRPr lang="en-US" sz="2400" dirty="0"/>
           </a:p>
@@ -4676,14 +4535,12 @@
         </p:nvSpPr>
         <p:spPr>
           <a:xfrm>
-            <a:off x="628650" y="1715783"/>
-            <a:ext cx="7886700" cy="4646114"/>
+            <a:off x="706992" y="1469204"/>
+            <a:ext cx="7808358" cy="4646114"/>
           </a:xfrm>
         </p:spPr>
         <p:txBody>
-          <a:bodyPr>
-            <a:normAutofit fontScale="92500" lnSpcReduction="10000"/>
-          </a:bodyPr>
+          <a:bodyPr/>
           <a:lstStyle/>
           <a:p>
             <a:pPr marL="0" indent="0">
@@ -4694,21 +4551,40 @@
                 <a:latin typeface="Courier New" panose="02070309020205020404" pitchFamily="49" charset="0"/>
                 <a:cs typeface="Courier New" panose="02070309020205020404" pitchFamily="49" charset="0"/>
               </a:rPr>
-              <a:t>ref=../1_ref/</a:t>
-            </a:r>
+              <a:t># SAM to sorted BAM</a:t>
+            </a:r>
+          </a:p>
+          <a:p>
+            <a:pPr marL="0" indent="0">
+              <a:buNone/>
+            </a:pPr>
             <a:r>
               <a:rPr lang="en-US" dirty="0" err="1">
                 <a:latin typeface="Courier New" panose="02070309020205020404" pitchFamily="49" charset="0"/>
                 <a:cs typeface="Courier New" panose="02070309020205020404" pitchFamily="49" charset="0"/>
               </a:rPr>
-              <a:t>gatk</a:t>
-            </a:r>
-            <a:r>
-              <a:rPr lang="en-US" dirty="0">
-                <a:latin typeface="Courier New" panose="02070309020205020404" pitchFamily="49" charset="0"/>
-                <a:cs typeface="Courier New" panose="02070309020205020404" pitchFamily="49" charset="0"/>
-              </a:rPr>
-              <a:t>/covid19ref.fasta</a:t>
+              <a:t>samtools</a:t>
+            </a:r>
+            <a:r>
+              <a:rPr lang="en-US" dirty="0">
+                <a:latin typeface="Courier New" panose="02070309020205020404" pitchFamily="49" charset="0"/>
+                <a:cs typeface="Courier New" panose="02070309020205020404" pitchFamily="49" charset="0"/>
+              </a:rPr>
+              <a:t> view -@ $</a:t>
+            </a:r>
+            <a:r>
+              <a:rPr lang="en-US" dirty="0" err="1">
+                <a:latin typeface="Courier New" panose="02070309020205020404" pitchFamily="49" charset="0"/>
+                <a:cs typeface="Courier New" panose="02070309020205020404" pitchFamily="49" charset="0"/>
+              </a:rPr>
+              <a:t>ncpu</a:t>
+            </a:r>
+            <a:r>
+              <a:rPr lang="en-US" dirty="0">
+                <a:latin typeface="Courier New" panose="02070309020205020404" pitchFamily="49" charset="0"/>
+                <a:cs typeface="Courier New" panose="02070309020205020404" pitchFamily="49" charset="0"/>
+              </a:rPr>
+              <a:t> \</a:t>
             </a:r>
           </a:p>
           <a:p>
@@ -4716,18 +4592,39 @@
               <a:buNone/>
             </a:pPr>
             <a:r>
+              <a:rPr lang="en-US" dirty="0">
+                <a:latin typeface="Courier New" panose="02070309020205020404" pitchFamily="49" charset="0"/>
+                <a:cs typeface="Courier New" panose="02070309020205020404" pitchFamily="49" charset="0"/>
+              </a:rPr>
+              <a:t>	-</a:t>
+            </a:r>
+            <a:r>
               <a:rPr lang="en-US" dirty="0" err="1">
                 <a:latin typeface="Courier New" panose="02070309020205020404" pitchFamily="49" charset="0"/>
                 <a:cs typeface="Courier New" panose="02070309020205020404" pitchFamily="49" charset="0"/>
               </a:rPr>
-              <a:t>bampath</a:t>
-            </a:r>
-            <a:r>
-              <a:rPr lang="en-US" dirty="0">
-                <a:latin typeface="Courier New" panose="02070309020205020404" pitchFamily="49" charset="0"/>
-                <a:cs typeface="Courier New" panose="02070309020205020404" pitchFamily="49" charset="0"/>
-              </a:rPr>
-              <a:t>=../3_aln</a:t>
+              <a:t>bS</a:t>
+            </a:r>
+            <a:r>
+              <a:rPr lang="en-US" dirty="0">
+                <a:latin typeface="Courier New" panose="02070309020205020404" pitchFamily="49" charset="0"/>
+                <a:cs typeface="Courier New" panose="02070309020205020404" pitchFamily="49" charset="0"/>
+              </a:rPr>
+              <a:t> $</a:t>
+            </a:r>
+            <a:r>
+              <a:rPr lang="en-US" dirty="0" err="1">
+                <a:latin typeface="Courier New" panose="02070309020205020404" pitchFamily="49" charset="0"/>
+                <a:cs typeface="Courier New" panose="02070309020205020404" pitchFamily="49" charset="0"/>
+              </a:rPr>
+              <a:t>out.sam</a:t>
+            </a:r>
+            <a:r>
+              <a:rPr lang="en-US" dirty="0">
+                <a:latin typeface="Courier New" panose="02070309020205020404" pitchFamily="49" charset="0"/>
+                <a:cs typeface="Courier New" panose="02070309020205020404" pitchFamily="49" charset="0"/>
+              </a:rPr>
+              <a:t> | \</a:t>
             </a:r>
           </a:p>
           <a:p>
@@ -4735,24 +4632,130 @@
               <a:buNone/>
             </a:pPr>
             <a:r>
+              <a:rPr lang="en-US" dirty="0">
+                <a:latin typeface="Courier New" panose="02070309020205020404" pitchFamily="49" charset="0"/>
+                <a:cs typeface="Courier New" panose="02070309020205020404" pitchFamily="49" charset="0"/>
+              </a:rPr>
+              <a:t>	</a:t>
+            </a:r>
+            <a:r>
               <a:rPr lang="en-US" dirty="0" err="1">
                 <a:latin typeface="Courier New" panose="02070309020205020404" pitchFamily="49" charset="0"/>
                 <a:cs typeface="Courier New" panose="02070309020205020404" pitchFamily="49" charset="0"/>
               </a:rPr>
-              <a:t>outbase</a:t>
-            </a:r>
-            <a:r>
-              <a:rPr lang="en-US" dirty="0">
-                <a:latin typeface="Courier New" panose="02070309020205020404" pitchFamily="49" charset="0"/>
-                <a:cs typeface="Courier New" panose="02070309020205020404" pitchFamily="49" charset="0"/>
-              </a:rPr>
-              <a:t>=covid</a:t>
+              <a:t>samtools</a:t>
+            </a:r>
+            <a:r>
+              <a:rPr lang="en-US" dirty="0">
+                <a:latin typeface="Courier New" panose="02070309020205020404" pitchFamily="49" charset="0"/>
+                <a:cs typeface="Courier New" panose="02070309020205020404" pitchFamily="49" charset="0"/>
+              </a:rPr>
+              <a:t> sort -@ $</a:t>
+            </a:r>
+            <a:r>
+              <a:rPr lang="en-US" dirty="0" err="1">
+                <a:latin typeface="Courier New" panose="02070309020205020404" pitchFamily="49" charset="0"/>
+                <a:cs typeface="Courier New" panose="02070309020205020404" pitchFamily="49" charset="0"/>
+              </a:rPr>
+              <a:t>ncpu</a:t>
+            </a:r>
+            <a:r>
+              <a:rPr lang="en-US" dirty="0">
+                <a:latin typeface="Courier New" panose="02070309020205020404" pitchFamily="49" charset="0"/>
+                <a:cs typeface="Courier New" panose="02070309020205020404" pitchFamily="49" charset="0"/>
+              </a:rPr>
+              <a:t> \</a:t>
             </a:r>
           </a:p>
           <a:p>
             <a:pPr marL="0" indent="0">
               <a:buNone/>
             </a:pPr>
+            <a:r>
+              <a:rPr lang="en-US" dirty="0">
+                <a:latin typeface="Courier New" panose="02070309020205020404" pitchFamily="49" charset="0"/>
+                <a:cs typeface="Courier New" panose="02070309020205020404" pitchFamily="49" charset="0"/>
+              </a:rPr>
+              <a:t>	-o $</a:t>
+            </a:r>
+            <a:r>
+              <a:rPr lang="en-US" dirty="0" err="1">
+                <a:latin typeface="Courier New" panose="02070309020205020404" pitchFamily="49" charset="0"/>
+                <a:cs typeface="Courier New" panose="02070309020205020404" pitchFamily="49" charset="0"/>
+              </a:rPr>
+              <a:t>out.bam</a:t>
+            </a:r>
+            <a:r>
+              <a:rPr lang="en-US" dirty="0">
+                <a:latin typeface="Courier New" panose="02070309020205020404" pitchFamily="49" charset="0"/>
+                <a:cs typeface="Courier New" panose="02070309020205020404" pitchFamily="49" charset="0"/>
+              </a:rPr>
+              <a:t> -</a:t>
+            </a:r>
+          </a:p>
+          <a:p>
+            <a:pPr marL="0" indent="0">
+              <a:buNone/>
+            </a:pPr>
+            <a:r>
+              <a:rPr lang="en-US" dirty="0">
+                <a:latin typeface="Courier New" panose="02070309020205020404" pitchFamily="49" charset="0"/>
+                <a:cs typeface="Courier New" panose="02070309020205020404" pitchFamily="49" charset="0"/>
+              </a:rPr>
+              <a:t>    </a:t>
+            </a:r>
+          </a:p>
+          <a:p>
+            <a:pPr marL="0" indent="0">
+              <a:buNone/>
+            </a:pPr>
+            <a:r>
+              <a:rPr lang="en-US" dirty="0">
+                <a:latin typeface="Courier New" panose="02070309020205020404" pitchFamily="49" charset="0"/>
+                <a:cs typeface="Courier New" panose="02070309020205020404" pitchFamily="49" charset="0"/>
+              </a:rPr>
+              <a:t># Index sorted BAM:</a:t>
+            </a:r>
+          </a:p>
+          <a:p>
+            <a:pPr marL="0" indent="0">
+              <a:buNone/>
+            </a:pPr>
+            <a:r>
+              <a:rPr lang="en-US" dirty="0" err="1">
+                <a:latin typeface="Courier New" panose="02070309020205020404" pitchFamily="49" charset="0"/>
+                <a:cs typeface="Courier New" panose="02070309020205020404" pitchFamily="49" charset="0"/>
+              </a:rPr>
+              <a:t>samtools</a:t>
+            </a:r>
+            <a:r>
+              <a:rPr lang="en-US" dirty="0">
+                <a:latin typeface="Courier New" panose="02070309020205020404" pitchFamily="49" charset="0"/>
+                <a:cs typeface="Courier New" panose="02070309020205020404" pitchFamily="49" charset="0"/>
+              </a:rPr>
+              <a:t> index -@ $</a:t>
+            </a:r>
+            <a:r>
+              <a:rPr lang="en-US" dirty="0" err="1">
+                <a:latin typeface="Courier New" panose="02070309020205020404" pitchFamily="49" charset="0"/>
+                <a:cs typeface="Courier New" panose="02070309020205020404" pitchFamily="49" charset="0"/>
+              </a:rPr>
+              <a:t>ncpu</a:t>
+            </a:r>
+            <a:r>
+              <a:rPr lang="en-US" dirty="0">
+                <a:latin typeface="Courier New" panose="02070309020205020404" pitchFamily="49" charset="0"/>
+                <a:cs typeface="Courier New" panose="02070309020205020404" pitchFamily="49" charset="0"/>
+              </a:rPr>
+              <a:t> $</a:t>
+            </a:r>
+            <a:r>
+              <a:rPr lang="en-US" dirty="0" err="1">
+                <a:latin typeface="Courier New" panose="02070309020205020404" pitchFamily="49" charset="0"/>
+                <a:cs typeface="Courier New" panose="02070309020205020404" pitchFamily="49" charset="0"/>
+              </a:rPr>
+              <a:t>out.bam</a:t>
+            </a:r>
             <a:endParaRPr lang="en-US" dirty="0">
               <a:latin typeface="Courier New" panose="02070309020205020404" pitchFamily="49" charset="0"/>
               <a:cs typeface="Courier New" panose="02070309020205020404" pitchFamily="49" charset="0"/>
@@ -4762,194 +4765,14 @@
             <a:pPr marL="0" indent="0">
               <a:buNone/>
             </a:pPr>
-            <a:r>
-              <a:rPr lang="en-US" dirty="0" err="1">
-                <a:latin typeface="Courier New" panose="02070309020205020404" pitchFamily="49" charset="0"/>
-                <a:cs typeface="Courier New" panose="02070309020205020404" pitchFamily="49" charset="0"/>
-              </a:rPr>
-              <a:t>perl</a:t>
-            </a:r>
-            <a:r>
-              <a:rPr lang="en-US" dirty="0">
-                <a:latin typeface="Courier New" panose="02070309020205020404" pitchFamily="49" charset="0"/>
-                <a:cs typeface="Courier New" panose="02070309020205020404" pitchFamily="49" charset="0"/>
-              </a:rPr>
-              <a:t> ../scripts/</a:t>
-            </a:r>
-            <a:r>
-              <a:rPr lang="en-US" dirty="0" err="1">
-                <a:latin typeface="Courier New" panose="02070309020205020404" pitchFamily="49" charset="0"/>
-                <a:cs typeface="Courier New" panose="02070309020205020404" pitchFamily="49" charset="0"/>
-              </a:rPr>
-              <a:t>gatk</a:t>
-            </a:r>
-            <a:r>
-              <a:rPr lang="en-US" dirty="0">
-                <a:latin typeface="Courier New" panose="02070309020205020404" pitchFamily="49" charset="0"/>
-                <a:cs typeface="Courier New" panose="02070309020205020404" pitchFamily="49" charset="0"/>
-              </a:rPr>
-              <a:t>/</a:t>
-            </a:r>
-            <a:r>
-              <a:rPr lang="en-US" dirty="0" err="1">
-                <a:latin typeface="Courier New" panose="02070309020205020404" pitchFamily="49" charset="0"/>
-                <a:cs typeface="Courier New" panose="02070309020205020404" pitchFamily="49" charset="0"/>
-              </a:rPr>
-              <a:t>gatk.sbatch.pl</a:t>
-            </a:r>
-            <a:r>
-              <a:rPr lang="en-US" dirty="0">
-                <a:latin typeface="Courier New" panose="02070309020205020404" pitchFamily="49" charset="0"/>
-                <a:cs typeface="Courier New" panose="02070309020205020404" pitchFamily="49" charset="0"/>
-              </a:rPr>
-              <a:t> \</a:t>
-            </a:r>
-          </a:p>
-          <a:p>
-            <a:pPr marL="0" indent="0">
-              <a:buNone/>
-            </a:pPr>
-            <a:r>
-              <a:rPr lang="en-US" dirty="0">
-                <a:latin typeface="Courier New" panose="02070309020205020404" pitchFamily="49" charset="0"/>
-                <a:cs typeface="Courier New" panose="02070309020205020404" pitchFamily="49" charset="0"/>
-              </a:rPr>
-              <a:t>  --</a:t>
-            </a:r>
-            <a:r>
-              <a:rPr lang="en-US" dirty="0" err="1">
-                <a:latin typeface="Courier New" panose="02070309020205020404" pitchFamily="49" charset="0"/>
-                <a:cs typeface="Courier New" panose="02070309020205020404" pitchFamily="49" charset="0"/>
-              </a:rPr>
-              <a:t>outbase</a:t>
-            </a:r>
-            <a:r>
-              <a:rPr lang="en-US" dirty="0">
-                <a:latin typeface="Courier New" panose="02070309020205020404" pitchFamily="49" charset="0"/>
-                <a:cs typeface="Courier New" panose="02070309020205020404" pitchFamily="49" charset="0"/>
-              </a:rPr>
-              <a:t> $</a:t>
-            </a:r>
-            <a:r>
-              <a:rPr lang="en-US" dirty="0" err="1">
-                <a:latin typeface="Courier New" panose="02070309020205020404" pitchFamily="49" charset="0"/>
-                <a:cs typeface="Courier New" panose="02070309020205020404" pitchFamily="49" charset="0"/>
-              </a:rPr>
-              <a:t>outbase</a:t>
-            </a:r>
-            <a:r>
-              <a:rPr lang="en-US" dirty="0">
-                <a:latin typeface="Courier New" panose="02070309020205020404" pitchFamily="49" charset="0"/>
-                <a:cs typeface="Courier New" panose="02070309020205020404" pitchFamily="49" charset="0"/>
-              </a:rPr>
-              <a:t> \</a:t>
-            </a:r>
-          </a:p>
-          <a:p>
-            <a:pPr marL="0" indent="0">
-              <a:buNone/>
-            </a:pPr>
-            <a:r>
-              <a:rPr lang="en-US" dirty="0">
-                <a:latin typeface="Courier New" panose="02070309020205020404" pitchFamily="49" charset="0"/>
-                <a:cs typeface="Courier New" panose="02070309020205020404" pitchFamily="49" charset="0"/>
-              </a:rPr>
-              <a:t>  --</a:t>
-            </a:r>
-            <a:r>
-              <a:rPr lang="en-US" dirty="0" err="1">
-                <a:latin typeface="Courier New" panose="02070309020205020404" pitchFamily="49" charset="0"/>
-                <a:cs typeface="Courier New" panose="02070309020205020404" pitchFamily="49" charset="0"/>
-              </a:rPr>
-              <a:t>bampaths</a:t>
-            </a:r>
-            <a:r>
-              <a:rPr lang="en-US" dirty="0">
-                <a:latin typeface="Courier New" panose="02070309020205020404" pitchFamily="49" charset="0"/>
-                <a:cs typeface="Courier New" panose="02070309020205020404" pitchFamily="49" charset="0"/>
-              </a:rPr>
-              <a:t> $</a:t>
-            </a:r>
-            <a:r>
-              <a:rPr lang="en-US" dirty="0" err="1">
-                <a:latin typeface="Courier New" panose="02070309020205020404" pitchFamily="49" charset="0"/>
-                <a:cs typeface="Courier New" panose="02070309020205020404" pitchFamily="49" charset="0"/>
-              </a:rPr>
-              <a:t>bampath</a:t>
-            </a:r>
-            <a:r>
-              <a:rPr lang="en-US" dirty="0">
-                <a:latin typeface="Courier New" panose="02070309020205020404" pitchFamily="49" charset="0"/>
-                <a:cs typeface="Courier New" panose="02070309020205020404" pitchFamily="49" charset="0"/>
-              </a:rPr>
-              <a:t> \</a:t>
-            </a:r>
-          </a:p>
-          <a:p>
-            <a:pPr marL="0" indent="0">
-              <a:buNone/>
-            </a:pPr>
-            <a:r>
-              <a:rPr lang="en-US" dirty="0">
-                <a:latin typeface="Courier New" panose="02070309020205020404" pitchFamily="49" charset="0"/>
-                <a:cs typeface="Courier New" panose="02070309020205020404" pitchFamily="49" charset="0"/>
-              </a:rPr>
-              <a:t>  --ref $ref \</a:t>
-            </a:r>
-          </a:p>
-          <a:p>
-            <a:pPr marL="0" indent="0">
-              <a:buNone/>
-            </a:pPr>
-            <a:r>
-              <a:rPr lang="en-US" dirty="0">
-                <a:latin typeface="Courier New" panose="02070309020205020404" pitchFamily="49" charset="0"/>
-                <a:cs typeface="Courier New" panose="02070309020205020404" pitchFamily="49" charset="0"/>
-              </a:rPr>
-              <a:t>  --</a:t>
-            </a:r>
-            <a:r>
-              <a:rPr lang="en-US" dirty="0" err="1">
-                <a:latin typeface="Courier New" panose="02070309020205020404" pitchFamily="49" charset="0"/>
-                <a:cs typeface="Courier New" panose="02070309020205020404" pitchFamily="49" charset="0"/>
-              </a:rPr>
-              <a:t>otherpara</a:t>
-            </a:r>
-            <a:r>
-              <a:rPr lang="en-US" dirty="0">
-                <a:latin typeface="Courier New" panose="02070309020205020404" pitchFamily="49" charset="0"/>
-                <a:cs typeface="Courier New" panose="02070309020205020404" pitchFamily="49" charset="0"/>
-              </a:rPr>
-              <a:t> "--sample-ploidy 1" \</a:t>
-            </a:r>
-          </a:p>
-          <a:p>
-            <a:pPr marL="0" indent="0">
-              <a:buNone/>
-            </a:pPr>
-            <a:r>
-              <a:rPr lang="en-US" dirty="0">
-                <a:latin typeface="Courier New" panose="02070309020205020404" pitchFamily="49" charset="0"/>
-                <a:cs typeface="Courier New" panose="02070309020205020404" pitchFamily="49" charset="0"/>
-              </a:rPr>
-              <a:t>  --mem 4G</a:t>
-            </a:r>
-          </a:p>
-          <a:p>
-            <a:pPr marL="0" indent="0">
-              <a:buNone/>
-            </a:pPr>
-            <a:endParaRPr lang="en-US" dirty="0">
-              <a:latin typeface="Courier New" panose="02070309020205020404" pitchFamily="49" charset="0"/>
-              <a:cs typeface="Courier New" panose="02070309020205020404" pitchFamily="49" charset="0"/>
-            </a:endParaRPr>
+            <a:endParaRPr lang="en-US" dirty="0"/>
           </a:p>
         </p:txBody>
       </p:sp>
     </p:spTree>
     <p:extLst>
       <p:ext uri="{BB962C8B-B14F-4D97-AF65-F5344CB8AC3E}">
-        <p14:creationId xmlns:p14="http://schemas.microsoft.com/office/powerpoint/2010/main" val="922745882"/>
+        <p14:creationId xmlns:p14="http://schemas.microsoft.com/office/powerpoint/2010/main" val="169136605"/>
       </p:ext>
     </p:extLst>
   </p:cSld>
@@ -4994,8 +4817,8 @@
         </p:nvSpPr>
         <p:spPr>
           <a:xfrm>
-            <a:off x="628650" y="226030"/>
-            <a:ext cx="7886700" cy="945223"/>
+            <a:off x="628650" y="252110"/>
+            <a:ext cx="7886700" cy="1114351"/>
           </a:xfrm>
         </p:spPr>
         <p:txBody>
@@ -5007,22 +4830,22 @@
             <a:pPr algn="ctr"/>
             <a:r>
               <a:rPr lang="en-US" sz="3200" dirty="0"/>
-              <a:t>4_snp (II) – GATK filtering</a:t>
+              <a:t>4_snp (I) – GATK</a:t>
             </a:r>
             <a:br>
               <a:rPr lang="en-US" sz="3200" dirty="0"/>
             </a:br>
             <a:r>
-              <a:rPr lang="en-US" sz="2700" dirty="0">
+              <a:rPr lang="en-US" sz="2400" dirty="0">
                 <a:solidFill>
                   <a:srgbClr val="2FB41D"/>
                 </a:solidFill>
                 <a:effectLst/>
                 <a:latin typeface="Monaco" pitchFamily="2" charset="77"/>
               </a:rPr>
-              <a:t>2c_varselect.sh</a:t>
-            </a:r>
-            <a:endParaRPr lang="en-US" sz="2700" dirty="0"/>
+              <a:t>1c_gatk.sh</a:t>
+            </a:r>
+            <a:endParaRPr lang="en-US" sz="2400" dirty="0"/>
           </a:p>
         </p:txBody>
       </p:sp>
@@ -5044,13 +4867,13 @@
         </p:nvSpPr>
         <p:spPr>
           <a:xfrm>
-            <a:off x="628650" y="1387011"/>
+            <a:off x="628650" y="1715783"/>
             <a:ext cx="7886700" cy="4646114"/>
           </a:xfrm>
         </p:spPr>
         <p:txBody>
           <a:bodyPr>
-            <a:normAutofit fontScale="92500" lnSpcReduction="20000"/>
+            <a:normAutofit fontScale="92500" lnSpcReduction="10000"/>
           </a:bodyPr>
           <a:lstStyle/>
           <a:p>
@@ -5062,7 +4885,21 @@
                 <a:latin typeface="Courier New" panose="02070309020205020404" pitchFamily="49" charset="0"/>
                 <a:cs typeface="Courier New" panose="02070309020205020404" pitchFamily="49" charset="0"/>
               </a:rPr>
-              <a:t># generate a bam list</a:t>
+              <a:t>ref=../1_ref/</a:t>
+            </a:r>
+            <a:r>
+              <a:rPr lang="en-US" dirty="0" err="1">
+                <a:latin typeface="Courier New" panose="02070309020205020404" pitchFamily="49" charset="0"/>
+                <a:cs typeface="Courier New" panose="02070309020205020404" pitchFamily="49" charset="0"/>
+              </a:rPr>
+              <a:t>gatk</a:t>
+            </a:r>
+            <a:r>
+              <a:rPr lang="en-US" dirty="0">
+                <a:latin typeface="Courier New" panose="02070309020205020404" pitchFamily="49" charset="0"/>
+                <a:cs typeface="Courier New" panose="02070309020205020404" pitchFamily="49" charset="0"/>
+              </a:rPr>
+              <a:t>/covid19ref.fasta</a:t>
             </a:r>
           </a:p>
           <a:p>
@@ -5074,22 +4911,39 @@
                 <a:latin typeface="Courier New" panose="02070309020205020404" pitchFamily="49" charset="0"/>
                 <a:cs typeface="Courier New" panose="02070309020205020404" pitchFamily="49" charset="0"/>
               </a:rPr>
-              <a:t>vcf</a:t>
-            </a:r>
-            <a:r>
-              <a:rPr lang="en-US" dirty="0">
-                <a:latin typeface="Courier New" panose="02070309020205020404" pitchFamily="49" charset="0"/>
-                <a:cs typeface="Courier New" panose="02070309020205020404" pitchFamily="49" charset="0"/>
-              </a:rPr>
-              <a:t>=covid_SunApr91345362023/</a:t>
-            </a:r>
+              <a:t>bampath</a:t>
+            </a:r>
+            <a:r>
+              <a:rPr lang="en-US" dirty="0">
+                <a:latin typeface="Courier New" panose="02070309020205020404" pitchFamily="49" charset="0"/>
+                <a:cs typeface="Courier New" panose="02070309020205020404" pitchFamily="49" charset="0"/>
+              </a:rPr>
+              <a:t>=../3_aln</a:t>
+            </a:r>
+          </a:p>
+          <a:p>
+            <a:pPr marL="0" indent="0">
+              <a:buNone/>
+            </a:pPr>
             <a:r>
               <a:rPr lang="en-US" dirty="0" err="1">
                 <a:latin typeface="Courier New" panose="02070309020205020404" pitchFamily="49" charset="0"/>
                 <a:cs typeface="Courier New" panose="02070309020205020404" pitchFamily="49" charset="0"/>
               </a:rPr>
-              <a:t>covid.vcf</a:t>
-            </a:r>
+              <a:t>outbase</a:t>
+            </a:r>
+            <a:r>
+              <a:rPr lang="en-US" dirty="0">
+                <a:latin typeface="Courier New" panose="02070309020205020404" pitchFamily="49" charset="0"/>
+                <a:cs typeface="Courier New" panose="02070309020205020404" pitchFamily="49" charset="0"/>
+              </a:rPr>
+              <a:t>=covid</a:t>
+            </a:r>
+          </a:p>
+          <a:p>
+            <a:pPr marL="0" indent="0">
+              <a:buNone/>
+            </a:pPr>
             <a:endParaRPr lang="en-US" dirty="0">
               <a:latin typeface="Courier New" panose="02070309020205020404" pitchFamily="49" charset="0"/>
               <a:cs typeface="Courier New" panose="02070309020205020404" pitchFamily="49" charset="0"/>
@@ -5100,17 +4954,24 @@
               <a:buNone/>
             </a:pPr>
             <a:r>
-              <a:rPr lang="en-US" dirty="0">
-                <a:latin typeface="Courier New" panose="02070309020205020404" pitchFamily="49" charset="0"/>
-                <a:cs typeface="Courier New" panose="02070309020205020404" pitchFamily="49" charset="0"/>
-              </a:rPr>
-              <a:t>ref=../1_ref/</a:t>
-            </a:r>
-            <a:r>
               <a:rPr lang="en-US" dirty="0" err="1">
                 <a:latin typeface="Courier New" panose="02070309020205020404" pitchFamily="49" charset="0"/>
                 <a:cs typeface="Courier New" panose="02070309020205020404" pitchFamily="49" charset="0"/>
               </a:rPr>
+              <a:t>perl</a:t>
+            </a:r>
+            <a:r>
+              <a:rPr lang="en-US" dirty="0">
+                <a:latin typeface="Courier New" panose="02070309020205020404" pitchFamily="49" charset="0"/>
+                <a:cs typeface="Courier New" panose="02070309020205020404" pitchFamily="49" charset="0"/>
+              </a:rPr>
+              <a:t> ../scripts/</a:t>
+            </a:r>
+            <a:r>
+              <a:rPr lang="en-US" dirty="0" err="1">
+                <a:latin typeface="Courier New" panose="02070309020205020404" pitchFamily="49" charset="0"/>
+                <a:cs typeface="Courier New" panose="02070309020205020404" pitchFamily="49" charset="0"/>
+              </a:rPr>
               <a:t>gatk</a:t>
             </a:r>
             <a:r>
@@ -5118,7 +4979,21 @@
                 <a:latin typeface="Courier New" panose="02070309020205020404" pitchFamily="49" charset="0"/>
                 <a:cs typeface="Courier New" panose="02070309020205020404" pitchFamily="49" charset="0"/>
               </a:rPr>
-              <a:t>/covid19ref.fasta</a:t>
+              <a:t>/</a:t>
+            </a:r>
+            <a:r>
+              <a:rPr lang="en-US" dirty="0" err="1">
+                <a:latin typeface="Courier New" panose="02070309020205020404" pitchFamily="49" charset="0"/>
+                <a:cs typeface="Courier New" panose="02070309020205020404" pitchFamily="49" charset="0"/>
+              </a:rPr>
+              <a:t>gatk.sbatch.pl</a:t>
+            </a:r>
+            <a:r>
+              <a:rPr lang="en-US" dirty="0">
+                <a:latin typeface="Courier New" panose="02070309020205020404" pitchFamily="49" charset="0"/>
+                <a:cs typeface="Courier New" panose="02070309020205020404" pitchFamily="49" charset="0"/>
+              </a:rPr>
+              <a:t> \</a:t>
             </a:r>
           </a:p>
           <a:p>
@@ -5130,7 +5005,35 @@
                 <a:latin typeface="Courier New" panose="02070309020205020404" pitchFamily="49" charset="0"/>
                 <a:cs typeface="Courier New" panose="02070309020205020404" pitchFamily="49" charset="0"/>
               </a:rPr>
-              <a:t>out=covid</a:t>
+              <a:t>  --</a:t>
+            </a:r>
+            <a:r>
+              <a:rPr lang="en-US" dirty="0" err="1">
+                <a:latin typeface="Courier New" panose="02070309020205020404" pitchFamily="49" charset="0"/>
+                <a:cs typeface="Courier New" panose="02070309020205020404" pitchFamily="49" charset="0"/>
+              </a:rPr>
+              <a:t>outbase</a:t>
+            </a:r>
+            <a:r>
+              <a:rPr lang="en-US" dirty="0">
+                <a:latin typeface="Courier New" panose="02070309020205020404" pitchFamily="49" charset="0"/>
+                <a:cs typeface="Courier New" panose="02070309020205020404" pitchFamily="49" charset="0"/>
+              </a:rPr>
+              <a:t> $</a:t>
+            </a:r>
+            <a:r>
+              <a:rPr lang="en-US" dirty="0" err="1">
+                <a:latin typeface="Courier New" panose="02070309020205020404" pitchFamily="49" charset="0"/>
+                <a:cs typeface="Courier New" panose="02070309020205020404" pitchFamily="49" charset="0"/>
+              </a:rPr>
+              <a:t>outbase</a:t>
+            </a:r>
+            <a:r>
+              <a:rPr lang="en-US" dirty="0">
+                <a:latin typeface="Courier New" panose="02070309020205020404" pitchFamily="49" charset="0"/>
+                <a:cs typeface="Courier New" panose="02070309020205020404" pitchFamily="49" charset="0"/>
+              </a:rPr>
+              <a:t> \</a:t>
             </a:r>
           </a:p>
           <a:p>
@@ -5138,25 +5041,32 @@
               <a:buNone/>
             </a:pPr>
             <a:r>
+              <a:rPr lang="en-US" dirty="0">
+                <a:latin typeface="Courier New" panose="02070309020205020404" pitchFamily="49" charset="0"/>
+                <a:cs typeface="Courier New" panose="02070309020205020404" pitchFamily="49" charset="0"/>
+              </a:rPr>
+              <a:t>  --</a:t>
+            </a:r>
+            <a:r>
               <a:rPr lang="en-US" dirty="0" err="1">
                 <a:latin typeface="Courier New" panose="02070309020205020404" pitchFamily="49" charset="0"/>
                 <a:cs typeface="Courier New" panose="02070309020205020404" pitchFamily="49" charset="0"/>
               </a:rPr>
-              <a:t>gatk</a:t>
-            </a:r>
-            <a:r>
-              <a:rPr lang="en-US" dirty="0">
-                <a:latin typeface="Courier New" panose="02070309020205020404" pitchFamily="49" charset="0"/>
-                <a:cs typeface="Courier New" panose="02070309020205020404" pitchFamily="49" charset="0"/>
-              </a:rPr>
-              <a:t> </a:t>
+              <a:t>bampaths</a:t>
+            </a:r>
+            <a:r>
+              <a:rPr lang="en-US" dirty="0">
+                <a:latin typeface="Courier New" panose="02070309020205020404" pitchFamily="49" charset="0"/>
+                <a:cs typeface="Courier New" panose="02070309020205020404" pitchFamily="49" charset="0"/>
+              </a:rPr>
+              <a:t> $</a:t>
             </a:r>
             <a:r>
               <a:rPr lang="en-US" dirty="0" err="1">
                 <a:latin typeface="Courier New" panose="02070309020205020404" pitchFamily="49" charset="0"/>
                 <a:cs typeface="Courier New" panose="02070309020205020404" pitchFamily="49" charset="0"/>
               </a:rPr>
-              <a:t>SelectVariants</a:t>
+              <a:t>bampath</a:t>
             </a:r>
             <a:r>
               <a:rPr lang="en-US" dirty="0">
@@ -5175,7 +5085,7 @@
                 <a:latin typeface="Courier New" panose="02070309020205020404" pitchFamily="49" charset="0"/>
                 <a:cs typeface="Courier New" panose="02070309020205020404" pitchFamily="49" charset="0"/>
               </a:rPr>
-              <a:t>-R $ref \</a:t>
+              <a:t>  --ref $ref \</a:t>
             </a:r>
           </a:p>
           <a:p>
@@ -5187,21 +5097,21 @@
                 <a:latin typeface="Courier New" panose="02070309020205020404" pitchFamily="49" charset="0"/>
                 <a:cs typeface="Courier New" panose="02070309020205020404" pitchFamily="49" charset="0"/>
               </a:rPr>
-              <a:t>-V $</a:t>
+              <a:t>  --</a:t>
             </a:r>
             <a:r>
               <a:rPr lang="en-US" dirty="0" err="1">
                 <a:latin typeface="Courier New" panose="02070309020205020404" pitchFamily="49" charset="0"/>
                 <a:cs typeface="Courier New" panose="02070309020205020404" pitchFamily="49" charset="0"/>
               </a:rPr>
-              <a:t>vcf</a:t>
-            </a:r>
-            <a:r>
-              <a:rPr lang="en-US" dirty="0">
-                <a:latin typeface="Courier New" panose="02070309020205020404" pitchFamily="49" charset="0"/>
-                <a:cs typeface="Courier New" panose="02070309020205020404" pitchFamily="49" charset="0"/>
-              </a:rPr>
-              <a:t> \</a:t>
+              <a:t>otherpara</a:t>
+            </a:r>
+            <a:r>
+              <a:rPr lang="en-US" dirty="0">
+                <a:latin typeface="Courier New" panose="02070309020205020404" pitchFamily="49" charset="0"/>
+                <a:cs typeface="Courier New" panose="02070309020205020404" pitchFamily="49" charset="0"/>
+              </a:rPr>
+              <a:t> "--sample-ploidy 1" \</a:t>
             </a:r>
           </a:p>
           <a:p>
@@ -5213,43 +5123,7 @@
                 <a:latin typeface="Courier New" panose="02070309020205020404" pitchFamily="49" charset="0"/>
                 <a:cs typeface="Courier New" panose="02070309020205020404" pitchFamily="49" charset="0"/>
               </a:rPr>
-              <a:t>-select 'DP &gt;= 20' \</a:t>
-            </a:r>
-          </a:p>
-          <a:p>
-            <a:pPr marL="0" indent="0">
-              <a:buNone/>
-            </a:pPr>
-            <a:r>
-              <a:rPr lang="en-US" dirty="0">
-                <a:latin typeface="Courier New" panose="02070309020205020404" pitchFamily="49" charset="0"/>
-                <a:cs typeface="Courier New" panose="02070309020205020404" pitchFamily="49" charset="0"/>
-              </a:rPr>
-              <a:t>-select 'DP &lt;= 500' \</a:t>
-            </a:r>
-          </a:p>
-          <a:p>
-            <a:pPr marL="0" indent="0">
-              <a:buNone/>
-            </a:pPr>
-            <a:r>
-              <a:rPr lang="en-US" dirty="0">
-                <a:latin typeface="Courier New" panose="02070309020205020404" pitchFamily="49" charset="0"/>
-                <a:cs typeface="Courier New" panose="02070309020205020404" pitchFamily="49" charset="0"/>
-              </a:rPr>
-              <a:t>--restrict-alleles-to BIALLELIC \</a:t>
-            </a:r>
-          </a:p>
-          <a:p>
-            <a:pPr marL="0" indent="0">
-              <a:buNone/>
-            </a:pPr>
-            <a:r>
-              <a:rPr lang="en-US" dirty="0">
-                <a:latin typeface="Courier New" panose="02070309020205020404" pitchFamily="49" charset="0"/>
-                <a:cs typeface="Courier New" panose="02070309020205020404" pitchFamily="49" charset="0"/>
-              </a:rPr>
-              <a:t>-O ${out}.1.vcf &amp;&gt;${out}.1.log</a:t>
+              <a:t>  --mem 4G</a:t>
             </a:r>
           </a:p>
           <a:p>
@@ -5266,7 +5140,7 @@
     </p:spTree>
     <p:extLst>
       <p:ext uri="{BB962C8B-B14F-4D97-AF65-F5344CB8AC3E}">
-        <p14:creationId xmlns:p14="http://schemas.microsoft.com/office/powerpoint/2010/main" val="2611324632"/>
+        <p14:creationId xmlns:p14="http://schemas.microsoft.com/office/powerpoint/2010/main" val="922745882"/>
       </p:ext>
     </p:extLst>
   </p:cSld>
@@ -5311,6 +5185,323 @@
         </p:nvSpPr>
         <p:spPr>
           <a:xfrm>
+            <a:off x="628650" y="226030"/>
+            <a:ext cx="7886700" cy="945223"/>
+          </a:xfrm>
+        </p:spPr>
+        <p:txBody>
+          <a:bodyPr>
+            <a:normAutofit/>
+          </a:bodyPr>
+          <a:lstStyle/>
+          <a:p>
+            <a:pPr algn="ctr"/>
+            <a:r>
+              <a:rPr lang="en-US" sz="3200" dirty="0"/>
+              <a:t>4_snp (II) – GATK filtering</a:t>
+            </a:r>
+            <a:br>
+              <a:rPr lang="en-US" sz="3200" dirty="0"/>
+            </a:br>
+            <a:r>
+              <a:rPr lang="en-US" sz="2700" dirty="0">
+                <a:solidFill>
+                  <a:srgbClr val="2FB41D"/>
+                </a:solidFill>
+                <a:effectLst/>
+                <a:latin typeface="Monaco" pitchFamily="2" charset="77"/>
+              </a:rPr>
+              <a:t>2c_varselect.sh</a:t>
+            </a:r>
+            <a:endParaRPr lang="en-US" sz="2700" dirty="0"/>
+          </a:p>
+        </p:txBody>
+      </p:sp>
+      <p:sp>
+        <p:nvSpPr>
+          <p:cNvPr id="3" name="Content Placeholder 2">
+            <a:extLst>
+              <a:ext uri="{FF2B5EF4-FFF2-40B4-BE49-F238E27FC236}">
+                <a16:creationId xmlns:a16="http://schemas.microsoft.com/office/drawing/2014/main" id="{B30B73B8-7B53-23E5-8371-E6AB6065E284}"/>
+              </a:ext>
+            </a:extLst>
+          </p:cNvPr>
+          <p:cNvSpPr>
+            <a:spLocks noGrp="1"/>
+          </p:cNvSpPr>
+          <p:nvPr>
+            <p:ph idx="1"/>
+          </p:nvPr>
+        </p:nvSpPr>
+        <p:spPr>
+          <a:xfrm>
+            <a:off x="628650" y="1387011"/>
+            <a:ext cx="7886700" cy="4646114"/>
+          </a:xfrm>
+        </p:spPr>
+        <p:txBody>
+          <a:bodyPr>
+            <a:normAutofit fontScale="92500" lnSpcReduction="20000"/>
+          </a:bodyPr>
+          <a:lstStyle/>
+          <a:p>
+            <a:pPr marL="0" indent="0">
+              <a:buNone/>
+            </a:pPr>
+            <a:r>
+              <a:rPr lang="en-US" dirty="0">
+                <a:latin typeface="Courier New" panose="02070309020205020404" pitchFamily="49" charset="0"/>
+                <a:cs typeface="Courier New" panose="02070309020205020404" pitchFamily="49" charset="0"/>
+              </a:rPr>
+              <a:t># generate a bam list</a:t>
+            </a:r>
+          </a:p>
+          <a:p>
+            <a:pPr marL="0" indent="0">
+              <a:buNone/>
+            </a:pPr>
+            <a:r>
+              <a:rPr lang="en-US" dirty="0" err="1">
+                <a:latin typeface="Courier New" panose="02070309020205020404" pitchFamily="49" charset="0"/>
+                <a:cs typeface="Courier New" panose="02070309020205020404" pitchFamily="49" charset="0"/>
+              </a:rPr>
+              <a:t>vcf</a:t>
+            </a:r>
+            <a:r>
+              <a:rPr lang="en-US" dirty="0">
+                <a:latin typeface="Courier New" panose="02070309020205020404" pitchFamily="49" charset="0"/>
+                <a:cs typeface="Courier New" panose="02070309020205020404" pitchFamily="49" charset="0"/>
+              </a:rPr>
+              <a:t>=covid_SunApr91345362023/</a:t>
+            </a:r>
+            <a:r>
+              <a:rPr lang="en-US" dirty="0" err="1">
+                <a:latin typeface="Courier New" panose="02070309020205020404" pitchFamily="49" charset="0"/>
+                <a:cs typeface="Courier New" panose="02070309020205020404" pitchFamily="49" charset="0"/>
+              </a:rPr>
+              <a:t>covid.vcf</a:t>
+            </a:r>
+            <a:endParaRPr lang="en-US" dirty="0">
+              <a:latin typeface="Courier New" panose="02070309020205020404" pitchFamily="49" charset="0"/>
+              <a:cs typeface="Courier New" panose="02070309020205020404" pitchFamily="49" charset="0"/>
+            </a:endParaRPr>
+          </a:p>
+          <a:p>
+            <a:pPr marL="0" indent="0">
+              <a:buNone/>
+            </a:pPr>
+            <a:r>
+              <a:rPr lang="en-US" dirty="0">
+                <a:latin typeface="Courier New" panose="02070309020205020404" pitchFamily="49" charset="0"/>
+                <a:cs typeface="Courier New" panose="02070309020205020404" pitchFamily="49" charset="0"/>
+              </a:rPr>
+              <a:t>ref=../1_ref/</a:t>
+            </a:r>
+            <a:r>
+              <a:rPr lang="en-US" dirty="0" err="1">
+                <a:latin typeface="Courier New" panose="02070309020205020404" pitchFamily="49" charset="0"/>
+                <a:cs typeface="Courier New" panose="02070309020205020404" pitchFamily="49" charset="0"/>
+              </a:rPr>
+              <a:t>gatk</a:t>
+            </a:r>
+            <a:r>
+              <a:rPr lang="en-US" dirty="0">
+                <a:latin typeface="Courier New" panose="02070309020205020404" pitchFamily="49" charset="0"/>
+                <a:cs typeface="Courier New" panose="02070309020205020404" pitchFamily="49" charset="0"/>
+              </a:rPr>
+              <a:t>/covid19ref.fasta</a:t>
+            </a:r>
+          </a:p>
+          <a:p>
+            <a:pPr marL="0" indent="0">
+              <a:buNone/>
+            </a:pPr>
+            <a:r>
+              <a:rPr lang="en-US" dirty="0">
+                <a:latin typeface="Courier New" panose="02070309020205020404" pitchFamily="49" charset="0"/>
+                <a:cs typeface="Courier New" panose="02070309020205020404" pitchFamily="49" charset="0"/>
+              </a:rPr>
+              <a:t>out=covid</a:t>
+            </a:r>
+          </a:p>
+          <a:p>
+            <a:pPr marL="0" indent="0">
+              <a:buNone/>
+            </a:pPr>
+            <a:r>
+              <a:rPr lang="en-US" dirty="0" err="1">
+                <a:latin typeface="Courier New" panose="02070309020205020404" pitchFamily="49" charset="0"/>
+                <a:cs typeface="Courier New" panose="02070309020205020404" pitchFamily="49" charset="0"/>
+              </a:rPr>
+              <a:t>gatk</a:t>
+            </a:r>
+            <a:r>
+              <a:rPr lang="en-US" dirty="0">
+                <a:latin typeface="Courier New" panose="02070309020205020404" pitchFamily="49" charset="0"/>
+                <a:cs typeface="Courier New" panose="02070309020205020404" pitchFamily="49" charset="0"/>
+              </a:rPr>
+              <a:t> </a:t>
+            </a:r>
+            <a:r>
+              <a:rPr lang="en-US" dirty="0" err="1">
+                <a:latin typeface="Courier New" panose="02070309020205020404" pitchFamily="49" charset="0"/>
+                <a:cs typeface="Courier New" panose="02070309020205020404" pitchFamily="49" charset="0"/>
+              </a:rPr>
+              <a:t>SelectVariants</a:t>
+            </a:r>
+            <a:r>
+              <a:rPr lang="en-US" dirty="0">
+                <a:latin typeface="Courier New" panose="02070309020205020404" pitchFamily="49" charset="0"/>
+                <a:cs typeface="Courier New" panose="02070309020205020404" pitchFamily="49" charset="0"/>
+              </a:rPr>
+              <a:t> \</a:t>
+            </a:r>
+          </a:p>
+          <a:p>
+            <a:pPr marL="0" indent="0">
+              <a:buNone/>
+            </a:pPr>
+            <a:r>
+              <a:rPr lang="en-US" dirty="0">
+                <a:latin typeface="Courier New" panose="02070309020205020404" pitchFamily="49" charset="0"/>
+                <a:cs typeface="Courier New" panose="02070309020205020404" pitchFamily="49" charset="0"/>
+              </a:rPr>
+              <a:t>-R $ref \</a:t>
+            </a:r>
+          </a:p>
+          <a:p>
+            <a:pPr marL="0" indent="0">
+              <a:buNone/>
+            </a:pPr>
+            <a:r>
+              <a:rPr lang="en-US" dirty="0">
+                <a:latin typeface="Courier New" panose="02070309020205020404" pitchFamily="49" charset="0"/>
+                <a:cs typeface="Courier New" panose="02070309020205020404" pitchFamily="49" charset="0"/>
+              </a:rPr>
+              <a:t>-V $</a:t>
+            </a:r>
+            <a:r>
+              <a:rPr lang="en-US" dirty="0" err="1">
+                <a:latin typeface="Courier New" panose="02070309020205020404" pitchFamily="49" charset="0"/>
+                <a:cs typeface="Courier New" panose="02070309020205020404" pitchFamily="49" charset="0"/>
+              </a:rPr>
+              <a:t>vcf</a:t>
+            </a:r>
+            <a:r>
+              <a:rPr lang="en-US" dirty="0">
+                <a:latin typeface="Courier New" panose="02070309020205020404" pitchFamily="49" charset="0"/>
+                <a:cs typeface="Courier New" panose="02070309020205020404" pitchFamily="49" charset="0"/>
+              </a:rPr>
+              <a:t> \</a:t>
+            </a:r>
+          </a:p>
+          <a:p>
+            <a:pPr marL="0" indent="0">
+              <a:buNone/>
+            </a:pPr>
+            <a:r>
+              <a:rPr lang="en-US" dirty="0">
+                <a:latin typeface="Courier New" panose="02070309020205020404" pitchFamily="49" charset="0"/>
+                <a:cs typeface="Courier New" panose="02070309020205020404" pitchFamily="49" charset="0"/>
+              </a:rPr>
+              <a:t>-select 'DP &gt;= 20' \</a:t>
+            </a:r>
+          </a:p>
+          <a:p>
+            <a:pPr marL="0" indent="0">
+              <a:buNone/>
+            </a:pPr>
+            <a:r>
+              <a:rPr lang="en-US" dirty="0">
+                <a:latin typeface="Courier New" panose="02070309020205020404" pitchFamily="49" charset="0"/>
+                <a:cs typeface="Courier New" panose="02070309020205020404" pitchFamily="49" charset="0"/>
+              </a:rPr>
+              <a:t>-select 'DP &lt;= 500' \</a:t>
+            </a:r>
+          </a:p>
+          <a:p>
+            <a:pPr marL="0" indent="0">
+              <a:buNone/>
+            </a:pPr>
+            <a:r>
+              <a:rPr lang="en-US" dirty="0">
+                <a:latin typeface="Courier New" panose="02070309020205020404" pitchFamily="49" charset="0"/>
+                <a:cs typeface="Courier New" panose="02070309020205020404" pitchFamily="49" charset="0"/>
+              </a:rPr>
+              <a:t>--restrict-alleles-to BIALLELIC \</a:t>
+            </a:r>
+          </a:p>
+          <a:p>
+            <a:pPr marL="0" indent="0">
+              <a:buNone/>
+            </a:pPr>
+            <a:r>
+              <a:rPr lang="en-US" dirty="0">
+                <a:latin typeface="Courier New" panose="02070309020205020404" pitchFamily="49" charset="0"/>
+                <a:cs typeface="Courier New" panose="02070309020205020404" pitchFamily="49" charset="0"/>
+              </a:rPr>
+              <a:t>-O ${out}.1.vcf &amp;&gt;${out}.1.log</a:t>
+            </a:r>
+          </a:p>
+          <a:p>
+            <a:pPr marL="0" indent="0">
+              <a:buNone/>
+            </a:pPr>
+            <a:endParaRPr lang="en-US" dirty="0">
+              <a:latin typeface="Courier New" panose="02070309020205020404" pitchFamily="49" charset="0"/>
+              <a:cs typeface="Courier New" panose="02070309020205020404" pitchFamily="49" charset="0"/>
+            </a:endParaRPr>
+          </a:p>
+        </p:txBody>
+      </p:sp>
+    </p:spTree>
+    <p:extLst>
+      <p:ext uri="{BB962C8B-B14F-4D97-AF65-F5344CB8AC3E}">
+        <p14:creationId xmlns:p14="http://schemas.microsoft.com/office/powerpoint/2010/main" val="2611324632"/>
+      </p:ext>
+    </p:extLst>
+  </p:cSld>
+  <p:clrMapOvr>
+    <a:masterClrMapping/>
+  </p:clrMapOvr>
+</p:sld>
+</file>
+
+<file path=ppt/slides/slide17.xml><?xml version="1.0" encoding="utf-8"?>
+<p:sld xmlns:a="http://schemas.openxmlformats.org/drawingml/2006/main" xmlns:r="http://schemas.openxmlformats.org/officeDocument/2006/relationships" xmlns:p="http://schemas.openxmlformats.org/presentationml/2006/main">
+  <p:cSld>
+    <p:spTree>
+      <p:nvGrpSpPr>
+        <p:cNvPr id="1" name=""/>
+        <p:cNvGrpSpPr/>
+        <p:nvPr/>
+      </p:nvGrpSpPr>
+      <p:grpSpPr>
+        <a:xfrm>
+          <a:off x="0" y="0"/>
+          <a:ext cx="0" cy="0"/>
+          <a:chOff x="0" y="0"/>
+          <a:chExt cx="0" cy="0"/>
+        </a:xfrm>
+      </p:grpSpPr>
+      <p:sp>
+        <p:nvSpPr>
+          <p:cNvPr id="2" name="Title 1">
+            <a:extLst>
+              <a:ext uri="{FF2B5EF4-FFF2-40B4-BE49-F238E27FC236}">
+                <a16:creationId xmlns:a16="http://schemas.microsoft.com/office/drawing/2014/main" id="{DC76DADE-2A74-0D26-0990-A3571030C7DB}"/>
+              </a:ext>
+            </a:extLst>
+          </p:cNvPr>
+          <p:cNvSpPr>
+            <a:spLocks noGrp="1"/>
+          </p:cNvSpPr>
+          <p:nvPr>
+            <p:ph type="title"/>
+          </p:nvPr>
+        </p:nvSpPr>
+        <p:spPr>
+          <a:xfrm>
             <a:off x="628650" y="365127"/>
             <a:ext cx="7886700" cy="1258190"/>
           </a:xfrm>
@@ -5456,7 +5647,7 @@
 </p:sld>
 </file>
 
-<file path=ppt/slides/slide17.xml><?xml version="1.0" encoding="utf-8"?>
+<file path=ppt/slides/slide18.xml><?xml version="1.0" encoding="utf-8"?>
 <p:sld xmlns:a="http://schemas.openxmlformats.org/drawingml/2006/main" xmlns:r="http://schemas.openxmlformats.org/officeDocument/2006/relationships" xmlns:p="http://schemas.openxmlformats.org/presentationml/2006/main">
   <p:cSld>
     <p:spTree>
@@ -5832,314 +6023,6 @@
 </p:sld>
 </file>
 
-<file path=ppt/slides/slide18.xml><?xml version="1.0" encoding="utf-8"?>
-<p:sld xmlns:a="http://schemas.openxmlformats.org/drawingml/2006/main" xmlns:r="http://schemas.openxmlformats.org/officeDocument/2006/relationships" xmlns:p="http://schemas.openxmlformats.org/presentationml/2006/main">
-  <p:cSld>
-    <p:spTree>
-      <p:nvGrpSpPr>
-        <p:cNvPr id="1" name=""/>
-        <p:cNvGrpSpPr/>
-        <p:nvPr/>
-      </p:nvGrpSpPr>
-      <p:grpSpPr>
-        <a:xfrm>
-          <a:off x="0" y="0"/>
-          <a:ext cx="0" cy="0"/>
-          <a:chOff x="0" y="0"/>
-          <a:chExt cx="0" cy="0"/>
-        </a:xfrm>
-      </p:grpSpPr>
-      <p:sp>
-        <p:nvSpPr>
-          <p:cNvPr id="2" name="Title 1">
-            <a:extLst>
-              <a:ext uri="{FF2B5EF4-FFF2-40B4-BE49-F238E27FC236}">
-                <a16:creationId xmlns:a16="http://schemas.microsoft.com/office/drawing/2014/main" id="{DC76DADE-2A74-0D26-0990-A3571030C7DB}"/>
-              </a:ext>
-            </a:extLst>
-          </p:cNvPr>
-          <p:cNvSpPr>
-            <a:spLocks noGrp="1"/>
-          </p:cNvSpPr>
-          <p:nvPr>
-            <p:ph type="title"/>
-          </p:nvPr>
-        </p:nvSpPr>
-        <p:spPr>
-          <a:xfrm>
-            <a:off x="628650" y="365127"/>
-            <a:ext cx="7886700" cy="1032158"/>
-          </a:xfrm>
-        </p:spPr>
-        <p:txBody>
-          <a:bodyPr>
-            <a:normAutofit fontScale="90000"/>
-          </a:bodyPr>
-          <a:lstStyle/>
-          <a:p>
-            <a:pPr algn="ctr"/>
-            <a:r>
-              <a:rPr lang="en-US" sz="3200" dirty="0"/>
-              <a:t>5_tree (II) – tree construction with a selected model</a:t>
-            </a:r>
-            <a:br>
-              <a:rPr lang="en-US" sz="3200" dirty="0"/>
-            </a:br>
-            <a:r>
-              <a:rPr lang="en-US" sz="2700" dirty="0">
-                <a:solidFill>
-                  <a:srgbClr val="2FB41D"/>
-                </a:solidFill>
-                <a:effectLst/>
-                <a:latin typeface="Monaco" pitchFamily="2" charset="77"/>
-              </a:rPr>
-              <a:t>2c_iqtree.sh</a:t>
-            </a:r>
-            <a:endParaRPr lang="en-US" sz="2700" dirty="0"/>
-          </a:p>
-        </p:txBody>
-      </p:sp>
-      <p:sp>
-        <p:nvSpPr>
-          <p:cNvPr id="3" name="Content Placeholder 2">
-            <a:extLst>
-              <a:ext uri="{FF2B5EF4-FFF2-40B4-BE49-F238E27FC236}">
-                <a16:creationId xmlns:a16="http://schemas.microsoft.com/office/drawing/2014/main" id="{B30B73B8-7B53-23E5-8371-E6AB6065E284}"/>
-              </a:ext>
-            </a:extLst>
-          </p:cNvPr>
-          <p:cNvSpPr>
-            <a:spLocks noGrp="1"/>
-          </p:cNvSpPr>
-          <p:nvPr>
-            <p:ph idx="1"/>
-          </p:nvPr>
-        </p:nvSpPr>
-        <p:spPr>
-          <a:xfrm>
-            <a:off x="628650" y="1761624"/>
-            <a:ext cx="7886700" cy="3560390"/>
-          </a:xfrm>
-        </p:spPr>
-        <p:txBody>
-          <a:bodyPr>
-            <a:normAutofit/>
-          </a:bodyPr>
-          <a:lstStyle/>
-          <a:p>
-            <a:pPr marL="0" indent="0">
-              <a:buNone/>
-            </a:pPr>
-            <a:r>
-              <a:rPr lang="en-US" dirty="0" err="1">
-                <a:latin typeface="Courier New" panose="02070309020205020404" pitchFamily="49" charset="0"/>
-                <a:cs typeface="Courier New" panose="02070309020205020404" pitchFamily="49" charset="0"/>
-              </a:rPr>
-              <a:t>fasta</a:t>
-            </a:r>
-            <a:r>
-              <a:rPr lang="en-US" dirty="0">
-                <a:latin typeface="Courier New" panose="02070309020205020404" pitchFamily="49" charset="0"/>
-                <a:cs typeface="Courier New" panose="02070309020205020404" pitchFamily="49" charset="0"/>
-              </a:rPr>
-              <a:t>=../4_snp/covid.1.min3.phy</a:t>
-            </a:r>
-          </a:p>
-          <a:p>
-            <a:pPr marL="0" indent="0">
-              <a:buNone/>
-            </a:pPr>
-            <a:r>
-              <a:rPr lang="en-US" dirty="0">
-                <a:latin typeface="Courier New" panose="02070309020205020404" pitchFamily="49" charset="0"/>
-                <a:cs typeface="Courier New" panose="02070309020205020404" pitchFamily="49" charset="0"/>
-              </a:rPr>
-              <a:t>in=covid.2</a:t>
-            </a:r>
-          </a:p>
-          <a:p>
-            <a:pPr marL="0" indent="0">
-              <a:buNone/>
-            </a:pPr>
-            <a:r>
-              <a:rPr lang="en-US" dirty="0">
-                <a:latin typeface="Courier New" panose="02070309020205020404" pitchFamily="49" charset="0"/>
-                <a:cs typeface="Courier New" panose="02070309020205020404" pitchFamily="49" charset="0"/>
-              </a:rPr>
-              <a:t>ln -s $</a:t>
-            </a:r>
-            <a:r>
-              <a:rPr lang="en-US" dirty="0" err="1">
-                <a:latin typeface="Courier New" panose="02070309020205020404" pitchFamily="49" charset="0"/>
-                <a:cs typeface="Courier New" panose="02070309020205020404" pitchFamily="49" charset="0"/>
-              </a:rPr>
-              <a:t>fasta</a:t>
-            </a:r>
-            <a:r>
-              <a:rPr lang="en-US" dirty="0">
-                <a:latin typeface="Courier New" panose="02070309020205020404" pitchFamily="49" charset="0"/>
-                <a:cs typeface="Courier New" panose="02070309020205020404" pitchFamily="49" charset="0"/>
-              </a:rPr>
-              <a:t> $in</a:t>
-            </a:r>
-          </a:p>
-          <a:p>
-            <a:pPr marL="0" indent="0">
-              <a:buNone/>
-            </a:pPr>
-            <a:r>
-              <a:rPr lang="en-US" dirty="0">
-                <a:latin typeface="Courier New" panose="02070309020205020404" pitchFamily="49" charset="0"/>
-                <a:cs typeface="Courier New" panose="02070309020205020404" pitchFamily="49" charset="0"/>
-              </a:rPr>
-              <a:t># model</a:t>
-            </a:r>
-          </a:p>
-          <a:p>
-            <a:pPr marL="0" indent="0">
-              <a:buNone/>
-            </a:pPr>
-            <a:r>
-              <a:rPr lang="en-US" dirty="0">
-                <a:solidFill>
-                  <a:srgbClr val="FF0000"/>
-                </a:solidFill>
-                <a:latin typeface="Courier New" panose="02070309020205020404" pitchFamily="49" charset="0"/>
-                <a:cs typeface="Courier New" panose="02070309020205020404" pitchFamily="49" charset="0"/>
-              </a:rPr>
-              <a:t>model=K2P</a:t>
-            </a:r>
-          </a:p>
-          <a:p>
-            <a:pPr marL="0" indent="0">
-              <a:buNone/>
-            </a:pPr>
-            <a:r>
-              <a:rPr lang="en-US" dirty="0">
-                <a:latin typeface="Courier New" panose="02070309020205020404" pitchFamily="49" charset="0"/>
-                <a:cs typeface="Courier New" panose="02070309020205020404" pitchFamily="49" charset="0"/>
-              </a:rPr>
-              <a:t>../scripts/iqtree2/bin/iqtree2 \</a:t>
-            </a:r>
-          </a:p>
-          <a:p>
-            <a:pPr marL="0" indent="0">
-              <a:buNone/>
-            </a:pPr>
-            <a:r>
-              <a:rPr lang="en-US" dirty="0">
-                <a:latin typeface="Courier New" panose="02070309020205020404" pitchFamily="49" charset="0"/>
-                <a:cs typeface="Courier New" panose="02070309020205020404" pitchFamily="49" charset="0"/>
-              </a:rPr>
-              <a:t>	-m $model -s $in -</a:t>
-            </a:r>
-            <a:r>
-              <a:rPr lang="en-US" dirty="0" err="1">
-                <a:latin typeface="Courier New" panose="02070309020205020404" pitchFamily="49" charset="0"/>
-                <a:cs typeface="Courier New" panose="02070309020205020404" pitchFamily="49" charset="0"/>
-              </a:rPr>
-              <a:t>nt</a:t>
-            </a:r>
-            <a:r>
-              <a:rPr lang="en-US" dirty="0">
-                <a:latin typeface="Courier New" panose="02070309020205020404" pitchFamily="49" charset="0"/>
-                <a:cs typeface="Courier New" panose="02070309020205020404" pitchFamily="49" charset="0"/>
-              </a:rPr>
-              <a:t> 1</a:t>
-            </a:r>
-          </a:p>
-        </p:txBody>
-      </p:sp>
-      <p:sp>
-        <p:nvSpPr>
-          <p:cNvPr id="6" name="TextBox 5">
-            <a:extLst>
-              <a:ext uri="{FF2B5EF4-FFF2-40B4-BE49-F238E27FC236}">
-                <a16:creationId xmlns:a16="http://schemas.microsoft.com/office/drawing/2014/main" id="{56E64046-ED34-8A22-37BF-743DBD020392}"/>
-              </a:ext>
-            </a:extLst>
-          </p:cNvPr>
-          <p:cNvSpPr txBox="1"/>
-          <p:nvPr/>
-        </p:nvSpPr>
-        <p:spPr>
-          <a:xfrm>
-            <a:off x="628650" y="5543510"/>
-            <a:ext cx="3547381" cy="954107"/>
-          </a:xfrm>
-          <a:prstGeom prst="rect">
-            <a:avLst/>
-          </a:prstGeom>
-          <a:noFill/>
-        </p:spPr>
-        <p:txBody>
-          <a:bodyPr wrap="none" rtlCol="0">
-            <a:spAutoFit/>
-          </a:bodyPr>
-          <a:lstStyle/>
-          <a:p>
-            <a:r>
-              <a:rPr lang="en-US" sz="2800" dirty="0" err="1">
-                <a:solidFill>
-                  <a:schemeClr val="tx1">
-                    <a:lumMod val="95000"/>
-                    <a:lumOff val="5000"/>
-                  </a:schemeClr>
-                </a:solidFill>
-                <a:effectLst/>
-              </a:rPr>
-              <a:t>maxium</a:t>
-            </a:r>
-            <a:r>
-              <a:rPr lang="en-US" sz="2800" dirty="0">
-                <a:solidFill>
-                  <a:schemeClr val="tx1">
-                    <a:lumMod val="95000"/>
-                    <a:lumOff val="5000"/>
-                  </a:schemeClr>
-                </a:solidFill>
-              </a:rPr>
-              <a:t> likelihood tree</a:t>
-            </a:r>
-            <a:endParaRPr lang="en-US" sz="2800" dirty="0">
-              <a:solidFill>
-                <a:schemeClr val="tx1">
-                  <a:lumMod val="95000"/>
-                  <a:lumOff val="5000"/>
-                </a:schemeClr>
-              </a:solidFill>
-              <a:effectLst/>
-            </a:endParaRPr>
-          </a:p>
-          <a:p>
-            <a:r>
-              <a:rPr lang="en-US" sz="2800" dirty="0">
-                <a:solidFill>
-                  <a:schemeClr val="tx1">
-                    <a:lumMod val="95000"/>
-                    <a:lumOff val="5000"/>
-                  </a:schemeClr>
-                </a:solidFill>
-                <a:effectLst/>
-              </a:rPr>
-              <a:t>covid.2.treefile </a:t>
-            </a:r>
-          </a:p>
-        </p:txBody>
-      </p:sp>
-    </p:spTree>
-    <p:extLst>
-      <p:ext uri="{BB962C8B-B14F-4D97-AF65-F5344CB8AC3E}">
-        <p14:creationId xmlns:p14="http://schemas.microsoft.com/office/powerpoint/2010/main" val="2516774485"/>
-      </p:ext>
-    </p:extLst>
-  </p:cSld>
-  <p:clrMapOvr>
-    <a:masterClrMapping/>
-  </p:clrMapOvr>
-</p:sld>
-</file>
-
 <file path=ppt/slides/slide19.xml><?xml version="1.0" encoding="utf-8"?>
 <p:sld xmlns:a="http://schemas.openxmlformats.org/drawingml/2006/main" xmlns:r="http://schemas.openxmlformats.org/officeDocument/2006/relationships" xmlns:p="http://schemas.openxmlformats.org/presentationml/2006/main">
   <p:cSld>
@@ -6181,13 +6064,213 @@
         </p:spPr>
         <p:txBody>
           <a:bodyPr>
+            <a:normAutofit fontScale="90000"/>
+          </a:bodyPr>
+          <a:lstStyle/>
+          <a:p>
+            <a:pPr algn="ctr"/>
+            <a:r>
+              <a:rPr lang="en-US" sz="3200" dirty="0"/>
+              <a:t>5_tree (II) – tree construction with a selected model</a:t>
+            </a:r>
+            <a:br>
+              <a:rPr lang="en-US" sz="3200" dirty="0"/>
+            </a:br>
+            <a:r>
+              <a:rPr lang="en-US" sz="2700" dirty="0">
+                <a:solidFill>
+                  <a:srgbClr val="2FB41D"/>
+                </a:solidFill>
+                <a:effectLst/>
+                <a:latin typeface="Monaco" pitchFamily="2" charset="77"/>
+              </a:rPr>
+              <a:t>2c_iqtree.sh</a:t>
+            </a:r>
+            <a:endParaRPr lang="en-US" sz="2700" dirty="0"/>
+          </a:p>
+        </p:txBody>
+      </p:sp>
+      <p:sp>
+        <p:nvSpPr>
+          <p:cNvPr id="3" name="Content Placeholder 2">
+            <a:extLst>
+              <a:ext uri="{FF2B5EF4-FFF2-40B4-BE49-F238E27FC236}">
+                <a16:creationId xmlns:a16="http://schemas.microsoft.com/office/drawing/2014/main" id="{B30B73B8-7B53-23E5-8371-E6AB6065E284}"/>
+              </a:ext>
+            </a:extLst>
+          </p:cNvPr>
+          <p:cNvSpPr>
+            <a:spLocks noGrp="1"/>
+          </p:cNvSpPr>
+          <p:nvPr>
+            <p:ph idx="1"/>
+          </p:nvPr>
+        </p:nvSpPr>
+        <p:spPr>
+          <a:xfrm>
+            <a:off x="628650" y="1761624"/>
+            <a:ext cx="7886700" cy="3560390"/>
+          </a:xfrm>
+        </p:spPr>
+        <p:txBody>
+          <a:bodyPr>
             <a:normAutofit/>
           </a:bodyPr>
           <a:lstStyle/>
           <a:p>
-            <a:pPr algn="ctr"/>
-            <a:r>
-              <a:rPr lang="en-US" sz="3200" dirty="0" err="1">
+            <a:pPr marL="0" indent="0">
+              <a:buNone/>
+            </a:pPr>
+            <a:r>
+              <a:rPr lang="en-US" dirty="0" err="1">
+                <a:latin typeface="Courier New" panose="02070309020205020404" pitchFamily="49" charset="0"/>
+                <a:cs typeface="Courier New" panose="02070309020205020404" pitchFamily="49" charset="0"/>
+              </a:rPr>
+              <a:t>fasta</a:t>
+            </a:r>
+            <a:r>
+              <a:rPr lang="en-US" dirty="0">
+                <a:latin typeface="Courier New" panose="02070309020205020404" pitchFamily="49" charset="0"/>
+                <a:cs typeface="Courier New" panose="02070309020205020404" pitchFamily="49" charset="0"/>
+              </a:rPr>
+              <a:t>=../4_snp/covid.1.min3.phy</a:t>
+            </a:r>
+          </a:p>
+          <a:p>
+            <a:pPr marL="0" indent="0">
+              <a:buNone/>
+            </a:pPr>
+            <a:r>
+              <a:rPr lang="en-US" dirty="0">
+                <a:latin typeface="Courier New" panose="02070309020205020404" pitchFamily="49" charset="0"/>
+                <a:cs typeface="Courier New" panose="02070309020205020404" pitchFamily="49" charset="0"/>
+              </a:rPr>
+              <a:t>in=covid.2</a:t>
+            </a:r>
+          </a:p>
+          <a:p>
+            <a:pPr marL="0" indent="0">
+              <a:buNone/>
+            </a:pPr>
+            <a:r>
+              <a:rPr lang="en-US" dirty="0">
+                <a:latin typeface="Courier New" panose="02070309020205020404" pitchFamily="49" charset="0"/>
+                <a:cs typeface="Courier New" panose="02070309020205020404" pitchFamily="49" charset="0"/>
+              </a:rPr>
+              <a:t>ln -s $</a:t>
+            </a:r>
+            <a:r>
+              <a:rPr lang="en-US" dirty="0" err="1">
+                <a:latin typeface="Courier New" panose="02070309020205020404" pitchFamily="49" charset="0"/>
+                <a:cs typeface="Courier New" panose="02070309020205020404" pitchFamily="49" charset="0"/>
+              </a:rPr>
+              <a:t>fasta</a:t>
+            </a:r>
+            <a:r>
+              <a:rPr lang="en-US" dirty="0">
+                <a:latin typeface="Courier New" panose="02070309020205020404" pitchFamily="49" charset="0"/>
+                <a:cs typeface="Courier New" panose="02070309020205020404" pitchFamily="49" charset="0"/>
+              </a:rPr>
+              <a:t> $in</a:t>
+            </a:r>
+          </a:p>
+          <a:p>
+            <a:pPr marL="0" indent="0">
+              <a:buNone/>
+            </a:pPr>
+            <a:r>
+              <a:rPr lang="en-US" dirty="0">
+                <a:latin typeface="Courier New" panose="02070309020205020404" pitchFamily="49" charset="0"/>
+                <a:cs typeface="Courier New" panose="02070309020205020404" pitchFamily="49" charset="0"/>
+              </a:rPr>
+              <a:t># model</a:t>
+            </a:r>
+          </a:p>
+          <a:p>
+            <a:pPr marL="0" indent="0">
+              <a:buNone/>
+            </a:pPr>
+            <a:r>
+              <a:rPr lang="en-US" dirty="0">
+                <a:solidFill>
+                  <a:srgbClr val="FF0000"/>
+                </a:solidFill>
+                <a:latin typeface="Courier New" panose="02070309020205020404" pitchFamily="49" charset="0"/>
+                <a:cs typeface="Courier New" panose="02070309020205020404" pitchFamily="49" charset="0"/>
+              </a:rPr>
+              <a:t>model=K2P</a:t>
+            </a:r>
+          </a:p>
+          <a:p>
+            <a:pPr marL="0" indent="0">
+              <a:buNone/>
+            </a:pPr>
+            <a:r>
+              <a:rPr lang="en-US" dirty="0">
+                <a:latin typeface="Courier New" panose="02070309020205020404" pitchFamily="49" charset="0"/>
+                <a:cs typeface="Courier New" panose="02070309020205020404" pitchFamily="49" charset="0"/>
+              </a:rPr>
+              <a:t>../scripts/iqtree2/bin/iqtree2 \</a:t>
+            </a:r>
+          </a:p>
+          <a:p>
+            <a:pPr marL="0" indent="0">
+              <a:buNone/>
+            </a:pPr>
+            <a:r>
+              <a:rPr lang="en-US" dirty="0">
+                <a:latin typeface="Courier New" panose="02070309020205020404" pitchFamily="49" charset="0"/>
+                <a:cs typeface="Courier New" panose="02070309020205020404" pitchFamily="49" charset="0"/>
+              </a:rPr>
+              <a:t>	-m $model -s $in -</a:t>
+            </a:r>
+            <a:r>
+              <a:rPr lang="en-US" dirty="0" err="1">
+                <a:latin typeface="Courier New" panose="02070309020205020404" pitchFamily="49" charset="0"/>
+                <a:cs typeface="Courier New" panose="02070309020205020404" pitchFamily="49" charset="0"/>
+              </a:rPr>
+              <a:t>nt</a:t>
+            </a:r>
+            <a:r>
+              <a:rPr lang="en-US" dirty="0">
+                <a:latin typeface="Courier New" panose="02070309020205020404" pitchFamily="49" charset="0"/>
+                <a:cs typeface="Courier New" panose="02070309020205020404" pitchFamily="49" charset="0"/>
+              </a:rPr>
+              <a:t> 1</a:t>
+            </a:r>
+          </a:p>
+        </p:txBody>
+      </p:sp>
+      <p:sp>
+        <p:nvSpPr>
+          <p:cNvPr id="6" name="TextBox 5">
+            <a:extLst>
+              <a:ext uri="{FF2B5EF4-FFF2-40B4-BE49-F238E27FC236}">
+                <a16:creationId xmlns:a16="http://schemas.microsoft.com/office/drawing/2014/main" id="{56E64046-ED34-8A22-37BF-743DBD020392}"/>
+              </a:ext>
+            </a:extLst>
+          </p:cNvPr>
+          <p:cNvSpPr txBox="1"/>
+          <p:nvPr/>
+        </p:nvSpPr>
+        <p:spPr>
+          <a:xfrm>
+            <a:off x="628650" y="5543510"/>
+            <a:ext cx="3547381" cy="954107"/>
+          </a:xfrm>
+          <a:prstGeom prst="rect">
+            <a:avLst/>
+          </a:prstGeom>
+          <a:noFill/>
+        </p:spPr>
+        <p:txBody>
+          <a:bodyPr wrap="none" rtlCol="0">
+            <a:spAutoFit/>
+          </a:bodyPr>
+          <a:lstStyle/>
+          <a:p>
+            <a:r>
+              <a:rPr lang="en-US" sz="2800" dirty="0" err="1">
                 <a:solidFill>
                   <a:schemeClr val="tx1">
                     <a:lumMod val="95000"/>
@@ -6199,7 +6282,7 @@
               <a:t>maxium</a:t>
             </a:r>
             <a:r>
-              <a:rPr lang="en-US" sz="3200" dirty="0">
+              <a:rPr lang="en-US" sz="2800" dirty="0">
                 <a:solidFill>
                   <a:schemeClr val="tx1">
                     <a:lumMod val="95000"/>
@@ -6209,8 +6292,19 @@
               </a:rPr>
               <a:t> likelihood tree</a:t>
             </a:r>
-            <a:br>
-              <a:rPr lang="en-US" sz="2400" dirty="0">
+            <a:endParaRPr lang="en-US" sz="2800" dirty="0">
+              <a:solidFill>
+                <a:schemeClr val="tx1">
+                  <a:lumMod val="95000"/>
+                  <a:lumOff val="5000"/>
+                </a:schemeClr>
+              </a:solidFill>
+              <a:effectLst/>
+            </a:endParaRPr>
+          </a:p>
+          <a:p>
+            <a:r>
+              <a:rPr lang="en-US" sz="2800" dirty="0">
                 <a:solidFill>
                   <a:schemeClr val="tx1">
                     <a:lumMod val="95000"/>
@@ -6219,157 +6313,7 @@
                 </a:solidFill>
                 <a:effectLst/>
               </a:rPr>
-            </a:br>
-            <a:r>
-              <a:rPr lang="en-US" sz="2400" dirty="0">
-                <a:solidFill>
-                  <a:srgbClr val="2FB41D"/>
-                </a:solidFill>
-                <a:latin typeface="Monaco" pitchFamily="2" charset="77"/>
-              </a:rPr>
               <a:t>covid.2.treefile </a:t>
-            </a:r>
-          </a:p>
-        </p:txBody>
-      </p:sp>
-      <p:sp>
-        <p:nvSpPr>
-          <p:cNvPr id="3" name="Content Placeholder 2">
-            <a:extLst>
-              <a:ext uri="{FF2B5EF4-FFF2-40B4-BE49-F238E27FC236}">
-                <a16:creationId xmlns:a16="http://schemas.microsoft.com/office/drawing/2014/main" id="{B30B73B8-7B53-23E5-8371-E6AB6065E284}"/>
-              </a:ext>
-            </a:extLst>
-          </p:cNvPr>
-          <p:cNvSpPr>
-            <a:spLocks noGrp="1"/>
-          </p:cNvSpPr>
-          <p:nvPr>
-            <p:ph idx="1"/>
-          </p:nvPr>
-        </p:nvSpPr>
-        <p:spPr>
-          <a:xfrm>
-            <a:off x="205483" y="2069849"/>
-            <a:ext cx="8733033" cy="3560390"/>
-          </a:xfrm>
-        </p:spPr>
-        <p:txBody>
-          <a:bodyPr>
-            <a:normAutofit fontScale="92500" lnSpcReduction="20000"/>
-          </a:bodyPr>
-          <a:lstStyle/>
-          <a:p>
-            <a:pPr marL="0" indent="0">
-              <a:buNone/>
-            </a:pPr>
-            <a:r>
-              <a:rPr lang="en-US" sz="1900" dirty="0">
-                <a:latin typeface="Courier New" panose="02070309020205020404" pitchFamily="49" charset="0"/>
-                <a:cs typeface="Courier New" panose="02070309020205020404" pitchFamily="49" charset="0"/>
-              </a:rPr>
-              <a:t>+-----------------------------------------------------------s1</a:t>
-            </a:r>
-          </a:p>
-          <a:p>
-            <a:pPr marL="0" indent="0">
-              <a:buNone/>
-            </a:pPr>
-            <a:r>
-              <a:rPr lang="en-US" sz="1900" dirty="0">
-                <a:latin typeface="Courier New" panose="02070309020205020404" pitchFamily="49" charset="0"/>
-                <a:cs typeface="Courier New" panose="02070309020205020404" pitchFamily="49" charset="0"/>
-              </a:rPr>
-              <a:t>|</a:t>
-            </a:r>
-          </a:p>
-          <a:p>
-            <a:pPr marL="0" indent="0">
-              <a:buNone/>
-            </a:pPr>
-            <a:r>
-              <a:rPr lang="en-US" sz="1900" dirty="0">
-                <a:latin typeface="Courier New" panose="02070309020205020404" pitchFamily="49" charset="0"/>
-                <a:cs typeface="Courier New" panose="02070309020205020404" pitchFamily="49" charset="0"/>
-              </a:rPr>
-              <a:t>+--s2</a:t>
-            </a:r>
-          </a:p>
-          <a:p>
-            <a:pPr marL="0" indent="0">
-              <a:buNone/>
-            </a:pPr>
-            <a:r>
-              <a:rPr lang="en-US" sz="1900" dirty="0">
-                <a:latin typeface="Courier New" panose="02070309020205020404" pitchFamily="49" charset="0"/>
-                <a:cs typeface="Courier New" panose="02070309020205020404" pitchFamily="49" charset="0"/>
-              </a:rPr>
-              <a:t>|</a:t>
-            </a:r>
-          </a:p>
-          <a:p>
-            <a:pPr marL="0" indent="0">
-              <a:buNone/>
-            </a:pPr>
-            <a:r>
-              <a:rPr lang="en-US" sz="1900" dirty="0">
-                <a:latin typeface="Courier New" panose="02070309020205020404" pitchFamily="49" charset="0"/>
-                <a:cs typeface="Courier New" panose="02070309020205020404" pitchFamily="49" charset="0"/>
-              </a:rPr>
-              <a:t>+--s3</a:t>
-            </a:r>
-          </a:p>
-          <a:p>
-            <a:pPr marL="0" indent="0">
-              <a:buNone/>
-            </a:pPr>
-            <a:br>
-              <a:rPr lang="en-US" dirty="0">
-                <a:latin typeface="Courier New" panose="02070309020205020404" pitchFamily="49" charset="0"/>
-                <a:cs typeface="Courier New" panose="02070309020205020404" pitchFamily="49" charset="0"/>
-              </a:rPr>
-            </a:br>
-            <a:endParaRPr lang="en-US" dirty="0">
-              <a:latin typeface="Courier New" panose="02070309020205020404" pitchFamily="49" charset="0"/>
-              <a:cs typeface="Courier New" panose="02070309020205020404" pitchFamily="49" charset="0"/>
-            </a:endParaRPr>
-          </a:p>
-          <a:p>
-            <a:pPr marL="0" indent="0">
-              <a:buNone/>
-            </a:pPr>
-            <a:r>
-              <a:rPr lang="en-US" dirty="0">
-                <a:latin typeface="Courier New" panose="02070309020205020404" pitchFamily="49" charset="0"/>
-                <a:cs typeface="Courier New" panose="02070309020205020404" pitchFamily="49" charset="0"/>
-              </a:rPr>
-              <a:t>Tree in </a:t>
-            </a:r>
-            <a:r>
-              <a:rPr lang="en-US" dirty="0" err="1">
-                <a:latin typeface="Courier New" panose="02070309020205020404" pitchFamily="49" charset="0"/>
-                <a:cs typeface="Courier New" panose="02070309020205020404" pitchFamily="49" charset="0"/>
-              </a:rPr>
-              <a:t>newick</a:t>
-            </a:r>
-            <a:r>
-              <a:rPr lang="en-US" dirty="0">
-                <a:latin typeface="Courier New" panose="02070309020205020404" pitchFamily="49" charset="0"/>
-                <a:cs typeface="Courier New" panose="02070309020205020404" pitchFamily="49" charset="0"/>
-              </a:rPr>
-              <a:t> format:</a:t>
-            </a:r>
-          </a:p>
-          <a:p>
-            <a:pPr marL="0" indent="0">
-              <a:buNone/>
-            </a:pPr>
-            <a:r>
-              <a:rPr lang="en-US" dirty="0">
-                <a:latin typeface="Courier New" panose="02070309020205020404" pitchFamily="49" charset="0"/>
-                <a:cs typeface="Courier New" panose="02070309020205020404" pitchFamily="49" charset="0"/>
-              </a:rPr>
-              <a:t>(s1:9.9999988658,s2:0.0702378591,s3:0.0647318661);</a:t>
             </a:r>
           </a:p>
         </p:txBody>
@@ -6377,7 +6321,7 @@
     </p:spTree>
     <p:extLst>
       <p:ext uri="{BB962C8B-B14F-4D97-AF65-F5344CB8AC3E}">
-        <p14:creationId xmlns:p14="http://schemas.microsoft.com/office/powerpoint/2010/main" val="1165108009"/>
+        <p14:creationId xmlns:p14="http://schemas.microsoft.com/office/powerpoint/2010/main" val="2516774485"/>
       </p:ext>
     </p:extLst>
   </p:cSld>
@@ -6477,17 +6421,6 @@
             </a:pPr>
             <a:r>
               <a:rPr lang="en-US" dirty="0"/>
-              <a:t>Build a tree through Multiple Sequence Alignment</a:t>
-            </a:r>
-          </a:p>
-          <a:p>
-            <a:pPr>
-              <a:lnSpc>
-                <a:spcPct val="150000"/>
-              </a:lnSpc>
-            </a:pPr>
-            <a:r>
-              <a:rPr lang="en-US" dirty="0"/>
               <a:t>Built a tree through SNP discovery and </a:t>
             </a:r>
             <a:r>
@@ -6512,6 +6445,253 @@
 </file>
 
 <file path=ppt/slides/slide20.xml><?xml version="1.0" encoding="utf-8"?>
+<p:sld xmlns:a="http://schemas.openxmlformats.org/drawingml/2006/main" xmlns:r="http://schemas.openxmlformats.org/officeDocument/2006/relationships" xmlns:p="http://schemas.openxmlformats.org/presentationml/2006/main">
+  <p:cSld>
+    <p:spTree>
+      <p:nvGrpSpPr>
+        <p:cNvPr id="1" name=""/>
+        <p:cNvGrpSpPr/>
+        <p:nvPr/>
+      </p:nvGrpSpPr>
+      <p:grpSpPr>
+        <a:xfrm>
+          <a:off x="0" y="0"/>
+          <a:ext cx="0" cy="0"/>
+          <a:chOff x="0" y="0"/>
+          <a:chExt cx="0" cy="0"/>
+        </a:xfrm>
+      </p:grpSpPr>
+      <p:sp>
+        <p:nvSpPr>
+          <p:cNvPr id="2" name="Title 1">
+            <a:extLst>
+              <a:ext uri="{FF2B5EF4-FFF2-40B4-BE49-F238E27FC236}">
+                <a16:creationId xmlns:a16="http://schemas.microsoft.com/office/drawing/2014/main" id="{DC76DADE-2A74-0D26-0990-A3571030C7DB}"/>
+              </a:ext>
+            </a:extLst>
+          </p:cNvPr>
+          <p:cNvSpPr>
+            <a:spLocks noGrp="1"/>
+          </p:cNvSpPr>
+          <p:nvPr>
+            <p:ph type="title"/>
+          </p:nvPr>
+        </p:nvSpPr>
+        <p:spPr>
+          <a:xfrm>
+            <a:off x="628650" y="365127"/>
+            <a:ext cx="7886700" cy="1032158"/>
+          </a:xfrm>
+        </p:spPr>
+        <p:txBody>
+          <a:bodyPr>
+            <a:normAutofit/>
+          </a:bodyPr>
+          <a:lstStyle/>
+          <a:p>
+            <a:pPr algn="ctr"/>
+            <a:r>
+              <a:rPr lang="en-US" sz="3200" dirty="0" err="1">
+                <a:solidFill>
+                  <a:schemeClr val="tx1">
+                    <a:lumMod val="95000"/>
+                    <a:lumOff val="5000"/>
+                  </a:schemeClr>
+                </a:solidFill>
+                <a:effectLst/>
+              </a:rPr>
+              <a:t>maxium</a:t>
+            </a:r>
+            <a:r>
+              <a:rPr lang="en-US" sz="3200" dirty="0">
+                <a:solidFill>
+                  <a:schemeClr val="tx1">
+                    <a:lumMod val="95000"/>
+                    <a:lumOff val="5000"/>
+                  </a:schemeClr>
+                </a:solidFill>
+              </a:rPr>
+              <a:t> likelihood tree</a:t>
+            </a:r>
+            <a:br>
+              <a:rPr lang="en-US" sz="2400" dirty="0">
+                <a:solidFill>
+                  <a:schemeClr val="tx1">
+                    <a:lumMod val="95000"/>
+                    <a:lumOff val="5000"/>
+                  </a:schemeClr>
+                </a:solidFill>
+                <a:effectLst/>
+              </a:rPr>
+            </a:br>
+            <a:r>
+              <a:rPr lang="en-US" sz="2400" dirty="0">
+                <a:solidFill>
+                  <a:srgbClr val="2FB41D"/>
+                </a:solidFill>
+                <a:latin typeface="Monaco" pitchFamily="2" charset="77"/>
+              </a:rPr>
+              <a:t>covid.2.treefile </a:t>
+            </a:r>
+          </a:p>
+        </p:txBody>
+      </p:sp>
+      <p:sp>
+        <p:nvSpPr>
+          <p:cNvPr id="3" name="Content Placeholder 2">
+            <a:extLst>
+              <a:ext uri="{FF2B5EF4-FFF2-40B4-BE49-F238E27FC236}">
+                <a16:creationId xmlns:a16="http://schemas.microsoft.com/office/drawing/2014/main" id="{B30B73B8-7B53-23E5-8371-E6AB6065E284}"/>
+              </a:ext>
+            </a:extLst>
+          </p:cNvPr>
+          <p:cNvSpPr>
+            <a:spLocks noGrp="1"/>
+          </p:cNvSpPr>
+          <p:nvPr>
+            <p:ph idx="1"/>
+          </p:nvPr>
+        </p:nvSpPr>
+        <p:spPr>
+          <a:xfrm>
+            <a:off x="205483" y="2069849"/>
+            <a:ext cx="8733033" cy="3560390"/>
+          </a:xfrm>
+        </p:spPr>
+        <p:txBody>
+          <a:bodyPr>
+            <a:normAutofit fontScale="92500" lnSpcReduction="20000"/>
+          </a:bodyPr>
+          <a:lstStyle/>
+          <a:p>
+            <a:pPr marL="0" indent="0">
+              <a:buNone/>
+            </a:pPr>
+            <a:r>
+              <a:rPr lang="en-US" sz="1900" dirty="0">
+                <a:latin typeface="Courier New" panose="02070309020205020404" pitchFamily="49" charset="0"/>
+                <a:cs typeface="Courier New" panose="02070309020205020404" pitchFamily="49" charset="0"/>
+              </a:rPr>
+              <a:t>+-----------------------------------------------------------s1</a:t>
+            </a:r>
+          </a:p>
+          <a:p>
+            <a:pPr marL="0" indent="0">
+              <a:buNone/>
+            </a:pPr>
+            <a:r>
+              <a:rPr lang="en-US" sz="1900" dirty="0">
+                <a:latin typeface="Courier New" panose="02070309020205020404" pitchFamily="49" charset="0"/>
+                <a:cs typeface="Courier New" panose="02070309020205020404" pitchFamily="49" charset="0"/>
+              </a:rPr>
+              <a:t>|</a:t>
+            </a:r>
+          </a:p>
+          <a:p>
+            <a:pPr marL="0" indent="0">
+              <a:buNone/>
+            </a:pPr>
+            <a:r>
+              <a:rPr lang="en-US" sz="1900" dirty="0">
+                <a:latin typeface="Courier New" panose="02070309020205020404" pitchFamily="49" charset="0"/>
+                <a:cs typeface="Courier New" panose="02070309020205020404" pitchFamily="49" charset="0"/>
+              </a:rPr>
+              <a:t>+--s2</a:t>
+            </a:r>
+          </a:p>
+          <a:p>
+            <a:pPr marL="0" indent="0">
+              <a:buNone/>
+            </a:pPr>
+            <a:r>
+              <a:rPr lang="en-US" sz="1900" dirty="0">
+                <a:latin typeface="Courier New" panose="02070309020205020404" pitchFamily="49" charset="0"/>
+                <a:cs typeface="Courier New" panose="02070309020205020404" pitchFamily="49" charset="0"/>
+              </a:rPr>
+              <a:t>|</a:t>
+            </a:r>
+          </a:p>
+          <a:p>
+            <a:pPr marL="0" indent="0">
+              <a:buNone/>
+            </a:pPr>
+            <a:r>
+              <a:rPr lang="en-US" sz="1900" dirty="0">
+                <a:latin typeface="Courier New" panose="02070309020205020404" pitchFamily="49" charset="0"/>
+                <a:cs typeface="Courier New" panose="02070309020205020404" pitchFamily="49" charset="0"/>
+              </a:rPr>
+              <a:t>+--s3</a:t>
+            </a:r>
+          </a:p>
+          <a:p>
+            <a:pPr marL="0" indent="0">
+              <a:buNone/>
+            </a:pPr>
+            <a:br>
+              <a:rPr lang="en-US" dirty="0">
+                <a:latin typeface="Courier New" panose="02070309020205020404" pitchFamily="49" charset="0"/>
+                <a:cs typeface="Courier New" panose="02070309020205020404" pitchFamily="49" charset="0"/>
+              </a:rPr>
+            </a:br>
+            <a:endParaRPr lang="en-US" dirty="0">
+              <a:latin typeface="Courier New" panose="02070309020205020404" pitchFamily="49" charset="0"/>
+              <a:cs typeface="Courier New" panose="02070309020205020404" pitchFamily="49" charset="0"/>
+            </a:endParaRPr>
+          </a:p>
+          <a:p>
+            <a:pPr marL="0" indent="0">
+              <a:buNone/>
+            </a:pPr>
+            <a:r>
+              <a:rPr lang="en-US" dirty="0">
+                <a:latin typeface="Courier New" panose="02070309020205020404" pitchFamily="49" charset="0"/>
+                <a:cs typeface="Courier New" panose="02070309020205020404" pitchFamily="49" charset="0"/>
+              </a:rPr>
+              <a:t>Tree in </a:t>
+            </a:r>
+            <a:r>
+              <a:rPr lang="en-US" dirty="0" err="1">
+                <a:latin typeface="Courier New" panose="02070309020205020404" pitchFamily="49" charset="0"/>
+                <a:cs typeface="Courier New" panose="02070309020205020404" pitchFamily="49" charset="0"/>
+              </a:rPr>
+              <a:t>newick</a:t>
+            </a:r>
+            <a:r>
+              <a:rPr lang="en-US" dirty="0">
+                <a:latin typeface="Courier New" panose="02070309020205020404" pitchFamily="49" charset="0"/>
+                <a:cs typeface="Courier New" panose="02070309020205020404" pitchFamily="49" charset="0"/>
+              </a:rPr>
+              <a:t> format:</a:t>
+            </a:r>
+          </a:p>
+          <a:p>
+            <a:pPr marL="0" indent="0">
+              <a:buNone/>
+            </a:pPr>
+            <a:r>
+              <a:rPr lang="en-US" dirty="0">
+                <a:latin typeface="Courier New" panose="02070309020205020404" pitchFamily="49" charset="0"/>
+                <a:cs typeface="Courier New" panose="02070309020205020404" pitchFamily="49" charset="0"/>
+              </a:rPr>
+              <a:t>(s1:9.9999988658,s2:0.0702378591,s3:0.0647318661);</a:t>
+            </a:r>
+          </a:p>
+        </p:txBody>
+      </p:sp>
+    </p:spTree>
+    <p:extLst>
+      <p:ext uri="{BB962C8B-B14F-4D97-AF65-F5344CB8AC3E}">
+        <p14:creationId xmlns:p14="http://schemas.microsoft.com/office/powerpoint/2010/main" val="1165108009"/>
+      </p:ext>
+    </p:extLst>
+  </p:cSld>
+  <p:clrMapOvr>
+    <a:masterClrMapping/>
+  </p:clrMapOvr>
+</p:sld>
+</file>
+
+<file path=ppt/slides/slide21.xml><?xml version="1.0" encoding="utf-8"?>
 <p:sld xmlns:a="http://schemas.openxmlformats.org/drawingml/2006/main" xmlns:r="http://schemas.openxmlformats.org/officeDocument/2006/relationships" xmlns:p="http://schemas.openxmlformats.org/presentationml/2006/main">
   <p:cSld>
     <p:spTree>
@@ -7034,7 +7214,7 @@
         </p:nvSpPr>
         <p:spPr>
           <a:xfrm>
-            <a:off x="245589" y="302289"/>
+            <a:off x="1" y="287069"/>
             <a:ext cx="9143999" cy="964128"/>
           </a:xfrm>
         </p:spPr>
@@ -7778,7 +7958,7 @@
           <p:cNvPr id="2" name="Title 1">
             <a:extLst>
               <a:ext uri="{FF2B5EF4-FFF2-40B4-BE49-F238E27FC236}">
-                <a16:creationId xmlns:a16="http://schemas.microsoft.com/office/drawing/2014/main" id="{DC76DADE-2A74-0D26-0990-A3571030C7DB}"/>
+                <a16:creationId xmlns:a16="http://schemas.microsoft.com/office/drawing/2014/main" id="{46893E0A-D3EB-2A38-FB5D-19A37604963B}"/>
               </a:ext>
             </a:extLst>
           </p:cNvPr>
@@ -7789,12 +7969,7 @@
             <p:ph type="title"/>
           </p:nvPr>
         </p:nvSpPr>
-        <p:spPr>
-          <a:xfrm>
-            <a:off x="628650" y="365127"/>
-            <a:ext cx="7886700" cy="672564"/>
-          </a:xfrm>
-        </p:spPr>
+        <p:spPr/>
         <p:txBody>
           <a:bodyPr>
             <a:normAutofit/>
@@ -7803,8 +7978,8 @@
           <a:p>
             <a:pPr algn="ctr"/>
             <a:r>
-              <a:rPr lang="en-US" sz="3200" dirty="0"/>
-              <a:t>Data and codes</a:t>
+              <a:rPr lang="en-US" sz="3600" dirty="0"/>
+              <a:t>Data and codes downloading</a:t>
             </a:r>
           </a:p>
         </p:txBody>
@@ -7814,7 +7989,7 @@
           <p:cNvPr id="3" name="Content Placeholder 2">
             <a:extLst>
               <a:ext uri="{FF2B5EF4-FFF2-40B4-BE49-F238E27FC236}">
-                <a16:creationId xmlns:a16="http://schemas.microsoft.com/office/drawing/2014/main" id="{B30B73B8-7B53-23E5-8371-E6AB6065E284}"/>
+                <a16:creationId xmlns:a16="http://schemas.microsoft.com/office/drawing/2014/main" id="{53ED73B6-9384-76AC-66D1-E898AB83686F}"/>
               </a:ext>
             </a:extLst>
           </p:cNvPr>
@@ -7827,8 +8002,8 @@
         </p:nvSpPr>
         <p:spPr>
           <a:xfrm>
-            <a:off x="1132083" y="1746607"/>
-            <a:ext cx="7159161" cy="3616504"/>
+            <a:off x="258679" y="3151188"/>
+            <a:ext cx="8626641" cy="388186"/>
           </a:xfrm>
         </p:spPr>
         <p:txBody>
@@ -7841,92 +8016,62 @@
               <a:buNone/>
             </a:pPr>
             <a:r>
-              <a:rPr lang="en-US" sz="3200" dirty="0">
-                <a:latin typeface="Courier New" panose="02070309020205020404" pitchFamily="49" charset="0"/>
-                <a:cs typeface="Courier New" panose="02070309020205020404" pitchFamily="49" charset="0"/>
-              </a:rPr>
-              <a:t>1_ref (reference genome)</a:t>
-            </a:r>
-          </a:p>
-          <a:p>
-            <a:pPr marL="0" indent="0">
-              <a:buNone/>
-            </a:pPr>
-            <a:r>
-              <a:rPr lang="en-US" sz="3200" dirty="0">
-                <a:latin typeface="Courier New" panose="02070309020205020404" pitchFamily="49" charset="0"/>
-                <a:cs typeface="Courier New" panose="02070309020205020404" pitchFamily="49" charset="0"/>
-              </a:rPr>
-              <a:t>2_reads (read data)</a:t>
-            </a:r>
-          </a:p>
-          <a:p>
-            <a:pPr marL="0" indent="0">
-              <a:buNone/>
-            </a:pPr>
-            <a:r>
-              <a:rPr lang="en-US" sz="3200" dirty="0">
-                <a:latin typeface="Courier New" panose="02070309020205020404" pitchFamily="49" charset="0"/>
-                <a:cs typeface="Courier New" panose="02070309020205020404" pitchFamily="49" charset="0"/>
-              </a:rPr>
-              <a:t>3_aln (BWA alignment)</a:t>
-            </a:r>
-          </a:p>
-          <a:p>
-            <a:pPr marL="0" indent="0">
-              <a:buNone/>
-            </a:pPr>
-            <a:r>
-              <a:rPr lang="en-US" sz="3200" dirty="0">
-                <a:latin typeface="Courier New" panose="02070309020205020404" pitchFamily="49" charset="0"/>
-                <a:cs typeface="Courier New" panose="02070309020205020404" pitchFamily="49" charset="0"/>
-              </a:rPr>
-              <a:t>4_snp (GATK SNPs)</a:t>
-            </a:r>
-          </a:p>
-          <a:p>
-            <a:pPr marL="0" indent="0">
-              <a:buNone/>
-            </a:pPr>
-            <a:r>
-              <a:rPr lang="en-US" sz="3200" dirty="0">
-                <a:latin typeface="Courier New" panose="02070309020205020404" pitchFamily="49" charset="0"/>
-                <a:cs typeface="Courier New" panose="02070309020205020404" pitchFamily="49" charset="0"/>
-              </a:rPr>
-              <a:t>5_tree (</a:t>
-            </a:r>
-            <a:r>
-              <a:rPr lang="en-US" sz="3200" dirty="0" err="1">
-                <a:latin typeface="Courier New" panose="02070309020205020404" pitchFamily="49" charset="0"/>
-                <a:cs typeface="Courier New" panose="02070309020205020404" pitchFamily="49" charset="0"/>
-              </a:rPr>
-              <a:t>iqtree</a:t>
-            </a:r>
-            <a:r>
-              <a:rPr lang="en-US" sz="3200" dirty="0">
-                <a:latin typeface="Courier New" panose="02070309020205020404" pitchFamily="49" charset="0"/>
-                <a:cs typeface="Courier New" panose="02070309020205020404" pitchFamily="49" charset="0"/>
-              </a:rPr>
-              <a:t>)</a:t>
-            </a:r>
-          </a:p>
-          <a:p>
-            <a:pPr marL="0" indent="0">
-              <a:buNone/>
-            </a:pPr>
-            <a:r>
-              <a:rPr lang="en-US" sz="3200" dirty="0">
-                <a:latin typeface="Courier New" panose="02070309020205020404" pitchFamily="49" charset="0"/>
-                <a:cs typeface="Courier New" panose="02070309020205020404" pitchFamily="49" charset="0"/>
-              </a:rPr>
-              <a:t>scripts (software packages)</a:t>
-            </a:r>
-          </a:p>
-          <a:p>
-            <a:pPr marL="0" indent="0">
-              <a:buNone/>
-            </a:pPr>
-            <a:endParaRPr lang="en-US" sz="3200" dirty="0">
+              <a:rPr lang="en-US" sz="2000" dirty="0" err="1">
+                <a:latin typeface="Courier New" panose="02070309020205020404" pitchFamily="49" charset="0"/>
+                <a:cs typeface="Courier New" panose="02070309020205020404" pitchFamily="49" charset="0"/>
+              </a:rPr>
+              <a:t>wget</a:t>
+            </a:r>
+            <a:r>
+              <a:rPr lang="en-US" sz="2000" dirty="0">
+                <a:latin typeface="Courier New" panose="02070309020205020404" pitchFamily="49" charset="0"/>
+                <a:cs typeface="Courier New" panose="02070309020205020404" pitchFamily="49" charset="0"/>
+              </a:rPr>
+              <a:t> </a:t>
+            </a:r>
+            <a:r>
+              <a:rPr lang="en-US" sz="1100" dirty="0">
+                <a:latin typeface="Courier New" panose="02070309020205020404" pitchFamily="49" charset="0"/>
+                <a:cs typeface="Courier New" panose="02070309020205020404" pitchFamily="49" charset="0"/>
+              </a:rPr>
+              <a:t>https://</a:t>
+            </a:r>
+            <a:r>
+              <a:rPr lang="en-US" sz="1100" dirty="0" err="1">
+                <a:latin typeface="Courier New" panose="02070309020205020404" pitchFamily="49" charset="0"/>
+                <a:cs typeface="Courier New" panose="02070309020205020404" pitchFamily="49" charset="0"/>
+              </a:rPr>
+              <a:t>people.beocat.ksu.edu</a:t>
+            </a:r>
+            <a:r>
+              <a:rPr lang="en-US" sz="1100" dirty="0">
+                <a:latin typeface="Courier New" panose="02070309020205020404" pitchFamily="49" charset="0"/>
+                <a:cs typeface="Courier New" panose="02070309020205020404" pitchFamily="49" charset="0"/>
+              </a:rPr>
+              <a:t>/~liu3zhen/PLPTH813/</a:t>
+            </a:r>
+            <a:r>
+              <a:rPr lang="en-US" sz="1100" dirty="0" err="1">
+                <a:latin typeface="Courier New" panose="02070309020205020404" pitchFamily="49" charset="0"/>
+                <a:cs typeface="Courier New" panose="02070309020205020404" pitchFamily="49" charset="0"/>
+              </a:rPr>
+              <a:t>inclass_project</a:t>
+            </a:r>
+            <a:r>
+              <a:rPr lang="en-US" sz="1100" dirty="0">
+                <a:latin typeface="Courier New" panose="02070309020205020404" pitchFamily="49" charset="0"/>
+                <a:cs typeface="Courier New" panose="02070309020205020404" pitchFamily="49" charset="0"/>
+              </a:rPr>
+              <a:t>/</a:t>
+            </a:r>
+            <a:r>
+              <a:rPr lang="en-US" sz="1100" dirty="0" err="1">
+                <a:latin typeface="Courier New" panose="02070309020205020404" pitchFamily="49" charset="0"/>
+                <a:cs typeface="Courier New" panose="02070309020205020404" pitchFamily="49" charset="0"/>
+              </a:rPr>
+              <a:t>tree_data_codes.tar.gz</a:t>
+            </a:r>
+            <a:endParaRPr lang="en-US" sz="1100" dirty="0">
               <a:latin typeface="Courier New" panose="02070309020205020404" pitchFamily="49" charset="0"/>
               <a:cs typeface="Courier New" panose="02070309020205020404" pitchFamily="49" charset="0"/>
             </a:endParaRPr>
@@ -7936,7 +8081,7 @@
     </p:spTree>
     <p:extLst>
       <p:ext uri="{BB962C8B-B14F-4D97-AF65-F5344CB8AC3E}">
-        <p14:creationId xmlns:p14="http://schemas.microsoft.com/office/powerpoint/2010/main" val="3403687083"/>
+        <p14:creationId xmlns:p14="http://schemas.microsoft.com/office/powerpoint/2010/main" val="3140403172"/>
       </p:ext>
     </p:extLst>
   </p:cSld>

--- a/PLPTH813Bioinformatis/2023/lectures/lecture14_BeocatProject.pptx
+++ b/PLPTH813Bioinformatis/2023/lectures/lecture14_BeocatProject.pptx
@@ -217,7 +217,7 @@
           <a:p>
             <a:fld id="{8855602D-883D-CC4D-93B3-DEDFCD22325B}" type="datetimeFigureOut">
               <a:rPr lang="en-US" smtClean="0"/>
-              <a:t>4/9/23</a:t>
+              <a:t>4/13/23</a:t>
             </a:fld>
             <a:endParaRPr lang="en-US"/>
           </a:p>
@@ -727,7 +727,7 @@
           <a:p>
             <a:fld id="{5C8A62DC-34B9-8C44-926F-1DFCE40A3D12}" type="datetimeFigureOut">
               <a:rPr lang="en-US" smtClean="0"/>
-              <a:t>4/9/23</a:t>
+              <a:t>4/13/23</a:t>
             </a:fld>
             <a:endParaRPr lang="en-US"/>
           </a:p>
@@ -897,7 +897,7 @@
           <a:p>
             <a:fld id="{5C8A62DC-34B9-8C44-926F-1DFCE40A3D12}" type="datetimeFigureOut">
               <a:rPr lang="en-US" smtClean="0"/>
-              <a:t>4/9/23</a:t>
+              <a:t>4/13/23</a:t>
             </a:fld>
             <a:endParaRPr lang="en-US"/>
           </a:p>
@@ -1077,7 +1077,7 @@
           <a:p>
             <a:fld id="{5C8A62DC-34B9-8C44-926F-1DFCE40A3D12}" type="datetimeFigureOut">
               <a:rPr lang="en-US" smtClean="0"/>
-              <a:t>4/9/23</a:t>
+              <a:t>4/13/23</a:t>
             </a:fld>
             <a:endParaRPr lang="en-US"/>
           </a:p>
@@ -1247,7 +1247,7 @@
           <a:p>
             <a:fld id="{5C8A62DC-34B9-8C44-926F-1DFCE40A3D12}" type="datetimeFigureOut">
               <a:rPr lang="en-US" smtClean="0"/>
-              <a:t>4/9/23</a:t>
+              <a:t>4/13/23</a:t>
             </a:fld>
             <a:endParaRPr lang="en-US"/>
           </a:p>
@@ -1491,7 +1491,7 @@
           <a:p>
             <a:fld id="{5C8A62DC-34B9-8C44-926F-1DFCE40A3D12}" type="datetimeFigureOut">
               <a:rPr lang="en-US" smtClean="0"/>
-              <a:t>4/9/23</a:t>
+              <a:t>4/13/23</a:t>
             </a:fld>
             <a:endParaRPr lang="en-US"/>
           </a:p>
@@ -1723,7 +1723,7 @@
           <a:p>
             <a:fld id="{5C8A62DC-34B9-8C44-926F-1DFCE40A3D12}" type="datetimeFigureOut">
               <a:rPr lang="en-US" smtClean="0"/>
-              <a:t>4/9/23</a:t>
+              <a:t>4/13/23</a:t>
             </a:fld>
             <a:endParaRPr lang="en-US"/>
           </a:p>
@@ -2090,7 +2090,7 @@
           <a:p>
             <a:fld id="{5C8A62DC-34B9-8C44-926F-1DFCE40A3D12}" type="datetimeFigureOut">
               <a:rPr lang="en-US" smtClean="0"/>
-              <a:t>4/9/23</a:t>
+              <a:t>4/13/23</a:t>
             </a:fld>
             <a:endParaRPr lang="en-US"/>
           </a:p>
@@ -2208,7 +2208,7 @@
           <a:p>
             <a:fld id="{5C8A62DC-34B9-8C44-926F-1DFCE40A3D12}" type="datetimeFigureOut">
               <a:rPr lang="en-US" smtClean="0"/>
-              <a:t>4/9/23</a:t>
+              <a:t>4/13/23</a:t>
             </a:fld>
             <a:endParaRPr lang="en-US"/>
           </a:p>
@@ -2303,7 +2303,7 @@
           <a:p>
             <a:fld id="{5C8A62DC-34B9-8C44-926F-1DFCE40A3D12}" type="datetimeFigureOut">
               <a:rPr lang="en-US" smtClean="0"/>
-              <a:t>4/9/23</a:t>
+              <a:t>4/13/23</a:t>
             </a:fld>
             <a:endParaRPr lang="en-US"/>
           </a:p>
@@ -2580,7 +2580,7 @@
           <a:p>
             <a:fld id="{5C8A62DC-34B9-8C44-926F-1DFCE40A3D12}" type="datetimeFigureOut">
               <a:rPr lang="en-US" smtClean="0"/>
-              <a:t>4/9/23</a:t>
+              <a:t>4/13/23</a:t>
             </a:fld>
             <a:endParaRPr lang="en-US"/>
           </a:p>
@@ -2837,7 +2837,7 @@
           <a:p>
             <a:fld id="{5C8A62DC-34B9-8C44-926F-1DFCE40A3D12}" type="datetimeFigureOut">
               <a:rPr lang="en-US" smtClean="0"/>
-              <a:t>4/9/23</a:t>
+              <a:t>4/13/23</a:t>
             </a:fld>
             <a:endParaRPr lang="en-US"/>
           </a:p>
@@ -3050,7 +3050,7 @@
           <a:p>
             <a:fld id="{5C8A62DC-34B9-8C44-926F-1DFCE40A3D12}" type="datetimeFigureOut">
               <a:rPr lang="en-US" smtClean="0"/>
-              <a:t>4/9/23</a:t>
+              <a:t>4/13/23</a:t>
             </a:fld>
             <a:endParaRPr lang="en-US"/>
           </a:p>
@@ -5272,7 +5272,24 @@
                 <a:latin typeface="Courier New" panose="02070309020205020404" pitchFamily="49" charset="0"/>
                 <a:cs typeface="Courier New" panose="02070309020205020404" pitchFamily="49" charset="0"/>
               </a:rPr>
-              <a:t>=covid_SunApr91345362023/</a:t>
+              <a:t>=</a:t>
+            </a:r>
+            <a:r>
+              <a:rPr lang="en-US" dirty="0">
+                <a:highlight>
+                  <a:srgbClr val="FFFF00"/>
+                </a:highlight>
+                <a:latin typeface="Courier New" panose="02070309020205020404" pitchFamily="49" charset="0"/>
+                <a:cs typeface="Courier New" panose="02070309020205020404" pitchFamily="49" charset="0"/>
+              </a:rPr>
+              <a:t>covid_SunApr91345362023</a:t>
+            </a:r>
+            <a:r>
+              <a:rPr lang="en-US" dirty="0">
+                <a:latin typeface="Courier New" panose="02070309020205020404" pitchFamily="49" charset="0"/>
+                <a:cs typeface="Courier New" panose="02070309020205020404" pitchFamily="49" charset="0"/>
+              </a:rPr>
+              <a:t>/</a:t>
             </a:r>
             <a:r>
               <a:rPr lang="en-US" dirty="0" err="1">

--- a/PLPTH813Bioinformatis/2023/lectures/lecture14_BeocatProject.pptx
+++ b/PLPTH813Bioinformatis/2023/lectures/lecture14_BeocatProject.pptx
@@ -8019,13 +8019,13 @@
         </p:nvSpPr>
         <p:spPr>
           <a:xfrm>
-            <a:off x="258679" y="3151188"/>
-            <a:ext cx="8626641" cy="388186"/>
+            <a:off x="770894" y="2766219"/>
+            <a:ext cx="7602211" cy="1325562"/>
           </a:xfrm>
         </p:spPr>
         <p:txBody>
           <a:bodyPr>
-            <a:normAutofit/>
+            <a:normAutofit fontScale="85000" lnSpcReduction="20000"/>
           </a:bodyPr>
           <a:lstStyle/>
           <a:p>
@@ -8033,7 +8033,7 @@
               <a:buNone/>
             </a:pPr>
             <a:r>
-              <a:rPr lang="en-US" sz="2000" dirty="0" err="1">
+              <a:rPr lang="en-US" sz="3000" dirty="0" err="1">
                 <a:latin typeface="Courier New" panose="02070309020205020404" pitchFamily="49" charset="0"/>
                 <a:cs typeface="Courier New" panose="02070309020205020404" pitchFamily="49" charset="0"/>
               </a:rPr>
@@ -8050,45 +8050,57 @@
               <a:rPr lang="en-US" sz="1100" dirty="0">
                 <a:latin typeface="Courier New" panose="02070309020205020404" pitchFamily="49" charset="0"/>
                 <a:cs typeface="Courier New" panose="02070309020205020404" pitchFamily="49" charset="0"/>
-              </a:rPr>
-              <a:t>https://</a:t>
-            </a:r>
-            <a:r>
-              <a:rPr lang="en-US" sz="1100" dirty="0" err="1">
-                <a:latin typeface="Courier New" panose="02070309020205020404" pitchFamily="49" charset="0"/>
-                <a:cs typeface="Courier New" panose="02070309020205020404" pitchFamily="49" charset="0"/>
-              </a:rPr>
-              <a:t>people.beocat.ksu.edu</a:t>
-            </a:r>
-            <a:r>
-              <a:rPr lang="en-US" sz="1100" dirty="0">
-                <a:latin typeface="Courier New" panose="02070309020205020404" pitchFamily="49" charset="0"/>
-                <a:cs typeface="Courier New" panose="02070309020205020404" pitchFamily="49" charset="0"/>
-              </a:rPr>
-              <a:t>/~liu3zhen/PLPTH813/</a:t>
-            </a:r>
-            <a:r>
-              <a:rPr lang="en-US" sz="1100" dirty="0" err="1">
-                <a:latin typeface="Courier New" panose="02070309020205020404" pitchFamily="49" charset="0"/>
-                <a:cs typeface="Courier New" panose="02070309020205020404" pitchFamily="49" charset="0"/>
-              </a:rPr>
-              <a:t>inclass_project</a:t>
-            </a:r>
-            <a:r>
-              <a:rPr lang="en-US" sz="1100" dirty="0">
-                <a:latin typeface="Courier New" panose="02070309020205020404" pitchFamily="49" charset="0"/>
-                <a:cs typeface="Courier New" panose="02070309020205020404" pitchFamily="49" charset="0"/>
-              </a:rPr>
-              <a:t>/</a:t>
-            </a:r>
-            <a:r>
-              <a:rPr lang="en-US" sz="1100" dirty="0" err="1">
+                <a:hlinkClick r:id="rId2"/>
+              </a:rPr>
+              <a:t>https://people.beocat.ksu.edu/~liu3zhen/PLPTH813/inclass_project/tree_data_codes.tar.gz</a:t>
+            </a:r>
+            <a:endParaRPr lang="en-US" sz="1100" dirty="0">
+              <a:latin typeface="Courier New" panose="02070309020205020404" pitchFamily="49" charset="0"/>
+              <a:cs typeface="Courier New" panose="02070309020205020404" pitchFamily="49" charset="0"/>
+            </a:endParaRPr>
+          </a:p>
+          <a:p>
+            <a:pPr marL="0" indent="0">
+              <a:buNone/>
+            </a:pPr>
+            <a:endParaRPr lang="en-US" sz="3500" dirty="0">
+              <a:latin typeface="Courier New" panose="02070309020205020404" pitchFamily="49" charset="0"/>
+              <a:cs typeface="Courier New" panose="02070309020205020404" pitchFamily="49" charset="0"/>
+            </a:endParaRPr>
+          </a:p>
+          <a:p>
+            <a:pPr marL="0" indent="0">
+              <a:buNone/>
+            </a:pPr>
+            <a:r>
+              <a:rPr lang="en-US" sz="3300" dirty="0">
+                <a:latin typeface="Courier New" panose="02070309020205020404" pitchFamily="49" charset="0"/>
+                <a:cs typeface="Courier New" panose="02070309020205020404" pitchFamily="49" charset="0"/>
+              </a:rPr>
+              <a:t>tar –</a:t>
+            </a:r>
+            <a:r>
+              <a:rPr lang="en-US" sz="3300" dirty="0" err="1">
+                <a:latin typeface="Courier New" panose="02070309020205020404" pitchFamily="49" charset="0"/>
+                <a:cs typeface="Courier New" panose="02070309020205020404" pitchFamily="49" charset="0"/>
+              </a:rPr>
+              <a:t>xf</a:t>
+            </a:r>
+            <a:r>
+              <a:rPr lang="en-US" sz="3300" dirty="0">
+                <a:latin typeface="Courier New" panose="02070309020205020404" pitchFamily="49" charset="0"/>
+                <a:cs typeface="Courier New" panose="02070309020205020404" pitchFamily="49" charset="0"/>
+              </a:rPr>
+              <a:t> </a:t>
+            </a:r>
+            <a:r>
+              <a:rPr lang="en-US" sz="3300" dirty="0" err="1">
                 <a:latin typeface="Courier New" panose="02070309020205020404" pitchFamily="49" charset="0"/>
                 <a:cs typeface="Courier New" panose="02070309020205020404" pitchFamily="49" charset="0"/>
               </a:rPr>
               <a:t>tree_data_codes.tar.gz</a:t>
             </a:r>
-            <a:endParaRPr lang="en-US" sz="1100" dirty="0">
+            <a:endParaRPr lang="en-US" sz="3300" dirty="0">
               <a:latin typeface="Courier New" panose="02070309020205020404" pitchFamily="49" charset="0"/>
               <a:cs typeface="Courier New" panose="02070309020205020404" pitchFamily="49" charset="0"/>
             </a:endParaRPr>
